--- a/Capstone2/capstone2/reports/Predicting Accident Severity.pptx
+++ b/Capstone2/capstone2/reports/Predicting Accident Severity.pptx
@@ -3326,6 +3326,14 @@
 <file path=ppt/slides/slide1.xml><?xml version="1.0" encoding="utf-8"?>
 <p:sld xmlns:a="http://schemas.openxmlformats.org/drawingml/2006/main" xmlns:r="http://schemas.openxmlformats.org/officeDocument/2006/relationships" xmlns:p="http://schemas.openxmlformats.org/presentationml/2006/main">
   <p:cSld>
+    <p:bg>
+      <p:bgPr>
+        <a:solidFill>
+          <a:schemeClr val="bg1"/>
+        </a:solidFill>
+        <a:effectLst/>
+      </p:bgPr>
+    </p:bg>
     <p:spTree>
       <p:nvGrpSpPr>
         <p:cNvPr id="1" name=""/>
@@ -3342,6 +3350,98 @@
       </p:grpSpPr>
       <p:sp>
         <p:nvSpPr>
+          <p:cNvPr id="10" name="Rectangle 9">
+            <a:extLst>
+              <a:ext uri="{FF2B5EF4-FFF2-40B4-BE49-F238E27FC236}">
+                <a16:creationId xmlns:a16="http://schemas.microsoft.com/office/drawing/2014/main" id="{CDA1A2E9-63FE-408D-A803-8E306ECAB4B3}"/>
+              </a:ext>
+              <a:ext uri="{C183D7F6-B498-43B3-948B-1728B52AA6E4}">
+                <adec:decorative xmlns:adec="http://schemas.microsoft.com/office/drawing/2017/decorative" val="1"/>
+              </a:ext>
+            </a:extLst>
+          </p:cNvPr>
+          <p:cNvSpPr>
+            <a:spLocks noGrp="1" noRot="1" noChangeAspect="1" noMove="1" noResize="1" noEditPoints="1" noAdjustHandles="1" noChangeArrowheads="1" noChangeShapeType="1" noTextEdit="1"/>
+          </p:cNvSpPr>
+          <p:nvPr>
+            <p:extLst>
+              <p:ext uri="{386F3935-93C4-4BCD-93E2-E3B085C9AB24}">
+                <p16:designElem xmlns:p16="http://schemas.microsoft.com/office/powerpoint/2015/main" val="1"/>
+              </p:ext>
+            </p:extLst>
+          </p:nvPr>
+        </p:nvSpPr>
+        <p:spPr>
+          <a:xfrm>
+            <a:off x="462058" y="450221"/>
+            <a:ext cx="8997696" cy="3918123"/>
+          </a:xfrm>
+          <a:prstGeom prst="rect">
+            <a:avLst/>
+          </a:prstGeom>
+          <a:solidFill>
+            <a:srgbClr val="595959"/>
+          </a:solidFill>
+          <a:ln w="25400">
+            <a:noFill/>
+          </a:ln>
+        </p:spPr>
+        <p:style>
+          <a:lnRef idx="2">
+            <a:schemeClr val="accent1">
+              <a:shade val="50000"/>
+            </a:schemeClr>
+          </a:lnRef>
+          <a:fillRef idx="1">
+            <a:schemeClr val="accent1"/>
+          </a:fillRef>
+          <a:effectRef idx="0">
+            <a:schemeClr val="accent1"/>
+          </a:effectRef>
+          <a:fontRef idx="minor">
+            <a:schemeClr val="lt1"/>
+          </a:fontRef>
+        </p:style>
+        <p:txBody>
+          <a:bodyPr rtlCol="0" anchor="ctr"/>
+          <a:lstStyle/>
+          <a:p>
+            <a:pPr marL="0" marR="0" lvl="0" indent="0" algn="ctr" defTabSz="914400" rtl="0" eaLnBrk="1" fontAlgn="auto" latinLnBrk="0" hangingPunct="1">
+              <a:lnSpc>
+                <a:spcPct val="100000"/>
+              </a:lnSpc>
+              <a:spcBef>
+                <a:spcPts val="0"/>
+              </a:spcBef>
+              <a:spcAft>
+                <a:spcPts val="0"/>
+              </a:spcAft>
+              <a:buClrTx/>
+              <a:buSzTx/>
+              <a:buFontTx/>
+              <a:buNone/>
+              <a:tabLst/>
+              <a:defRPr/>
+            </a:pPr>
+            <a:endParaRPr kumimoji="0" lang="en-US" sz="1800" b="0" i="0" u="none" strike="noStrike" kern="1200" cap="none" spc="0" normalizeH="0" baseline="0" noProof="0">
+              <a:ln>
+                <a:noFill/>
+              </a:ln>
+              <a:solidFill>
+                <a:srgbClr val="404040"/>
+              </a:solidFill>
+              <a:effectLst/>
+              <a:uLnTx/>
+              <a:uFillTx/>
+              <a:latin typeface="Calibri" panose="020F0502020204030204"/>
+              <a:ea typeface="+mn-ea"/>
+              <a:cs typeface="+mn-cs"/>
+            </a:endParaRPr>
+          </a:p>
+        </p:txBody>
+      </p:sp>
+      <p:sp>
+        <p:nvSpPr>
           <p:cNvPr id="2" name="Title 1">
             <a:extLst>
               <a:ext uri="{FF2B5EF4-FFF2-40B4-BE49-F238E27FC236}">
@@ -3356,13 +3456,25 @@
             <p:ph type="ctrTitle"/>
           </p:nvPr>
         </p:nvSpPr>
-        <p:spPr/>
-        <p:txBody>
-          <a:bodyPr/>
-          <a:lstStyle/>
-          <a:p>
-            <a:r>
-              <a:rPr lang="en-US" dirty="0"/>
+        <p:spPr>
+          <a:xfrm>
+            <a:off x="1100669" y="1111086"/>
+            <a:ext cx="7690104" cy="2623885"/>
+          </a:xfrm>
+        </p:spPr>
+        <p:txBody>
+          <a:bodyPr anchor="ctr">
+            <a:normAutofit/>
+          </a:bodyPr>
+          <a:lstStyle/>
+          <a:p>
+            <a:pPr algn="l"/>
+            <a:r>
+              <a:rPr lang="en-US" sz="6600">
+                <a:solidFill>
+                  <a:srgbClr val="FFFFFF"/>
+                </a:solidFill>
+              </a:rPr>
               <a:t>Predicting Accident Severity</a:t>
             </a:r>
           </a:p>
@@ -3370,6 +3482,194 @@
       </p:sp>
       <p:sp>
         <p:nvSpPr>
+          <p:cNvPr id="12" name="Rectangle 11">
+            <a:extLst>
+              <a:ext uri="{FF2B5EF4-FFF2-40B4-BE49-F238E27FC236}">
+                <a16:creationId xmlns:a16="http://schemas.microsoft.com/office/drawing/2014/main" id="{927CAFC9-A675-4314-84EF-236FFA58A3F2}"/>
+              </a:ext>
+              <a:ext uri="{C183D7F6-B498-43B3-948B-1728B52AA6E4}">
+                <adec:decorative xmlns:adec="http://schemas.microsoft.com/office/drawing/2017/decorative" val="1"/>
+              </a:ext>
+            </a:extLst>
+          </p:cNvPr>
+          <p:cNvSpPr>
+            <a:spLocks noGrp="1" noRot="1" noChangeAspect="1" noMove="1" noResize="1" noEditPoints="1" noAdjustHandles="1" noChangeArrowheads="1" noChangeShapeType="1" noTextEdit="1"/>
+          </p:cNvSpPr>
+          <p:nvPr>
+            <p:extLst>
+              <p:ext uri="{386F3935-93C4-4BCD-93E2-E3B085C9AB24}">
+                <p16:designElem xmlns:p16="http://schemas.microsoft.com/office/powerpoint/2015/main" val="1"/>
+              </p:ext>
+            </p:extLst>
+          </p:nvPr>
+        </p:nvSpPr>
+        <p:spPr>
+          <a:xfrm>
+            <a:off x="9619345" y="2490532"/>
+            <a:ext cx="2110597" cy="1877811"/>
+          </a:xfrm>
+          <a:prstGeom prst="rect">
+            <a:avLst/>
+          </a:prstGeom>
+          <a:solidFill>
+            <a:srgbClr val="DFF058">
+              <a:alpha val="20000"/>
+            </a:srgbClr>
+          </a:solidFill>
+          <a:ln w="25400">
+            <a:noFill/>
+          </a:ln>
+        </p:spPr>
+        <p:style>
+          <a:lnRef idx="2">
+            <a:schemeClr val="accent1">
+              <a:shade val="50000"/>
+            </a:schemeClr>
+          </a:lnRef>
+          <a:fillRef idx="1">
+            <a:schemeClr val="accent1"/>
+          </a:fillRef>
+          <a:effectRef idx="0">
+            <a:schemeClr val="accent1"/>
+          </a:effectRef>
+          <a:fontRef idx="minor">
+            <a:schemeClr val="lt1"/>
+          </a:fontRef>
+        </p:style>
+        <p:txBody>
+          <a:bodyPr rtlCol="0" anchor="ctr"/>
+          <a:lstStyle/>
+          <a:p>
+            <a:pPr marL="0" marR="0" lvl="0" indent="0" algn="ctr" defTabSz="914400" rtl="0" eaLnBrk="1" fontAlgn="auto" latinLnBrk="0" hangingPunct="1">
+              <a:lnSpc>
+                <a:spcPct val="100000"/>
+              </a:lnSpc>
+              <a:spcBef>
+                <a:spcPts val="0"/>
+              </a:spcBef>
+              <a:spcAft>
+                <a:spcPts val="0"/>
+              </a:spcAft>
+              <a:buClrTx/>
+              <a:buSzTx/>
+              <a:buFontTx/>
+              <a:buNone/>
+              <a:tabLst/>
+              <a:defRPr/>
+            </a:pPr>
+            <a:endParaRPr kumimoji="0" lang="en-US" sz="1800" b="0" i="0" u="none" strike="noStrike" kern="1200" cap="none" spc="0" normalizeH="0" baseline="0" noProof="0">
+              <a:ln>
+                <a:noFill/>
+              </a:ln>
+              <a:solidFill>
+                <a:srgbClr val="FFFFFF"/>
+              </a:solidFill>
+              <a:effectLst/>
+              <a:uLnTx/>
+              <a:uFillTx/>
+              <a:latin typeface="Calibri" panose="020F0502020204030204"/>
+              <a:ea typeface="+mn-ea"/>
+              <a:cs typeface="+mn-cs"/>
+            </a:endParaRPr>
+          </a:p>
+        </p:txBody>
+      </p:sp>
+      <p:sp>
+        <p:nvSpPr>
+          <p:cNvPr id="14" name="Rectangle 13">
+            <a:extLst>
+              <a:ext uri="{FF2B5EF4-FFF2-40B4-BE49-F238E27FC236}">
+                <a16:creationId xmlns:a16="http://schemas.microsoft.com/office/drawing/2014/main" id="{FBE9F90C-C163-435B-9A68-D15C92D1CF2B}"/>
+              </a:ext>
+              <a:ext uri="{C183D7F6-B498-43B3-948B-1728B52AA6E4}">
+                <adec:decorative xmlns:adec="http://schemas.microsoft.com/office/drawing/2017/decorative" val="1"/>
+              </a:ext>
+            </a:extLst>
+          </p:cNvPr>
+          <p:cNvSpPr>
+            <a:spLocks noGrp="1" noRot="1" noChangeAspect="1" noMove="1" noResize="1" noEditPoints="1" noAdjustHandles="1" noChangeArrowheads="1" noChangeShapeType="1" noTextEdit="1"/>
+          </p:cNvSpPr>
+          <p:nvPr>
+            <p:extLst>
+              <p:ext uri="{386F3935-93C4-4BCD-93E2-E3B085C9AB24}">
+                <p16:designElem xmlns:p16="http://schemas.microsoft.com/office/powerpoint/2015/main" val="1"/>
+              </p:ext>
+            </p:extLst>
+          </p:nvPr>
+        </p:nvSpPr>
+        <p:spPr>
+          <a:xfrm>
+            <a:off x="457200" y="4521269"/>
+            <a:ext cx="11277600" cy="1877811"/>
+          </a:xfrm>
+          <a:prstGeom prst="rect">
+            <a:avLst/>
+          </a:prstGeom>
+          <a:solidFill>
+            <a:srgbClr val="7F7F7F">
+              <a:alpha val="20000"/>
+            </a:srgbClr>
+          </a:solidFill>
+          <a:ln w="25400">
+            <a:noFill/>
+          </a:ln>
+        </p:spPr>
+        <p:style>
+          <a:lnRef idx="2">
+            <a:schemeClr val="accent1">
+              <a:shade val="50000"/>
+            </a:schemeClr>
+          </a:lnRef>
+          <a:fillRef idx="1">
+            <a:schemeClr val="accent1"/>
+          </a:fillRef>
+          <a:effectRef idx="0">
+            <a:schemeClr val="accent1"/>
+          </a:effectRef>
+          <a:fontRef idx="minor">
+            <a:schemeClr val="lt1"/>
+          </a:fontRef>
+        </p:style>
+        <p:txBody>
+          <a:bodyPr rtlCol="0" anchor="ctr"/>
+          <a:lstStyle/>
+          <a:p>
+            <a:pPr marL="0" marR="0" lvl="0" indent="0" algn="ctr" defTabSz="914400" rtl="0" eaLnBrk="1" fontAlgn="auto" latinLnBrk="0" hangingPunct="1">
+              <a:lnSpc>
+                <a:spcPct val="100000"/>
+              </a:lnSpc>
+              <a:spcBef>
+                <a:spcPts val="0"/>
+              </a:spcBef>
+              <a:spcAft>
+                <a:spcPts val="0"/>
+              </a:spcAft>
+              <a:buClrTx/>
+              <a:buSzTx/>
+              <a:buFontTx/>
+              <a:buNone/>
+              <a:tabLst/>
+              <a:defRPr/>
+            </a:pPr>
+            <a:endParaRPr kumimoji="0" lang="en-US" sz="1800" b="0" i="0" u="none" strike="noStrike" kern="1200" cap="none" spc="0" normalizeH="0" baseline="0" noProof="0">
+              <a:ln>
+                <a:noFill/>
+              </a:ln>
+              <a:solidFill>
+                <a:srgbClr val="FFFFFF"/>
+              </a:solidFill>
+              <a:effectLst/>
+              <a:uLnTx/>
+              <a:uFillTx/>
+              <a:latin typeface="Calibri" panose="020F0502020204030204"/>
+              <a:ea typeface="+mn-ea"/>
+              <a:cs typeface="+mn-cs"/>
+            </a:endParaRPr>
+          </a:p>
+        </p:txBody>
+      </p:sp>
+      <p:sp>
+        <p:nvSpPr>
           <p:cNvPr id="3" name="Subtitle 2">
             <a:extLst>
               <a:ext uri="{FF2B5EF4-FFF2-40B4-BE49-F238E27FC236}">
@@ -3384,27 +3684,143 @@
             <p:ph type="subTitle" idx="1"/>
           </p:nvPr>
         </p:nvSpPr>
-        <p:spPr/>
-        <p:txBody>
-          <a:bodyPr/>
-          <a:lstStyle/>
-          <a:p>
-            <a:r>
-              <a:rPr lang="en-US" dirty="0"/>
+        <p:spPr>
+          <a:xfrm>
+            <a:off x="1079499" y="4843002"/>
+            <a:ext cx="10012680" cy="1234345"/>
+          </a:xfrm>
+        </p:spPr>
+        <p:txBody>
+          <a:bodyPr anchor="ctr">
+            <a:normAutofit/>
+          </a:bodyPr>
+          <a:lstStyle/>
+          <a:p>
+            <a:pPr algn="l"/>
+            <a:r>
+              <a:rPr lang="en-US" sz="2000">
+                <a:solidFill>
+                  <a:srgbClr val="1B1B1B"/>
+                </a:solidFill>
+              </a:rPr>
               <a:t>Steven Harpham</a:t>
             </a:r>
           </a:p>
           <a:p>
-            <a:r>
-              <a:rPr lang="en-US" dirty="0"/>
+            <a:pPr algn="l"/>
+            <a:r>
+              <a:rPr lang="en-US" sz="2000">
+                <a:solidFill>
+                  <a:srgbClr val="1B1B1B"/>
+                </a:solidFill>
+              </a:rPr>
               <a:t>Data Science Career Track</a:t>
             </a:r>
           </a:p>
           <a:p>
-            <a:r>
-              <a:rPr lang="en-US" dirty="0"/>
+            <a:pPr algn="l"/>
+            <a:r>
+              <a:rPr lang="en-US" sz="2000">
+                <a:solidFill>
+                  <a:srgbClr val="1B1B1B"/>
+                </a:solidFill>
+              </a:rPr>
               <a:t>08/26/2021</a:t>
             </a:r>
+          </a:p>
+        </p:txBody>
+      </p:sp>
+      <p:sp>
+        <p:nvSpPr>
+          <p:cNvPr id="16" name="Rectangle 15">
+            <a:extLst>
+              <a:ext uri="{FF2B5EF4-FFF2-40B4-BE49-F238E27FC236}">
+                <a16:creationId xmlns:a16="http://schemas.microsoft.com/office/drawing/2014/main" id="{1A882A9F-F4E9-4E23-8F0B-20B5DF42EAA9}"/>
+              </a:ext>
+              <a:ext uri="{C183D7F6-B498-43B3-948B-1728B52AA6E4}">
+                <adec:decorative xmlns:adec="http://schemas.microsoft.com/office/drawing/2017/decorative" val="1"/>
+              </a:ext>
+            </a:extLst>
+          </p:cNvPr>
+          <p:cNvSpPr>
+            <a:spLocks noGrp="1" noRot="1" noChangeAspect="1" noMove="1" noResize="1" noEditPoints="1" noAdjustHandles="1" noChangeArrowheads="1" noChangeShapeType="1" noTextEdit="1"/>
+          </p:cNvSpPr>
+          <p:nvPr>
+            <p:extLst>
+              <p:ext uri="{386F3935-93C4-4BCD-93E2-E3B085C9AB24}">
+                <p16:designElem xmlns:p16="http://schemas.microsoft.com/office/powerpoint/2015/main" val="1"/>
+              </p:ext>
+            </p:extLst>
+          </p:nvPr>
+        </p:nvSpPr>
+        <p:spPr>
+          <a:xfrm>
+            <a:off x="9619345" y="450221"/>
+            <a:ext cx="2115455" cy="1890204"/>
+          </a:xfrm>
+          <a:prstGeom prst="rect">
+            <a:avLst/>
+          </a:prstGeom>
+          <a:solidFill>
+            <a:srgbClr val="5B5D48">
+              <a:alpha val="95000"/>
+            </a:srgbClr>
+          </a:solidFill>
+          <a:ln w="25400">
+            <a:noFill/>
+          </a:ln>
+        </p:spPr>
+        <p:style>
+          <a:lnRef idx="2">
+            <a:schemeClr val="accent1">
+              <a:shade val="50000"/>
+            </a:schemeClr>
+          </a:lnRef>
+          <a:fillRef idx="1">
+            <a:schemeClr val="accent1"/>
+          </a:fillRef>
+          <a:effectRef idx="0">
+            <a:schemeClr val="accent1"/>
+          </a:effectRef>
+          <a:fontRef idx="minor">
+            <a:schemeClr val="lt1"/>
+          </a:fontRef>
+        </p:style>
+        <p:txBody>
+          <a:bodyPr rtlCol="0" anchor="ctr"/>
+          <a:lstStyle/>
+          <a:p>
+            <a:pPr marL="0" marR="0" lvl="0" indent="0" algn="ctr" defTabSz="914400" rtl="0" eaLnBrk="1" fontAlgn="auto" latinLnBrk="0" hangingPunct="1">
+              <a:lnSpc>
+                <a:spcPct val="100000"/>
+              </a:lnSpc>
+              <a:spcBef>
+                <a:spcPts val="0"/>
+              </a:spcBef>
+              <a:spcAft>
+                <a:spcPts val="0"/>
+              </a:spcAft>
+              <a:buClrTx/>
+              <a:buSzTx/>
+              <a:buFontTx/>
+              <a:buNone/>
+              <a:tabLst/>
+              <a:defRPr/>
+            </a:pPr>
+            <a:endParaRPr kumimoji="0" lang="en-US" sz="1800" b="0" i="0" u="none" strike="noStrike" kern="1200" cap="none" spc="0" normalizeH="0" baseline="0" noProof="0">
+              <a:ln>
+                <a:noFill/>
+              </a:ln>
+              <a:solidFill>
+                <a:srgbClr val="FFFFFF"/>
+              </a:solidFill>
+              <a:effectLst/>
+              <a:uLnTx/>
+              <a:uFillTx/>
+              <a:latin typeface="Calibri" panose="020F0502020204030204"/>
+              <a:ea typeface="+mn-ea"/>
+              <a:cs typeface="+mn-cs"/>
+            </a:endParaRPr>
           </a:p>
         </p:txBody>
       </p:sp>
@@ -3430,8 +3846,8 @@
         </p:blipFill>
         <p:spPr>
           <a:xfrm>
-            <a:off x="5048250" y="5010150"/>
-            <a:ext cx="2095500" cy="495300"/>
+            <a:off x="9764332" y="3213976"/>
+            <a:ext cx="1819434" cy="430048"/>
           </a:xfrm>
           <a:prstGeom prst="rect">
             <a:avLst/>
@@ -3492,9 +3908,10 @@
           <a:lstStyle/>
           <a:p>
             <a:r>
-              <a:rPr lang="en-US" sz="1200" dirty="0"/>
+              <a:rPr lang="en-US" sz="1200"/>
               <a:t>EDA examples</a:t>
             </a:r>
+            <a:endParaRPr lang="en-US" sz="1200" dirty="0"/>
           </a:p>
         </p:txBody>
       </p:sp>
@@ -3573,6 +3990,14 @@
 <file path=ppt/slides/slide11.xml><?xml version="1.0" encoding="utf-8"?>
 <p:sld xmlns:a="http://schemas.openxmlformats.org/drawingml/2006/main" xmlns:r="http://schemas.openxmlformats.org/officeDocument/2006/relationships" xmlns:p="http://schemas.openxmlformats.org/presentationml/2006/main">
   <p:cSld>
+    <p:bg>
+      <p:bgPr>
+        <a:solidFill>
+          <a:schemeClr val="bg1"/>
+        </a:solidFill>
+        <a:effectLst/>
+      </p:bgPr>
+    </p:bg>
     <p:spTree>
       <p:nvGrpSpPr>
         <p:cNvPr id="1" name=""/>
@@ -3589,6 +4014,73 @@
       </p:grpSpPr>
       <p:sp>
         <p:nvSpPr>
+          <p:cNvPr id="8" name="Rectangle 7">
+            <a:extLst>
+              <a:ext uri="{FF2B5EF4-FFF2-40B4-BE49-F238E27FC236}">
+                <a16:creationId xmlns:a16="http://schemas.microsoft.com/office/drawing/2014/main" id="{B775CD93-9DF2-48CB-9F57-1BCA9A46C7FA}"/>
+              </a:ext>
+              <a:ext uri="{C183D7F6-B498-43B3-948B-1728B52AA6E4}">
+                <adec:decorative xmlns:adec="http://schemas.microsoft.com/office/drawing/2017/decorative" val="1"/>
+              </a:ext>
+            </a:extLst>
+          </p:cNvPr>
+          <p:cNvSpPr>
+            <a:spLocks noGrp="1" noRot="1" noChangeAspect="1" noMove="1" noResize="1" noEditPoints="1" noAdjustHandles="1" noChangeArrowheads="1" noChangeShapeType="1" noTextEdit="1"/>
+          </p:cNvSpPr>
+          <p:nvPr>
+            <p:extLst>
+              <p:ext uri="{386F3935-93C4-4BCD-93E2-E3B085C9AB24}">
+                <p16:designElem xmlns:p16="http://schemas.microsoft.com/office/powerpoint/2015/main" val="1"/>
+              </p:ext>
+            </p:extLst>
+          </p:nvPr>
+        </p:nvSpPr>
+        <p:spPr>
+          <a:xfrm>
+            <a:off x="458922" y="453981"/>
+            <a:ext cx="6675120" cy="1877811"/>
+          </a:xfrm>
+          <a:prstGeom prst="rect">
+            <a:avLst/>
+          </a:prstGeom>
+          <a:solidFill>
+            <a:srgbClr val="595959"/>
+          </a:solidFill>
+          <a:ln w="25400">
+            <a:noFill/>
+          </a:ln>
+        </p:spPr>
+        <p:style>
+          <a:lnRef idx="2">
+            <a:schemeClr val="accent1">
+              <a:shade val="50000"/>
+            </a:schemeClr>
+          </a:lnRef>
+          <a:fillRef idx="1">
+            <a:schemeClr val="accent1"/>
+          </a:fillRef>
+          <a:effectRef idx="0">
+            <a:schemeClr val="accent1"/>
+          </a:effectRef>
+          <a:fontRef idx="minor">
+            <a:schemeClr val="lt1"/>
+          </a:fontRef>
+        </p:style>
+        <p:txBody>
+          <a:bodyPr rtlCol="0" anchor="ctr"/>
+          <a:lstStyle/>
+          <a:p>
+            <a:pPr algn="ctr"/>
+            <a:endParaRPr lang="en-US">
+              <a:solidFill>
+                <a:srgbClr val="FFFFFF"/>
+              </a:solidFill>
+            </a:endParaRPr>
+          </a:p>
+        </p:txBody>
+      </p:sp>
+      <p:sp>
+        <p:nvSpPr>
           <p:cNvPr id="2" name="Title 1">
             <a:extLst>
               <a:ext uri="{FF2B5EF4-FFF2-40B4-BE49-F238E27FC236}">
@@ -3603,19 +4095,229 @@
             <p:ph type="title"/>
           </p:nvPr>
         </p:nvSpPr>
-        <p:spPr/>
-        <p:txBody>
-          <a:bodyPr/>
-          <a:lstStyle/>
-          <a:p>
-            <a:r>
-              <a:rPr lang="en-US" sz="1200" dirty="0"/>
-              <a:t>Modeling</a:t>
-            </a:r>
-            <a:r>
-              <a:rPr lang="en-US" dirty="0"/>
-              <a:t>	</a:t>
-            </a:r>
+        <p:spPr>
+          <a:xfrm>
+            <a:off x="731520" y="731520"/>
+            <a:ext cx="6089904" cy="1426464"/>
+          </a:xfrm>
+        </p:spPr>
+        <p:txBody>
+          <a:bodyPr>
+            <a:normAutofit/>
+          </a:bodyPr>
+          <a:lstStyle/>
+          <a:p>
+            <a:r>
+              <a:rPr lang="en-US">
+                <a:solidFill>
+                  <a:srgbClr val="FFFFFF"/>
+                </a:solidFill>
+              </a:rPr>
+              <a:t>Modeling	</a:t>
+            </a:r>
+          </a:p>
+        </p:txBody>
+      </p:sp>
+      <p:sp>
+        <p:nvSpPr>
+          <p:cNvPr id="10" name="Rectangle 9">
+            <a:extLst>
+              <a:ext uri="{FF2B5EF4-FFF2-40B4-BE49-F238E27FC236}">
+                <a16:creationId xmlns:a16="http://schemas.microsoft.com/office/drawing/2014/main" id="{6166C6D1-23AC-49C4-BA07-238E4E9F8CEB}"/>
+              </a:ext>
+              <a:ext uri="{C183D7F6-B498-43B3-948B-1728B52AA6E4}">
+                <adec:decorative xmlns:adec="http://schemas.microsoft.com/office/drawing/2017/decorative" val="1"/>
+              </a:ext>
+            </a:extLst>
+          </p:cNvPr>
+          <p:cNvSpPr>
+            <a:spLocks noGrp="1" noRot="1" noChangeAspect="1" noMove="1" noResize="1" noEditPoints="1" noAdjustHandles="1" noChangeArrowheads="1" noChangeShapeType="1" noTextEdit="1"/>
+          </p:cNvSpPr>
+          <p:nvPr>
+            <p:extLst>
+              <p:ext uri="{386F3935-93C4-4BCD-93E2-E3B085C9AB24}">
+                <p16:designElem xmlns:p16="http://schemas.microsoft.com/office/powerpoint/2015/main" val="1"/>
+              </p:ext>
+            </p:extLst>
+          </p:nvPr>
+        </p:nvSpPr>
+        <p:spPr>
+          <a:xfrm>
+            <a:off x="7277100" y="461737"/>
+            <a:ext cx="2149361" cy="1870055"/>
+          </a:xfrm>
+          <a:prstGeom prst="rect">
+            <a:avLst/>
+          </a:prstGeom>
+          <a:solidFill>
+            <a:schemeClr val="accent1">
+              <a:alpha val="95000"/>
+            </a:schemeClr>
+          </a:solidFill>
+          <a:ln w="25400">
+            <a:noFill/>
+          </a:ln>
+        </p:spPr>
+        <p:style>
+          <a:lnRef idx="2">
+            <a:schemeClr val="accent1">
+              <a:shade val="50000"/>
+            </a:schemeClr>
+          </a:lnRef>
+          <a:fillRef idx="1">
+            <a:schemeClr val="accent1"/>
+          </a:fillRef>
+          <a:effectRef idx="0">
+            <a:schemeClr val="accent1"/>
+          </a:effectRef>
+          <a:fontRef idx="minor">
+            <a:schemeClr val="lt1"/>
+          </a:fontRef>
+        </p:style>
+        <p:txBody>
+          <a:bodyPr rtlCol="0" anchor="ctr"/>
+          <a:lstStyle/>
+          <a:p>
+            <a:pPr algn="ctr"/>
+            <a:endParaRPr lang="en-US">
+              <a:solidFill>
+                <a:srgbClr val="FFFFFF"/>
+              </a:solidFill>
+            </a:endParaRPr>
+          </a:p>
+        </p:txBody>
+      </p:sp>
+      <p:sp>
+        <p:nvSpPr>
+          <p:cNvPr id="12" name="Rectangle 11">
+            <a:extLst>
+              <a:ext uri="{FF2B5EF4-FFF2-40B4-BE49-F238E27FC236}">
+                <a16:creationId xmlns:a16="http://schemas.microsoft.com/office/drawing/2014/main" id="{E186B68C-84BC-4A6E-99D1-EE87483C1349}"/>
+              </a:ext>
+              <a:ext uri="{C183D7F6-B498-43B3-948B-1728B52AA6E4}">
+                <adec:decorative xmlns:adec="http://schemas.microsoft.com/office/drawing/2017/decorative" val="1"/>
+              </a:ext>
+            </a:extLst>
+          </p:cNvPr>
+          <p:cNvSpPr>
+            <a:spLocks noGrp="1" noRot="1" noChangeAspect="1" noMove="1" noResize="1" noEditPoints="1" noAdjustHandles="1" noChangeArrowheads="1" noChangeShapeType="1" noTextEdit="1"/>
+          </p:cNvSpPr>
+          <p:nvPr>
+            <p:extLst>
+              <p:ext uri="{386F3935-93C4-4BCD-93E2-E3B085C9AB24}">
+                <p16:designElem xmlns:p16="http://schemas.microsoft.com/office/powerpoint/2015/main" val="1"/>
+              </p:ext>
+            </p:extLst>
+          </p:nvPr>
+        </p:nvSpPr>
+        <p:spPr>
+          <a:xfrm>
+            <a:off x="9573768" y="453155"/>
+            <a:ext cx="2149358" cy="1878638"/>
+          </a:xfrm>
+          <a:prstGeom prst="rect">
+            <a:avLst/>
+          </a:prstGeom>
+          <a:solidFill>
+            <a:srgbClr val="A5A5A5"/>
+          </a:solidFill>
+          <a:ln w="25400">
+            <a:noFill/>
+          </a:ln>
+        </p:spPr>
+        <p:style>
+          <a:lnRef idx="2">
+            <a:schemeClr val="accent1">
+              <a:shade val="50000"/>
+            </a:schemeClr>
+          </a:lnRef>
+          <a:fillRef idx="1">
+            <a:schemeClr val="accent1"/>
+          </a:fillRef>
+          <a:effectRef idx="0">
+            <a:schemeClr val="accent1"/>
+          </a:effectRef>
+          <a:fontRef idx="minor">
+            <a:schemeClr val="lt1"/>
+          </a:fontRef>
+        </p:style>
+        <p:txBody>
+          <a:bodyPr rtlCol="0" anchor="ctr"/>
+          <a:lstStyle/>
+          <a:p>
+            <a:pPr algn="ctr"/>
+            <a:endParaRPr lang="en-US">
+              <a:solidFill>
+                <a:srgbClr val="FFFFFF"/>
+              </a:solidFill>
+            </a:endParaRPr>
+          </a:p>
+        </p:txBody>
+      </p:sp>
+      <p:sp>
+        <p:nvSpPr>
+          <p:cNvPr id="14" name="Rectangle 13">
+            <a:extLst>
+              <a:ext uri="{FF2B5EF4-FFF2-40B4-BE49-F238E27FC236}">
+                <a16:creationId xmlns:a16="http://schemas.microsoft.com/office/drawing/2014/main" id="{1C091803-41C2-48E0-9228-5148460C7479}"/>
+              </a:ext>
+              <a:ext uri="{C183D7F6-B498-43B3-948B-1728B52AA6E4}">
+                <adec:decorative xmlns:adec="http://schemas.microsoft.com/office/drawing/2017/decorative" val="1"/>
+              </a:ext>
+            </a:extLst>
+          </p:cNvPr>
+          <p:cNvSpPr>
+            <a:spLocks noGrp="1" noRot="1" noChangeAspect="1" noMove="1" noResize="1" noEditPoints="1" noAdjustHandles="1" noChangeArrowheads="1" noChangeShapeType="1" noTextEdit="1"/>
+          </p:cNvSpPr>
+          <p:nvPr>
+            <p:extLst>
+              <p:ext uri="{386F3935-93C4-4BCD-93E2-E3B085C9AB24}">
+                <p16:designElem xmlns:p16="http://schemas.microsoft.com/office/powerpoint/2015/main" val="1"/>
+              </p:ext>
+            </p:extLst>
+          </p:nvPr>
+        </p:nvSpPr>
+        <p:spPr>
+          <a:xfrm>
+            <a:off x="458920" y="2480956"/>
+            <a:ext cx="11264206" cy="3918122"/>
+          </a:xfrm>
+          <a:prstGeom prst="rect">
+            <a:avLst/>
+          </a:prstGeom>
+          <a:solidFill>
+            <a:schemeClr val="tx1">
+              <a:lumMod val="50000"/>
+              <a:lumOff val="50000"/>
+              <a:alpha val="20000"/>
+            </a:schemeClr>
+          </a:solidFill>
+          <a:ln>
+            <a:noFill/>
+          </a:ln>
+        </p:spPr>
+        <p:style>
+          <a:lnRef idx="2">
+            <a:schemeClr val="accent1">
+              <a:shade val="50000"/>
+            </a:schemeClr>
+          </a:lnRef>
+          <a:fillRef idx="1">
+            <a:schemeClr val="accent1"/>
+          </a:fillRef>
+          <a:effectRef idx="0">
+            <a:schemeClr val="accent1"/>
+          </a:effectRef>
+          <a:fontRef idx="minor">
+            <a:schemeClr val="lt1"/>
+          </a:fontRef>
+        </p:style>
+        <p:txBody>
+          <a:bodyPr rtlCol="0" anchor="ctr"/>
+          <a:lstStyle/>
+          <a:p>
+            <a:pPr algn="ctr"/>
+            <a:endParaRPr lang="en-US"/>
           </a:p>
         </p:txBody>
       </p:sp>
@@ -3635,49 +4337,52 @@
             <p:ph idx="1"/>
           </p:nvPr>
         </p:nvSpPr>
-        <p:spPr/>
-        <p:txBody>
-          <a:bodyPr/>
-          <a:lstStyle/>
-          <a:p>
-            <a:r>
-              <a:rPr lang="en-US" dirty="0"/>
+        <p:spPr>
+          <a:xfrm>
+            <a:off x="789456" y="2798385"/>
+            <a:ext cx="10597729" cy="3283260"/>
+          </a:xfrm>
+        </p:spPr>
+        <p:txBody>
+          <a:bodyPr anchor="ctr">
+            <a:normAutofit/>
+          </a:bodyPr>
+          <a:lstStyle/>
+          <a:p>
+            <a:r>
+              <a:rPr lang="en-US" sz="2500"/>
               <a:t>Logistic  - 2 types (Binary – Fatal/Non-Fatal), and multiclass</a:t>
             </a:r>
           </a:p>
           <a:p>
-            <a:endParaRPr lang="en-US" dirty="0"/>
-          </a:p>
-          <a:p>
-            <a:r>
-              <a:rPr lang="en-US" dirty="0"/>
+            <a:endParaRPr lang="en-US" sz="2500"/>
+          </a:p>
+          <a:p>
+            <a:r>
+              <a:rPr lang="en-US" sz="2500"/>
               <a:t>Random Forest – Binary and Multiclass</a:t>
             </a:r>
           </a:p>
           <a:p>
-            <a:endParaRPr lang="en-US" dirty="0"/>
-          </a:p>
-          <a:p>
-            <a:r>
-              <a:rPr lang="en-US" dirty="0" err="1"/>
-              <a:t>XGBoost</a:t>
-            </a:r>
-            <a:r>
-              <a:rPr lang="en-US" dirty="0"/>
-              <a:t> - Binary</a:t>
-            </a:r>
-          </a:p>
-          <a:p>
-            <a:endParaRPr lang="en-US" dirty="0"/>
-          </a:p>
-          <a:p>
-            <a:r>
-              <a:rPr lang="en-US" dirty="0"/>
+            <a:endParaRPr lang="en-US" sz="2500"/>
+          </a:p>
+          <a:p>
+            <a:r>
+              <a:rPr lang="en-US" sz="2500"/>
+              <a:t>XGBoost - Binary</a:t>
+            </a:r>
+          </a:p>
+          <a:p>
+            <a:endParaRPr lang="en-US" sz="2500"/>
+          </a:p>
+          <a:p>
+            <a:r>
+              <a:rPr lang="en-US" sz="2500"/>
               <a:t>SMOTE – Synthetic and Multiclass</a:t>
             </a:r>
           </a:p>
           <a:p>
-            <a:endParaRPr lang="en-US" dirty="0"/>
+            <a:endParaRPr lang="en-US" sz="2500"/>
           </a:p>
         </p:txBody>
       </p:sp>
@@ -3697,6 +4402,14 @@
 <file path=ppt/slides/slide12.xml><?xml version="1.0" encoding="utf-8"?>
 <p:sld xmlns:a="http://schemas.openxmlformats.org/drawingml/2006/main" xmlns:r="http://schemas.openxmlformats.org/officeDocument/2006/relationships" xmlns:p="http://schemas.openxmlformats.org/presentationml/2006/main">
   <p:cSld>
+    <p:bg>
+      <p:bgPr>
+        <a:solidFill>
+          <a:schemeClr val="bg1"/>
+        </a:solidFill>
+        <a:effectLst/>
+      </p:bgPr>
+    </p:bg>
     <p:spTree>
       <p:nvGrpSpPr>
         <p:cNvPr id="1" name=""/>
@@ -3713,6 +4426,106 @@
       </p:grpSpPr>
       <p:sp>
         <p:nvSpPr>
+          <p:cNvPr id="21" name="Rectangle 20">
+            <a:extLst>
+              <a:ext uri="{FF2B5EF4-FFF2-40B4-BE49-F238E27FC236}">
+                <a16:creationId xmlns:a16="http://schemas.microsoft.com/office/drawing/2014/main" id="{5E52985E-2553-471E-82AA-5ED7A329890A}"/>
+              </a:ext>
+              <a:ext uri="{C183D7F6-B498-43B3-948B-1728B52AA6E4}">
+                <adec:decorative xmlns:adec="http://schemas.microsoft.com/office/drawing/2017/decorative" val="1"/>
+              </a:ext>
+            </a:extLst>
+          </p:cNvPr>
+          <p:cNvSpPr>
+            <a:spLocks noGrp="1" noRot="1" noChangeAspect="1" noMove="1" noResize="1" noEditPoints="1" noAdjustHandles="1" noChangeArrowheads="1" noChangeShapeType="1" noTextEdit="1"/>
+          </p:cNvSpPr>
+          <p:nvPr>
+            <p:extLst>
+              <p:ext uri="{386F3935-93C4-4BCD-93E2-E3B085C9AB24}">
+                <p16:designElem xmlns:p16="http://schemas.microsoft.com/office/powerpoint/2015/main" val="1"/>
+              </p:ext>
+            </p:extLst>
+          </p:nvPr>
+        </p:nvSpPr>
+        <p:spPr bwMode="ltGray">
+          <a:xfrm>
+            <a:off x="393308" y="352931"/>
+            <a:ext cx="11438793" cy="1844256"/>
+          </a:xfrm>
+          <a:prstGeom prst="rect">
+            <a:avLst/>
+          </a:prstGeom>
+          <a:solidFill>
+            <a:schemeClr val="tx1">
+              <a:lumMod val="75000"/>
+              <a:lumOff val="25000"/>
+            </a:schemeClr>
+          </a:solidFill>
+          <a:ln w="127000" cap="sq" cmpd="thinThick">
+            <a:solidFill>
+              <a:schemeClr val="tx1">
+                <a:lumMod val="75000"/>
+                <a:lumOff val="25000"/>
+              </a:schemeClr>
+            </a:solidFill>
+          </a:ln>
+        </p:spPr>
+        <p:style>
+          <a:lnRef idx="2">
+            <a:schemeClr val="accent1">
+              <a:shade val="50000"/>
+            </a:schemeClr>
+          </a:lnRef>
+          <a:fillRef idx="1">
+            <a:schemeClr val="accent1"/>
+          </a:fillRef>
+          <a:effectRef idx="0">
+            <a:schemeClr val="accent1"/>
+          </a:effectRef>
+          <a:fontRef idx="minor">
+            <a:schemeClr val="lt1"/>
+          </a:fontRef>
+        </p:style>
+        <p:txBody>
+          <a:bodyPr rtlCol="0" anchor="ctr"/>
+          <a:lstStyle/>
+          <a:p>
+            <a:pPr marL="0" marR="0" lvl="0" indent="0" algn="ctr" defTabSz="914400" rtl="0" eaLnBrk="1" fontAlgn="auto" latinLnBrk="0" hangingPunct="1">
+              <a:lnSpc>
+                <a:spcPct val="100000"/>
+              </a:lnSpc>
+              <a:spcBef>
+                <a:spcPts val="0"/>
+              </a:spcBef>
+              <a:spcAft>
+                <a:spcPts val="0"/>
+              </a:spcAft>
+              <a:buClrTx/>
+              <a:buSzTx/>
+              <a:buFontTx/>
+              <a:buNone/>
+              <a:tabLst/>
+              <a:defRPr/>
+            </a:pPr>
+            <a:endParaRPr kumimoji="0" lang="en-US" sz="1800" b="0" i="0" u="none" strike="noStrike" kern="1200" cap="none" spc="0" normalizeH="0" baseline="0" noProof="0">
+              <a:ln>
+                <a:noFill/>
+              </a:ln>
+              <a:solidFill>
+                <a:prstClr val="white"/>
+              </a:solidFill>
+              <a:effectLst/>
+              <a:uLnTx/>
+              <a:uFillTx/>
+              <a:latin typeface="Calibri" panose="020F0502020204030204"/>
+              <a:ea typeface="+mn-ea"/>
+              <a:cs typeface="+mn-cs"/>
+            </a:endParaRPr>
+          </a:p>
+        </p:txBody>
+      </p:sp>
+      <p:sp>
+        <p:nvSpPr>
           <p:cNvPr id="2" name="Title 1">
             <a:extLst>
               <a:ext uri="{FF2B5EF4-FFF2-40B4-BE49-F238E27FC236}">
@@ -3727,14 +4540,128 @@
             <p:ph type="title"/>
           </p:nvPr>
         </p:nvSpPr>
-        <p:spPr/>
-        <p:txBody>
-          <a:bodyPr/>
-          <a:lstStyle/>
-          <a:p>
-            <a:r>
-              <a:rPr lang="en-US" dirty="0"/>
+        <p:spPr>
+          <a:xfrm>
+            <a:off x="649270" y="506727"/>
+            <a:ext cx="3885141" cy="1526741"/>
+          </a:xfrm>
+        </p:spPr>
+        <p:txBody>
+          <a:bodyPr vert="horz" lIns="91440" tIns="45720" rIns="91440" bIns="45720" rtlCol="0" anchor="ctr">
+            <a:normAutofit/>
+          </a:bodyPr>
+          <a:lstStyle/>
+          <a:p>
+            <a:pPr algn="r"/>
+            <a:r>
+              <a:rPr lang="en-US" sz="3000">
+                <a:solidFill>
+                  <a:schemeClr val="bg1"/>
+                </a:solidFill>
+              </a:rPr>
               <a:t>Best Binary Model ( Fatal or Non-Fatal )</a:t>
+            </a:r>
+          </a:p>
+        </p:txBody>
+      </p:sp>
+      <p:cxnSp>
+        <p:nvCxnSpPr>
+          <p:cNvPr id="23" name="Straight Connector 22">
+            <a:extLst>
+              <a:ext uri="{FF2B5EF4-FFF2-40B4-BE49-F238E27FC236}">
+                <a16:creationId xmlns:a16="http://schemas.microsoft.com/office/drawing/2014/main" id="{DAE3ABC6-4042-4293-A7DF-F01181363B7E}"/>
+              </a:ext>
+              <a:ext uri="{C183D7F6-B498-43B3-948B-1728B52AA6E4}">
+                <adec:decorative xmlns:adec="http://schemas.microsoft.com/office/drawing/2017/decorative" val="1"/>
+              </a:ext>
+            </a:extLst>
+          </p:cNvPr>
+          <p:cNvCxnSpPr>
+            <a:cxnSpLocks noGrp="1" noRot="1" noChangeAspect="1" noMove="1" noResize="1" noEditPoints="1" noAdjustHandles="1" noChangeArrowheads="1" noChangeShapeType="1"/>
+          </p:cNvCxnSpPr>
+          <p:nvPr>
+            <p:extLst>
+              <p:ext uri="{386F3935-93C4-4BCD-93E2-E3B085C9AB24}">
+                <p16:designElem xmlns:p16="http://schemas.microsoft.com/office/powerpoint/2015/main" val="1"/>
+              </p:ext>
+            </p:extLst>
+          </p:nvPr>
+        </p:nvCxnSpPr>
+        <p:spPr>
+          <a:xfrm flipV="1">
+            <a:off x="4739873" y="580963"/>
+            <a:ext cx="0" cy="1371600"/>
+          </a:xfrm>
+          <a:prstGeom prst="line">
+            <a:avLst/>
+          </a:prstGeom>
+          <a:ln w="19050">
+            <a:solidFill>
+              <a:schemeClr val="bg1">
+                <a:alpha val="75000"/>
+              </a:schemeClr>
+            </a:solidFill>
+          </a:ln>
+        </p:spPr>
+        <p:style>
+          <a:lnRef idx="1">
+            <a:schemeClr val="accent1"/>
+          </a:lnRef>
+          <a:fillRef idx="0">
+            <a:schemeClr val="accent1"/>
+          </a:fillRef>
+          <a:effectRef idx="0">
+            <a:schemeClr val="accent1"/>
+          </a:effectRef>
+          <a:fontRef idx="minor">
+            <a:schemeClr val="tx1"/>
+          </a:fontRef>
+        </p:style>
+      </p:cxnSp>
+      <p:sp>
+        <p:nvSpPr>
+          <p:cNvPr id="9" name="TextBox 8">
+            <a:extLst>
+              <a:ext uri="{FF2B5EF4-FFF2-40B4-BE49-F238E27FC236}">
+                <a16:creationId xmlns:a16="http://schemas.microsoft.com/office/drawing/2014/main" id="{9A531EBC-CA26-4936-A506-919EA05D13CC}"/>
+              </a:ext>
+            </a:extLst>
+          </p:cNvPr>
+          <p:cNvSpPr txBox="1"/>
+          <p:nvPr/>
+        </p:nvSpPr>
+        <p:spPr>
+          <a:xfrm>
+            <a:off x="4945336" y="506727"/>
+            <a:ext cx="6609921" cy="1526741"/>
+          </a:xfrm>
+          <a:prstGeom prst="rect">
+            <a:avLst/>
+          </a:prstGeom>
+        </p:spPr>
+        <p:txBody>
+          <a:bodyPr vert="horz" lIns="91440" tIns="45720" rIns="91440" bIns="45720" rtlCol="0" anchor="ctr">
+            <a:normAutofit/>
+          </a:bodyPr>
+          <a:lstStyle/>
+          <a:p>
+            <a:pPr indent="-228600">
+              <a:lnSpc>
+                <a:spcPct val="90000"/>
+              </a:lnSpc>
+              <a:spcAft>
+                <a:spcPts val="600"/>
+              </a:spcAft>
+              <a:buFont typeface="Arial" panose="020B0604020202020204" pitchFamily="34" charset="0"/>
+              <a:buChar char="•"/>
+            </a:pPr>
+            <a:r>
+              <a:rPr lang="en-US" sz="2200">
+                <a:solidFill>
+                  <a:schemeClr val="bg1"/>
+                </a:solidFill>
+              </a:rPr>
+              <a:t>Logistic – Fatal or Non-Fatal</a:t>
             </a:r>
           </a:p>
         </p:txBody>
@@ -3763,9 +4690,12 @@
         </p:blipFill>
         <p:spPr>
           <a:xfrm>
-            <a:off x="7055892" y="1972101"/>
-            <a:ext cx="3733800" cy="2647950"/>
+            <a:off x="529840" y="2523915"/>
+            <a:ext cx="5286416" cy="3749040"/>
           </a:xfrm>
+          <a:prstGeom prst="rect">
+            <a:avLst/>
+          </a:prstGeom>
         </p:spPr>
       </p:pic>
       <p:sp>
@@ -3815,49 +4745,55 @@
           <p:nvPr>
             <p:extLst>
               <p:ext uri="{D42A27DB-BD31-4B8C-83A1-F6EECF244321}">
-                <p14:modId xmlns:p14="http://schemas.microsoft.com/office/powerpoint/2010/main" val="718534747"/>
+                <p14:modId xmlns:p14="http://schemas.microsoft.com/office/powerpoint/2010/main" val="195311439"/>
               </p:ext>
             </p:extLst>
           </p:nvPr>
         </p:nvGraphicFramePr>
         <p:xfrm>
-          <a:off x="484496" y="2205703"/>
-          <a:ext cx="5745708" cy="2120640"/>
+          <a:off x="5658280" y="3122260"/>
+          <a:ext cx="6140414" cy="2560518"/>
         </p:xfrm>
         <a:graphic>
           <a:graphicData uri="http://schemas.openxmlformats.org/drawingml/2006/table">
             <a:tbl>
-              <a:tblPr/>
+              <a:tblPr firstRow="1" bandRow="1">
+                <a:solidFill>
+                  <a:srgbClr val="F2F2F2">
+                    <a:alpha val="30196"/>
+                  </a:srgbClr>
+                </a:solidFill>
+              </a:tblPr>
               <a:tblGrid>
-                <a:gridCol w="1105468">
+                <a:gridCol w="1099134">
                   <a:extLst>
                     <a:ext uri="{9D8B030D-6E8A-4147-A177-3AD203B41FA5}">
                       <a16:colId xmlns:a16="http://schemas.microsoft.com/office/drawing/2014/main" val="3678976442"/>
                     </a:ext>
                   </a:extLst>
                 </a:gridCol>
-                <a:gridCol w="1160060">
+                <a:gridCol w="1129514">
                   <a:extLst>
                     <a:ext uri="{9D8B030D-6E8A-4147-A177-3AD203B41FA5}">
                       <a16:colId xmlns:a16="http://schemas.microsoft.com/office/drawing/2014/main" val="3998221778"/>
                     </a:ext>
                   </a:extLst>
                 </a:gridCol>
-                <a:gridCol w="1160060">
+                <a:gridCol w="1129514">
                   <a:extLst>
                     <a:ext uri="{9D8B030D-6E8A-4147-A177-3AD203B41FA5}">
                       <a16:colId xmlns:a16="http://schemas.microsoft.com/office/drawing/2014/main" val="549207242"/>
                     </a:ext>
                   </a:extLst>
                 </a:gridCol>
-                <a:gridCol w="1160060">
+                <a:gridCol w="1129514">
                   <a:extLst>
                     <a:ext uri="{9D8B030D-6E8A-4147-A177-3AD203B41FA5}">
                       <a16:colId xmlns:a16="http://schemas.microsoft.com/office/drawing/2014/main" val="1616024023"/>
                     </a:ext>
                   </a:extLst>
                 </a:gridCol>
-                <a:gridCol w="1160060">
+                <a:gridCol w="1652738">
                   <a:extLst>
                     <a:ext uri="{9D8B030D-6E8A-4147-A177-3AD203B41FA5}">
                       <a16:colId xmlns:a16="http://schemas.microsoft.com/office/drawing/2014/main" val="4022523135"/>
@@ -3865,28 +4801,43 @@
                   </a:extLst>
                 </a:gridCol>
               </a:tblGrid>
-              <a:tr h="353440">
+              <a:tr h="415694">
                 <a:tc>
                   <a:txBody>
                     <a:bodyPr/>
                     <a:lstStyle/>
                     <a:p>
-                      <a:endParaRPr lang="en-US" sz="1200" dirty="0"/>
+                      <a:endParaRPr lang="en-US" sz="1300" b="0" cap="none" spc="0">
+                        <a:solidFill>
+                          <a:schemeClr val="bg1"/>
+                        </a:solidFill>
+                      </a:endParaRPr>
                     </a:p>
                   </a:txBody>
-                  <a:tcPr anchor="ctr">
-                    <a:lnL>
+                  <a:tcPr marL="114169" marR="84063" marT="87822" marB="87822" anchor="ctr">
+                    <a:lnL w="19050" cap="flat" cmpd="sng" algn="ctr">
                       <a:noFill/>
+                      <a:prstDash val="solid"/>
                     </a:lnL>
-                    <a:lnR>
+                    <a:lnR w="12700" cmpd="sng">
                       <a:noFill/>
                     </a:lnR>
-                    <a:lnT>
+                    <a:lnT w="19050" cap="flat" cmpd="sng" algn="ctr">
                       <a:noFill/>
+                      <a:prstDash val="solid"/>
                     </a:lnT>
-                    <a:lnB>
-                      <a:noFill/>
+                    <a:lnB w="6350" cap="flat" cmpd="sng" algn="ctr">
+                      <a:solidFill>
+                        <a:schemeClr val="tx1">
+                          <a:lumMod val="75000"/>
+                          <a:lumOff val="25000"/>
+                        </a:schemeClr>
+                      </a:solidFill>
+                      <a:prstDash val="solid"/>
                     </a:lnB>
+                    <a:solidFill>
+                      <a:schemeClr val="accent1"/>
+                    </a:solidFill>
                   </a:tcPr>
                 </a:tc>
                 <a:tc>
@@ -3895,24 +4846,38 @@
                     <a:lstStyle/>
                     <a:p>
                       <a:r>
-                        <a:rPr lang="en-US" sz="1200" dirty="0"/>
+                        <a:rPr lang="en-US" sz="1300" b="0" cap="none" spc="0" dirty="0">
+                          <a:solidFill>
+                            <a:schemeClr val="bg1"/>
+                          </a:solidFill>
+                        </a:rPr>
                         <a:t>precision</a:t>
                       </a:r>
                     </a:p>
                   </a:txBody>
-                  <a:tcPr anchor="ctr">
-                    <a:lnL>
+                  <a:tcPr marL="114169" marR="84063" marT="87822" marB="87822" anchor="ctr">
+                    <a:lnL w="12700" cmpd="sng">
                       <a:noFill/>
                     </a:lnL>
-                    <a:lnR>
+                    <a:lnR w="12700" cmpd="sng">
                       <a:noFill/>
                     </a:lnR>
-                    <a:lnT>
+                    <a:lnT w="19050" cap="flat" cmpd="sng" algn="ctr">
                       <a:noFill/>
+                      <a:prstDash val="solid"/>
                     </a:lnT>
-                    <a:lnB>
-                      <a:noFill/>
+                    <a:lnB w="6350" cap="flat" cmpd="sng" algn="ctr">
+                      <a:solidFill>
+                        <a:schemeClr val="tx1">
+                          <a:lumMod val="75000"/>
+                          <a:lumOff val="25000"/>
+                        </a:schemeClr>
+                      </a:solidFill>
+                      <a:prstDash val="solid"/>
                     </a:lnB>
+                    <a:solidFill>
+                      <a:schemeClr val="accent1"/>
+                    </a:solidFill>
                   </a:tcPr>
                 </a:tc>
                 <a:tc>
@@ -3921,24 +4886,38 @@
                     <a:lstStyle/>
                     <a:p>
                       <a:r>
-                        <a:rPr lang="en-US" sz="1200" dirty="0"/>
+                        <a:rPr lang="en-US" sz="1300" b="0" cap="none" spc="0">
+                          <a:solidFill>
+                            <a:schemeClr val="bg1"/>
+                          </a:solidFill>
+                        </a:rPr>
                         <a:t>recall</a:t>
                       </a:r>
                     </a:p>
                   </a:txBody>
-                  <a:tcPr anchor="ctr">
-                    <a:lnL>
+                  <a:tcPr marL="114169" marR="84063" marT="87822" marB="87822" anchor="ctr">
+                    <a:lnL w="12700" cmpd="sng">
                       <a:noFill/>
                     </a:lnL>
-                    <a:lnR>
+                    <a:lnR w="12700" cmpd="sng">
                       <a:noFill/>
                     </a:lnR>
-                    <a:lnT>
+                    <a:lnT w="19050" cap="flat" cmpd="sng" algn="ctr">
                       <a:noFill/>
+                      <a:prstDash val="solid"/>
                     </a:lnT>
-                    <a:lnB>
-                      <a:noFill/>
+                    <a:lnB w="6350" cap="flat" cmpd="sng" algn="ctr">
+                      <a:solidFill>
+                        <a:schemeClr val="tx1">
+                          <a:lumMod val="75000"/>
+                          <a:lumOff val="25000"/>
+                        </a:schemeClr>
+                      </a:solidFill>
+                      <a:prstDash val="solid"/>
                     </a:lnB>
+                    <a:solidFill>
+                      <a:schemeClr val="accent1"/>
+                    </a:solidFill>
                   </a:tcPr>
                 </a:tc>
                 <a:tc>
@@ -3947,24 +4926,38 @@
                     <a:lstStyle/>
                     <a:p>
                       <a:r>
-                        <a:rPr lang="en-US" sz="1200"/>
+                        <a:rPr lang="en-US" sz="1300" b="0" cap="none" spc="0">
+                          <a:solidFill>
+                            <a:schemeClr val="bg1"/>
+                          </a:solidFill>
+                        </a:rPr>
                         <a:t>f1-score</a:t>
                       </a:r>
                     </a:p>
                   </a:txBody>
-                  <a:tcPr anchor="ctr">
-                    <a:lnL>
+                  <a:tcPr marL="114169" marR="84063" marT="87822" marB="87822" anchor="ctr">
+                    <a:lnL w="12700" cmpd="sng">
                       <a:noFill/>
                     </a:lnL>
-                    <a:lnR>
+                    <a:lnR w="12700" cmpd="sng">
                       <a:noFill/>
                     </a:lnR>
-                    <a:lnT>
+                    <a:lnT w="19050" cap="flat" cmpd="sng" algn="ctr">
                       <a:noFill/>
+                      <a:prstDash val="solid"/>
                     </a:lnT>
-                    <a:lnB>
-                      <a:noFill/>
+                    <a:lnB w="6350" cap="flat" cmpd="sng" algn="ctr">
+                      <a:solidFill>
+                        <a:schemeClr val="tx1">
+                          <a:lumMod val="75000"/>
+                          <a:lumOff val="25000"/>
+                        </a:schemeClr>
+                      </a:solidFill>
+                      <a:prstDash val="solid"/>
                     </a:lnB>
+                    <a:solidFill>
+                      <a:schemeClr val="accent1"/>
+                    </a:solidFill>
                   </a:tcPr>
                 </a:tc>
                 <a:tc>
@@ -3973,24 +4966,39 @@
                     <a:lstStyle/>
                     <a:p>
                       <a:r>
-                        <a:rPr lang="en-US" sz="1200"/>
+                        <a:rPr lang="en-US" sz="1300" b="0" cap="none" spc="0">
+                          <a:solidFill>
+                            <a:schemeClr val="bg1"/>
+                          </a:solidFill>
+                        </a:rPr>
                         <a:t>support</a:t>
                       </a:r>
                     </a:p>
                   </a:txBody>
-                  <a:tcPr anchor="ctr">
-                    <a:lnL>
+                  <a:tcPr marL="114169" marR="84063" marT="87822" marB="87822" anchor="ctr">
+                    <a:lnL w="12700" cmpd="sng">
                       <a:noFill/>
                     </a:lnL>
-                    <a:lnR>
+                    <a:lnR w="38100" cap="flat" cmpd="sng" algn="ctr">
                       <a:noFill/>
+                      <a:prstDash val="solid"/>
                     </a:lnR>
-                    <a:lnT>
+                    <a:lnT w="19050" cap="flat" cmpd="sng" algn="ctr">
                       <a:noFill/>
+                      <a:prstDash val="solid"/>
                     </a:lnT>
-                    <a:lnB>
-                      <a:noFill/>
+                    <a:lnB w="6350" cap="flat" cmpd="sng" algn="ctr">
+                      <a:solidFill>
+                        <a:schemeClr val="tx1">
+                          <a:lumMod val="75000"/>
+                          <a:lumOff val="25000"/>
+                        </a:schemeClr>
+                      </a:solidFill>
+                      <a:prstDash val="solid"/>
                     </a:lnB>
+                    <a:solidFill>
+                      <a:schemeClr val="accent1"/>
+                    </a:solidFill>
                   </a:tcPr>
                 </a:tc>
                 <a:extLst>
@@ -3999,31 +5007,54 @@
                   </a:ext>
                 </a:extLst>
               </a:tr>
-              <a:tr h="353440">
+              <a:tr h="415694">
                 <a:tc>
                   <a:txBody>
                     <a:bodyPr/>
                     <a:lstStyle/>
                     <a:p>
                       <a:r>
-                        <a:rPr lang="en-US" sz="1200" dirty="0"/>
+                        <a:rPr lang="en-US" sz="1300" cap="none" spc="0">
+                          <a:solidFill>
+                            <a:schemeClr val="tx1"/>
+                          </a:solidFill>
+                        </a:rPr>
                         <a:t>Not Fatal</a:t>
                       </a:r>
                     </a:p>
                   </a:txBody>
-                  <a:tcPr anchor="ctr">
-                    <a:lnL>
+                  <a:tcPr marL="114169" marR="84063" marT="87822" marB="87822" anchor="ctr">
+                    <a:lnL w="38100" cap="flat" cmpd="sng" algn="ctr">
                       <a:noFill/>
+                      <a:prstDash val="solid"/>
                     </a:lnL>
-                    <a:lnR>
+                    <a:lnR w="6350" cap="flat" cmpd="sng" algn="ctr">
+                      <a:solidFill>
+                        <a:schemeClr val="tx1">
+                          <a:lumMod val="75000"/>
+                          <a:lumOff val="25000"/>
+                        </a:schemeClr>
+                      </a:solidFill>
+                      <a:prstDash val="solid"/>
+                    </a:lnR>
+                    <a:lnT w="6350" cap="flat" cmpd="sng" algn="ctr">
+                      <a:solidFill>
+                        <a:schemeClr val="tx1">
+                          <a:lumMod val="75000"/>
+                          <a:lumOff val="25000"/>
+                        </a:schemeClr>
+                      </a:solidFill>
+                      <a:prstDash val="solid"/>
+                    </a:lnT>
+                    <a:lnB w="6350" cap="flat" cmpd="sng" algn="ctr">
                       <a:noFill/>
-                    </a:lnR>
-                    <a:lnT>
-                      <a:noFill/>
-                    </a:lnT>
-                    <a:lnB>
-                      <a:noFill/>
+                      <a:prstDash val="solid"/>
                     </a:lnB>
+                    <a:solidFill>
+                      <a:srgbClr val="F2F2F2">
+                        <a:alpha val="30196"/>
+                      </a:srgbClr>
+                    </a:solidFill>
                   </a:tcPr>
                 </a:tc>
                 <a:tc>
@@ -4032,24 +5063,52 @@
                     <a:lstStyle/>
                     <a:p>
                       <a:r>
-                        <a:rPr lang="en-US" sz="1200"/>
+                        <a:rPr lang="en-US" sz="1300" cap="none" spc="0">
+                          <a:solidFill>
+                            <a:schemeClr val="tx1"/>
+                          </a:solidFill>
+                        </a:rPr>
                         <a:t>0.995444</a:t>
                       </a:r>
                     </a:p>
                   </a:txBody>
-                  <a:tcPr anchor="ctr">
-                    <a:lnL>
+                  <a:tcPr marL="114169" marR="84063" marT="87822" marB="87822" anchor="ctr">
+                    <a:lnL w="6350" cap="flat" cmpd="sng" algn="ctr">
+                      <a:solidFill>
+                        <a:schemeClr val="tx1">
+                          <a:lumMod val="75000"/>
+                          <a:lumOff val="25000"/>
+                        </a:schemeClr>
+                      </a:solidFill>
+                      <a:prstDash val="solid"/>
+                    </a:lnL>
+                    <a:lnR w="6350" cap="flat" cmpd="sng" algn="ctr">
+                      <a:solidFill>
+                        <a:schemeClr val="tx1">
+                          <a:lumMod val="75000"/>
+                          <a:lumOff val="25000"/>
+                        </a:schemeClr>
+                      </a:solidFill>
+                      <a:prstDash val="solid"/>
+                    </a:lnR>
+                    <a:lnT w="6350" cap="flat" cmpd="sng" algn="ctr">
+                      <a:solidFill>
+                        <a:schemeClr val="tx1">
+                          <a:lumMod val="75000"/>
+                          <a:lumOff val="25000"/>
+                        </a:schemeClr>
+                      </a:solidFill>
+                      <a:prstDash val="solid"/>
+                    </a:lnT>
+                    <a:lnB w="6350" cap="flat" cmpd="sng" algn="ctr">
                       <a:noFill/>
-                    </a:lnL>
-                    <a:lnR>
-                      <a:noFill/>
-                    </a:lnR>
-                    <a:lnT>
-                      <a:noFill/>
-                    </a:lnT>
-                    <a:lnB>
-                      <a:noFill/>
+                      <a:prstDash val="solid"/>
                     </a:lnB>
+                    <a:solidFill>
+                      <a:srgbClr val="F2F2F2">
+                        <a:alpha val="30196"/>
+                      </a:srgbClr>
+                    </a:solidFill>
                   </a:tcPr>
                 </a:tc>
                 <a:tc>
@@ -4058,24 +5117,52 @@
                     <a:lstStyle/>
                     <a:p>
                       <a:r>
-                        <a:rPr lang="en-US" sz="1200" dirty="0"/>
+                        <a:rPr lang="en-US" sz="1300" cap="none" spc="0">
+                          <a:solidFill>
+                            <a:schemeClr val="tx1"/>
+                          </a:solidFill>
+                        </a:rPr>
                         <a:t>0.749298</a:t>
                       </a:r>
                     </a:p>
                   </a:txBody>
-                  <a:tcPr anchor="ctr">
-                    <a:lnL>
+                  <a:tcPr marL="114169" marR="84063" marT="87822" marB="87822" anchor="ctr">
+                    <a:lnL w="6350" cap="flat" cmpd="sng" algn="ctr">
+                      <a:solidFill>
+                        <a:schemeClr val="tx1">
+                          <a:lumMod val="75000"/>
+                          <a:lumOff val="25000"/>
+                        </a:schemeClr>
+                      </a:solidFill>
+                      <a:prstDash val="solid"/>
+                    </a:lnL>
+                    <a:lnR w="6350" cap="flat" cmpd="sng" algn="ctr">
+                      <a:solidFill>
+                        <a:schemeClr val="tx1">
+                          <a:lumMod val="75000"/>
+                          <a:lumOff val="25000"/>
+                        </a:schemeClr>
+                      </a:solidFill>
+                      <a:prstDash val="solid"/>
+                    </a:lnR>
+                    <a:lnT w="6350" cap="flat" cmpd="sng" algn="ctr">
+                      <a:solidFill>
+                        <a:schemeClr val="tx1">
+                          <a:lumMod val="75000"/>
+                          <a:lumOff val="25000"/>
+                        </a:schemeClr>
+                      </a:solidFill>
+                      <a:prstDash val="solid"/>
+                    </a:lnT>
+                    <a:lnB w="6350" cap="flat" cmpd="sng" algn="ctr">
                       <a:noFill/>
-                    </a:lnL>
-                    <a:lnR>
-                      <a:noFill/>
-                    </a:lnR>
-                    <a:lnT>
-                      <a:noFill/>
-                    </a:lnT>
-                    <a:lnB>
-                      <a:noFill/>
+                      <a:prstDash val="solid"/>
                     </a:lnB>
+                    <a:solidFill>
+                      <a:srgbClr val="F2F2F2">
+                        <a:alpha val="30196"/>
+                      </a:srgbClr>
+                    </a:solidFill>
                   </a:tcPr>
                 </a:tc>
                 <a:tc>
@@ -4084,24 +5171,52 @@
                     <a:lstStyle/>
                     <a:p>
                       <a:r>
-                        <a:rPr lang="en-US" sz="1200" dirty="0"/>
+                        <a:rPr lang="en-US" sz="1300" cap="none" spc="0">
+                          <a:solidFill>
+                            <a:schemeClr val="tx1"/>
+                          </a:solidFill>
+                        </a:rPr>
                         <a:t>0.855008</a:t>
                       </a:r>
                     </a:p>
                   </a:txBody>
-                  <a:tcPr anchor="ctr">
-                    <a:lnL>
+                  <a:tcPr marL="114169" marR="84063" marT="87822" marB="87822" anchor="ctr">
+                    <a:lnL w="6350" cap="flat" cmpd="sng" algn="ctr">
+                      <a:solidFill>
+                        <a:schemeClr val="tx1">
+                          <a:lumMod val="75000"/>
+                          <a:lumOff val="25000"/>
+                        </a:schemeClr>
+                      </a:solidFill>
+                      <a:prstDash val="solid"/>
+                    </a:lnL>
+                    <a:lnR w="6350" cap="flat" cmpd="sng" algn="ctr">
+                      <a:solidFill>
+                        <a:schemeClr val="tx1">
+                          <a:lumMod val="75000"/>
+                          <a:lumOff val="25000"/>
+                        </a:schemeClr>
+                      </a:solidFill>
+                      <a:prstDash val="solid"/>
+                    </a:lnR>
+                    <a:lnT w="6350" cap="flat" cmpd="sng" algn="ctr">
+                      <a:solidFill>
+                        <a:schemeClr val="tx1">
+                          <a:lumMod val="75000"/>
+                          <a:lumOff val="25000"/>
+                        </a:schemeClr>
+                      </a:solidFill>
+                      <a:prstDash val="solid"/>
+                    </a:lnT>
+                    <a:lnB w="6350" cap="flat" cmpd="sng" algn="ctr">
                       <a:noFill/>
-                    </a:lnL>
-                    <a:lnR>
-                      <a:noFill/>
-                    </a:lnR>
-                    <a:lnT>
-                      <a:noFill/>
-                    </a:lnT>
-                    <a:lnB>
-                      <a:noFill/>
+                      <a:prstDash val="solid"/>
                     </a:lnB>
+                    <a:solidFill>
+                      <a:srgbClr val="F2F2F2">
+                        <a:alpha val="30196"/>
+                      </a:srgbClr>
+                    </a:solidFill>
                   </a:tcPr>
                 </a:tc>
                 <a:tc>
@@ -4110,24 +5225,47 @@
                     <a:lstStyle/>
                     <a:p>
                       <a:r>
-                        <a:rPr lang="en-US" sz="1200" dirty="0"/>
+                        <a:rPr lang="en-US" sz="1300" cap="none" spc="0" dirty="0">
+                          <a:solidFill>
+                            <a:schemeClr val="tx1"/>
+                          </a:solidFill>
+                        </a:rPr>
                         <a:t>608524.000000</a:t>
                       </a:r>
                     </a:p>
                   </a:txBody>
-                  <a:tcPr anchor="ctr">
-                    <a:lnL>
+                  <a:tcPr marL="114169" marR="84063" marT="87822" marB="87822" anchor="ctr">
+                    <a:lnL w="6350" cap="flat" cmpd="sng" algn="ctr">
+                      <a:solidFill>
+                        <a:schemeClr val="tx1">
+                          <a:lumMod val="75000"/>
+                          <a:lumOff val="25000"/>
+                        </a:schemeClr>
+                      </a:solidFill>
+                      <a:prstDash val="solid"/>
+                    </a:lnL>
+                    <a:lnR w="38100" cap="flat" cmpd="sng" algn="ctr">
                       <a:noFill/>
-                    </a:lnL>
-                    <a:lnR>
+                      <a:prstDash val="solid"/>
+                    </a:lnR>
+                    <a:lnT w="6350" cap="flat" cmpd="sng" algn="ctr">
+                      <a:solidFill>
+                        <a:schemeClr val="tx1">
+                          <a:lumMod val="75000"/>
+                          <a:lumOff val="25000"/>
+                        </a:schemeClr>
+                      </a:solidFill>
+                      <a:prstDash val="solid"/>
+                    </a:lnT>
+                    <a:lnB w="6350" cap="flat" cmpd="sng" algn="ctr">
                       <a:noFill/>
-                    </a:lnR>
-                    <a:lnT>
-                      <a:noFill/>
-                    </a:lnT>
-                    <a:lnB>
-                      <a:noFill/>
+                      <a:prstDash val="solid"/>
                     </a:lnB>
+                    <a:solidFill>
+                      <a:srgbClr val="F2F2F2">
+                        <a:alpha val="30196"/>
+                      </a:srgbClr>
+                    </a:solidFill>
                   </a:tcPr>
                 </a:tc>
                 <a:extLst>
@@ -4136,31 +5274,49 @@
                   </a:ext>
                 </a:extLst>
               </a:tr>
-              <a:tr h="353440">
+              <a:tr h="415694">
                 <a:tc>
                   <a:txBody>
                     <a:bodyPr/>
                     <a:lstStyle/>
                     <a:p>
                       <a:r>
-                        <a:rPr lang="en-US" sz="1200"/>
+                        <a:rPr lang="en-US" sz="1300" cap="none" spc="0" dirty="0">
+                          <a:solidFill>
+                            <a:schemeClr val="tx1"/>
+                          </a:solidFill>
+                        </a:rPr>
                         <a:t>Fatal</a:t>
                       </a:r>
                     </a:p>
                   </a:txBody>
-                  <a:tcPr anchor="ctr">
-                    <a:lnL>
+                  <a:tcPr marL="114169" marR="84063" marT="87822" marB="87822" anchor="ctr">
+                    <a:lnL w="6350" cap="flat" cmpd="sng" algn="ctr">
                       <a:noFill/>
+                      <a:prstDash val="solid"/>
                     </a:lnL>
-                    <a:lnR>
+                    <a:lnR w="6350" cap="flat" cmpd="sng" algn="ctr">
                       <a:noFill/>
+                      <a:prstDash val="solid"/>
                     </a:lnR>
-                    <a:lnT>
+                    <a:lnT w="6350" cap="flat" cmpd="sng" algn="ctr">
                       <a:noFill/>
+                      <a:prstDash val="solid"/>
                     </a:lnT>
-                    <a:lnB>
-                      <a:noFill/>
+                    <a:lnB w="6350" cap="flat" cmpd="sng" algn="ctr">
+                      <a:solidFill>
+                        <a:schemeClr val="tx1">
+                          <a:lumMod val="75000"/>
+                          <a:lumOff val="25000"/>
+                        </a:schemeClr>
+                      </a:solidFill>
+                      <a:prstDash val="solid"/>
                     </a:lnB>
+                    <a:solidFill>
+                      <a:schemeClr val="bg1">
+                        <a:lumMod val="95000"/>
+                      </a:schemeClr>
+                    </a:solidFill>
                   </a:tcPr>
                 </a:tc>
                 <a:tc>
@@ -4169,24 +5325,42 @@
                     <a:lstStyle/>
                     <a:p>
                       <a:r>
-                        <a:rPr lang="en-US" sz="1200"/>
+                        <a:rPr lang="en-US" sz="1300" cap="none" spc="0">
+                          <a:solidFill>
+                            <a:schemeClr val="tx1"/>
+                          </a:solidFill>
+                        </a:rPr>
                         <a:t>0.038769</a:t>
                       </a:r>
                     </a:p>
                   </a:txBody>
-                  <a:tcPr anchor="ctr">
-                    <a:lnL>
+                  <a:tcPr marL="114169" marR="84063" marT="87822" marB="87822" anchor="ctr">
+                    <a:lnL w="6350" cap="flat" cmpd="sng" algn="ctr">
                       <a:noFill/>
+                      <a:prstDash val="solid"/>
                     </a:lnL>
-                    <a:lnR>
+                    <a:lnR w="6350" cap="flat" cmpd="sng" algn="ctr">
                       <a:noFill/>
+                      <a:prstDash val="solid"/>
                     </a:lnR>
-                    <a:lnT>
+                    <a:lnT w="6350" cap="flat" cmpd="sng" algn="ctr">
                       <a:noFill/>
+                      <a:prstDash val="solid"/>
                     </a:lnT>
-                    <a:lnB>
-                      <a:noFill/>
+                    <a:lnB w="6350" cap="flat" cmpd="sng" algn="ctr">
+                      <a:solidFill>
+                        <a:schemeClr val="tx1">
+                          <a:lumMod val="75000"/>
+                          <a:lumOff val="25000"/>
+                        </a:schemeClr>
+                      </a:solidFill>
+                      <a:prstDash val="solid"/>
                     </a:lnB>
+                    <a:solidFill>
+                      <a:schemeClr val="bg1">
+                        <a:lumMod val="95000"/>
+                      </a:schemeClr>
+                    </a:solidFill>
                   </a:tcPr>
                 </a:tc>
                 <a:tc>
@@ -4195,24 +5369,42 @@
                     <a:lstStyle/>
                     <a:p>
                       <a:r>
-                        <a:rPr lang="en-US" sz="1200"/>
+                        <a:rPr lang="en-US" sz="1300" cap="none" spc="0" dirty="0">
+                          <a:solidFill>
+                            <a:schemeClr val="tx1"/>
+                          </a:solidFill>
+                        </a:rPr>
                         <a:t>0.746723</a:t>
                       </a:r>
                     </a:p>
                   </a:txBody>
-                  <a:tcPr anchor="ctr">
-                    <a:lnL>
+                  <a:tcPr marL="114169" marR="84063" marT="87822" marB="87822" anchor="ctr">
+                    <a:lnL w="6350" cap="flat" cmpd="sng" algn="ctr">
                       <a:noFill/>
+                      <a:prstDash val="solid"/>
                     </a:lnL>
-                    <a:lnR>
+                    <a:lnR w="6350" cap="flat" cmpd="sng" algn="ctr">
                       <a:noFill/>
+                      <a:prstDash val="solid"/>
                     </a:lnR>
-                    <a:lnT>
+                    <a:lnT w="6350" cap="flat" cmpd="sng" algn="ctr">
                       <a:noFill/>
+                      <a:prstDash val="solid"/>
                     </a:lnT>
-                    <a:lnB>
-                      <a:noFill/>
+                    <a:lnB w="6350" cap="flat" cmpd="sng" algn="ctr">
+                      <a:solidFill>
+                        <a:schemeClr val="tx1">
+                          <a:lumMod val="75000"/>
+                          <a:lumOff val="25000"/>
+                        </a:schemeClr>
+                      </a:solidFill>
+                      <a:prstDash val="solid"/>
                     </a:lnB>
+                    <a:solidFill>
+                      <a:schemeClr val="bg1">
+                        <a:lumMod val="95000"/>
+                      </a:schemeClr>
+                    </a:solidFill>
                   </a:tcPr>
                 </a:tc>
                 <a:tc>
@@ -4221,24 +5413,42 @@
                     <a:lstStyle/>
                     <a:p>
                       <a:r>
-                        <a:rPr lang="en-US" sz="1200" dirty="0"/>
+                        <a:rPr lang="en-US" sz="1300" cap="none" spc="0">
+                          <a:solidFill>
+                            <a:schemeClr val="tx1"/>
+                          </a:solidFill>
+                        </a:rPr>
                         <a:t>0.073710</a:t>
                       </a:r>
                     </a:p>
                   </a:txBody>
-                  <a:tcPr anchor="ctr">
-                    <a:lnL>
+                  <a:tcPr marL="114169" marR="84063" marT="87822" marB="87822" anchor="ctr">
+                    <a:lnL w="6350" cap="flat" cmpd="sng" algn="ctr">
                       <a:noFill/>
+                      <a:prstDash val="solid"/>
                     </a:lnL>
-                    <a:lnR>
+                    <a:lnR w="6350" cap="flat" cmpd="sng" algn="ctr">
                       <a:noFill/>
+                      <a:prstDash val="solid"/>
                     </a:lnR>
-                    <a:lnT>
+                    <a:lnT w="6350" cap="flat" cmpd="sng" algn="ctr">
                       <a:noFill/>
+                      <a:prstDash val="solid"/>
                     </a:lnT>
-                    <a:lnB>
-                      <a:noFill/>
+                    <a:lnB w="6350" cap="flat" cmpd="sng" algn="ctr">
+                      <a:solidFill>
+                        <a:schemeClr val="tx1">
+                          <a:lumMod val="75000"/>
+                          <a:lumOff val="25000"/>
+                        </a:schemeClr>
+                      </a:solidFill>
+                      <a:prstDash val="solid"/>
                     </a:lnB>
+                    <a:solidFill>
+                      <a:schemeClr val="bg1">
+                        <a:lumMod val="95000"/>
+                      </a:schemeClr>
+                    </a:solidFill>
                   </a:tcPr>
                 </a:tc>
                 <a:tc>
@@ -4247,24 +5457,42 @@
                     <a:lstStyle/>
                     <a:p>
                       <a:r>
-                        <a:rPr lang="en-US" sz="1200" dirty="0"/>
+                        <a:rPr lang="en-US" sz="1300" cap="none" spc="0">
+                          <a:solidFill>
+                            <a:schemeClr val="tx1"/>
+                          </a:solidFill>
+                        </a:rPr>
                         <a:t>8240.000000</a:t>
                       </a:r>
                     </a:p>
                   </a:txBody>
-                  <a:tcPr anchor="ctr">
-                    <a:lnL>
+                  <a:tcPr marL="114169" marR="84063" marT="87822" marB="87822" anchor="ctr">
+                    <a:lnL w="6350" cap="flat" cmpd="sng" algn="ctr">
                       <a:noFill/>
+                      <a:prstDash val="solid"/>
                     </a:lnL>
-                    <a:lnR>
+                    <a:lnR w="38100" cap="flat" cmpd="sng" algn="ctr">
                       <a:noFill/>
+                      <a:prstDash val="solid"/>
                     </a:lnR>
-                    <a:lnT>
+                    <a:lnT w="6350" cap="flat" cmpd="sng" algn="ctr">
                       <a:noFill/>
+                      <a:prstDash val="solid"/>
                     </a:lnT>
-                    <a:lnB>
-                      <a:noFill/>
+                    <a:lnB w="6350" cap="flat" cmpd="sng" algn="ctr">
+                      <a:solidFill>
+                        <a:schemeClr val="tx1">
+                          <a:lumMod val="75000"/>
+                          <a:lumOff val="25000"/>
+                        </a:schemeClr>
+                      </a:solidFill>
+                      <a:prstDash val="solid"/>
                     </a:lnB>
+                    <a:solidFill>
+                      <a:schemeClr val="bg1">
+                        <a:lumMod val="95000"/>
+                      </a:schemeClr>
+                    </a:solidFill>
                   </a:tcPr>
                 </a:tc>
                 <a:extLst>
@@ -4273,31 +5501,54 @@
                   </a:ext>
                 </a:extLst>
               </a:tr>
-              <a:tr h="353440">
+              <a:tr h="415694">
                 <a:tc>
                   <a:txBody>
                     <a:bodyPr/>
                     <a:lstStyle/>
                     <a:p>
                       <a:r>
-                        <a:rPr lang="en-US" sz="1200"/>
+                        <a:rPr lang="en-US" sz="1300" cap="none" spc="0">
+                          <a:solidFill>
+                            <a:schemeClr val="tx1"/>
+                          </a:solidFill>
+                        </a:rPr>
                         <a:t>accuracy</a:t>
                       </a:r>
                     </a:p>
                   </a:txBody>
-                  <a:tcPr anchor="ctr">
-                    <a:lnL>
+                  <a:tcPr marL="114169" marR="84063" marT="87822" marB="87822" anchor="ctr">
+                    <a:lnL w="38100" cap="flat" cmpd="sng" algn="ctr">
                       <a:noFill/>
+                      <a:prstDash val="solid"/>
                     </a:lnL>
-                    <a:lnR>
+                    <a:lnR w="6350" cap="flat" cmpd="sng" algn="ctr">
+                      <a:solidFill>
+                        <a:schemeClr val="tx1">
+                          <a:lumMod val="75000"/>
+                          <a:lumOff val="25000"/>
+                        </a:schemeClr>
+                      </a:solidFill>
+                      <a:prstDash val="solid"/>
+                    </a:lnR>
+                    <a:lnT w="6350" cap="flat" cmpd="sng" algn="ctr">
+                      <a:solidFill>
+                        <a:schemeClr val="tx1">
+                          <a:lumMod val="75000"/>
+                          <a:lumOff val="25000"/>
+                        </a:schemeClr>
+                      </a:solidFill>
+                      <a:prstDash val="solid"/>
+                    </a:lnT>
+                    <a:lnB w="6350" cap="flat" cmpd="sng" algn="ctr">
                       <a:noFill/>
-                    </a:lnR>
-                    <a:lnT>
-                      <a:noFill/>
-                    </a:lnT>
-                    <a:lnB>
-                      <a:noFill/>
+                      <a:prstDash val="solid"/>
                     </a:lnB>
+                    <a:solidFill>
+                      <a:srgbClr val="F2F2F2">
+                        <a:alpha val="30196"/>
+                      </a:srgbClr>
+                    </a:solidFill>
                   </a:tcPr>
                 </a:tc>
                 <a:tc>
@@ -4306,24 +5557,52 @@
                     <a:lstStyle/>
                     <a:p>
                       <a:r>
-                        <a:rPr lang="en-US" sz="1200"/>
+                        <a:rPr lang="en-US" sz="1300" cap="none" spc="0">
+                          <a:solidFill>
+                            <a:schemeClr val="tx1"/>
+                          </a:solidFill>
+                        </a:rPr>
                         <a:t>0.749264</a:t>
                       </a:r>
                     </a:p>
                   </a:txBody>
-                  <a:tcPr anchor="ctr">
-                    <a:lnL>
+                  <a:tcPr marL="114169" marR="84063" marT="87822" marB="87822" anchor="ctr">
+                    <a:lnL w="6350" cap="flat" cmpd="sng" algn="ctr">
+                      <a:solidFill>
+                        <a:schemeClr val="tx1">
+                          <a:lumMod val="75000"/>
+                          <a:lumOff val="25000"/>
+                        </a:schemeClr>
+                      </a:solidFill>
+                      <a:prstDash val="solid"/>
+                    </a:lnL>
+                    <a:lnR w="6350" cap="flat" cmpd="sng" algn="ctr">
+                      <a:solidFill>
+                        <a:schemeClr val="tx1">
+                          <a:lumMod val="75000"/>
+                          <a:lumOff val="25000"/>
+                        </a:schemeClr>
+                      </a:solidFill>
+                      <a:prstDash val="solid"/>
+                    </a:lnR>
+                    <a:lnT w="6350" cap="flat" cmpd="sng" algn="ctr">
+                      <a:solidFill>
+                        <a:schemeClr val="tx1">
+                          <a:lumMod val="75000"/>
+                          <a:lumOff val="25000"/>
+                        </a:schemeClr>
+                      </a:solidFill>
+                      <a:prstDash val="solid"/>
+                    </a:lnT>
+                    <a:lnB w="6350" cap="flat" cmpd="sng" algn="ctr">
                       <a:noFill/>
-                    </a:lnL>
-                    <a:lnR>
-                      <a:noFill/>
-                    </a:lnR>
-                    <a:lnT>
-                      <a:noFill/>
-                    </a:lnT>
-                    <a:lnB>
-                      <a:noFill/>
+                      <a:prstDash val="solid"/>
                     </a:lnB>
+                    <a:solidFill>
+                      <a:srgbClr val="F2F2F2">
+                        <a:alpha val="30196"/>
+                      </a:srgbClr>
+                    </a:solidFill>
                   </a:tcPr>
                 </a:tc>
                 <a:tc>
@@ -4331,22 +5610,50 @@
                     <a:bodyPr/>
                     <a:lstStyle/>
                     <a:p>
-                      <a:endParaRPr lang="en-US" sz="1200" dirty="0"/>
+                      <a:endParaRPr lang="en-US" sz="1300" cap="none" spc="0">
+                        <a:solidFill>
+                          <a:schemeClr val="tx1"/>
+                        </a:solidFill>
+                      </a:endParaRPr>
                     </a:p>
                   </a:txBody>
-                  <a:tcPr anchor="ctr">
-                    <a:lnL>
+                  <a:tcPr marL="114169" marR="84063" marT="87822" marB="87822" anchor="ctr">
+                    <a:lnL w="6350" cap="flat" cmpd="sng" algn="ctr">
+                      <a:solidFill>
+                        <a:schemeClr val="tx1">
+                          <a:lumMod val="75000"/>
+                          <a:lumOff val="25000"/>
+                        </a:schemeClr>
+                      </a:solidFill>
+                      <a:prstDash val="solid"/>
+                    </a:lnL>
+                    <a:lnR w="6350" cap="flat" cmpd="sng" algn="ctr">
+                      <a:solidFill>
+                        <a:schemeClr val="tx1">
+                          <a:lumMod val="75000"/>
+                          <a:lumOff val="25000"/>
+                        </a:schemeClr>
+                      </a:solidFill>
+                      <a:prstDash val="solid"/>
+                    </a:lnR>
+                    <a:lnT w="6350" cap="flat" cmpd="sng" algn="ctr">
+                      <a:solidFill>
+                        <a:schemeClr val="tx1">
+                          <a:lumMod val="75000"/>
+                          <a:lumOff val="25000"/>
+                        </a:schemeClr>
+                      </a:solidFill>
+                      <a:prstDash val="solid"/>
+                    </a:lnT>
+                    <a:lnB w="6350" cap="flat" cmpd="sng" algn="ctr">
                       <a:noFill/>
-                    </a:lnL>
-                    <a:lnR>
-                      <a:noFill/>
-                    </a:lnR>
-                    <a:lnT>
-                      <a:noFill/>
-                    </a:lnT>
-                    <a:lnB>
-                      <a:noFill/>
+                      <a:prstDash val="solid"/>
                     </a:lnB>
+                    <a:solidFill>
+                      <a:srgbClr val="F2F2F2">
+                        <a:alpha val="30196"/>
+                      </a:srgbClr>
+                    </a:solidFill>
                   </a:tcPr>
                 </a:tc>
                 <a:tc>
@@ -4354,22 +5661,50 @@
                     <a:bodyPr/>
                     <a:lstStyle/>
                     <a:p>
-                      <a:endParaRPr lang="en-US" sz="1200" dirty="0"/>
+                      <a:endParaRPr lang="en-US" sz="1300" cap="none" spc="0">
+                        <a:solidFill>
+                          <a:schemeClr val="tx1"/>
+                        </a:solidFill>
+                      </a:endParaRPr>
                     </a:p>
                   </a:txBody>
-                  <a:tcPr anchor="ctr">
-                    <a:lnL>
+                  <a:tcPr marL="114169" marR="84063" marT="87822" marB="87822" anchor="ctr">
+                    <a:lnL w="6350" cap="flat" cmpd="sng" algn="ctr">
+                      <a:solidFill>
+                        <a:schemeClr val="tx1">
+                          <a:lumMod val="75000"/>
+                          <a:lumOff val="25000"/>
+                        </a:schemeClr>
+                      </a:solidFill>
+                      <a:prstDash val="solid"/>
+                    </a:lnL>
+                    <a:lnR w="6350" cap="flat" cmpd="sng" algn="ctr">
+                      <a:solidFill>
+                        <a:schemeClr val="tx1">
+                          <a:lumMod val="75000"/>
+                          <a:lumOff val="25000"/>
+                        </a:schemeClr>
+                      </a:solidFill>
+                      <a:prstDash val="solid"/>
+                    </a:lnR>
+                    <a:lnT w="6350" cap="flat" cmpd="sng" algn="ctr">
+                      <a:solidFill>
+                        <a:schemeClr val="tx1">
+                          <a:lumMod val="75000"/>
+                          <a:lumOff val="25000"/>
+                        </a:schemeClr>
+                      </a:solidFill>
+                      <a:prstDash val="solid"/>
+                    </a:lnT>
+                    <a:lnB w="6350" cap="flat" cmpd="sng" algn="ctr">
                       <a:noFill/>
-                    </a:lnL>
-                    <a:lnR>
-                      <a:noFill/>
-                    </a:lnR>
-                    <a:lnT>
-                      <a:noFill/>
-                    </a:lnT>
-                    <a:lnB>
-                      <a:noFill/>
+                      <a:prstDash val="solid"/>
                     </a:lnB>
+                    <a:solidFill>
+                      <a:srgbClr val="F2F2F2">
+                        <a:alpha val="30196"/>
+                      </a:srgbClr>
+                    </a:solidFill>
                   </a:tcPr>
                 </a:tc>
                 <a:tc>
@@ -4377,22 +5712,45 @@
                     <a:bodyPr/>
                     <a:lstStyle/>
                     <a:p>
-                      <a:endParaRPr lang="en-US" sz="1200" dirty="0"/>
+                      <a:endParaRPr lang="en-US" sz="1300" cap="none" spc="0">
+                        <a:solidFill>
+                          <a:schemeClr val="tx1"/>
+                        </a:solidFill>
+                      </a:endParaRPr>
                     </a:p>
                   </a:txBody>
-                  <a:tcPr anchor="ctr">
-                    <a:lnL>
+                  <a:tcPr marL="114169" marR="84063" marT="87822" marB="87822" anchor="ctr">
+                    <a:lnL w="6350" cap="flat" cmpd="sng" algn="ctr">
+                      <a:solidFill>
+                        <a:schemeClr val="tx1">
+                          <a:lumMod val="75000"/>
+                          <a:lumOff val="25000"/>
+                        </a:schemeClr>
+                      </a:solidFill>
+                      <a:prstDash val="solid"/>
+                    </a:lnL>
+                    <a:lnR w="38100" cap="flat" cmpd="sng" algn="ctr">
                       <a:noFill/>
-                    </a:lnL>
-                    <a:lnR>
+                      <a:prstDash val="solid"/>
+                    </a:lnR>
+                    <a:lnT w="6350" cap="flat" cmpd="sng" algn="ctr">
+                      <a:solidFill>
+                        <a:schemeClr val="tx1">
+                          <a:lumMod val="75000"/>
+                          <a:lumOff val="25000"/>
+                        </a:schemeClr>
+                      </a:solidFill>
+                      <a:prstDash val="solid"/>
+                    </a:lnT>
+                    <a:lnB w="6350" cap="flat" cmpd="sng" algn="ctr">
                       <a:noFill/>
-                    </a:lnR>
-                    <a:lnT>
-                      <a:noFill/>
-                    </a:lnT>
-                    <a:lnB>
-                      <a:noFill/>
+                      <a:prstDash val="solid"/>
                     </a:lnB>
+                    <a:solidFill>
+                      <a:srgbClr val="F2F2F2">
+                        <a:alpha val="30196"/>
+                      </a:srgbClr>
+                    </a:solidFill>
                   </a:tcPr>
                 </a:tc>
                 <a:extLst>
@@ -4401,28 +5759,46 @@
                   </a:ext>
                 </a:extLst>
               </a:tr>
-              <a:tr h="353440">
+              <a:tr h="448871">
                 <a:tc>
                   <a:txBody>
                     <a:bodyPr/>
                     <a:lstStyle/>
                     <a:p>
-                      <a:endParaRPr lang="en-US" sz="1200" dirty="0"/>
+                      <a:endParaRPr lang="en-US" sz="1300" cap="none" spc="0">
+                        <a:solidFill>
+                          <a:schemeClr val="tx1"/>
+                        </a:solidFill>
+                      </a:endParaRPr>
                     </a:p>
                   </a:txBody>
-                  <a:tcPr anchor="ctr">
-                    <a:lnL>
+                  <a:tcPr marL="114169" marR="84063" marT="87822" marB="87822" anchor="ctr">
+                    <a:lnL w="6350" cap="flat" cmpd="sng" algn="ctr">
                       <a:noFill/>
+                      <a:prstDash val="solid"/>
                     </a:lnL>
-                    <a:lnR>
+                    <a:lnR w="6350" cap="flat" cmpd="sng" algn="ctr">
                       <a:noFill/>
+                      <a:prstDash val="solid"/>
                     </a:lnR>
-                    <a:lnT>
+                    <a:lnT w="6350" cap="flat" cmpd="sng" algn="ctr">
                       <a:noFill/>
+                      <a:prstDash val="solid"/>
                     </a:lnT>
-                    <a:lnB>
-                      <a:noFill/>
+                    <a:lnB w="6350" cap="flat" cmpd="sng" algn="ctr">
+                      <a:solidFill>
+                        <a:schemeClr val="tx1">
+                          <a:lumMod val="75000"/>
+                          <a:lumOff val="25000"/>
+                        </a:schemeClr>
+                      </a:solidFill>
+                      <a:prstDash val="solid"/>
                     </a:lnB>
+                    <a:solidFill>
+                      <a:schemeClr val="bg1">
+                        <a:lumMod val="95000"/>
+                      </a:schemeClr>
+                    </a:solidFill>
                   </a:tcPr>
                 </a:tc>
                 <a:tc>
@@ -4430,22 +5806,40 @@
                     <a:bodyPr/>
                     <a:lstStyle/>
                     <a:p>
-                      <a:endParaRPr lang="en-US" sz="1200" dirty="0"/>
+                      <a:endParaRPr lang="en-US" sz="1300" cap="none" spc="0">
+                        <a:solidFill>
+                          <a:schemeClr val="tx1"/>
+                        </a:solidFill>
+                      </a:endParaRPr>
                     </a:p>
                   </a:txBody>
-                  <a:tcPr anchor="ctr">
-                    <a:lnL>
+                  <a:tcPr marL="114169" marR="84063" marT="87822" marB="87822" anchor="ctr">
+                    <a:lnL w="6350" cap="flat" cmpd="sng" algn="ctr">
                       <a:noFill/>
+                      <a:prstDash val="solid"/>
                     </a:lnL>
-                    <a:lnR>
+                    <a:lnR w="6350" cap="flat" cmpd="sng" algn="ctr">
                       <a:noFill/>
+                      <a:prstDash val="solid"/>
                     </a:lnR>
-                    <a:lnT>
+                    <a:lnT w="6350" cap="flat" cmpd="sng" algn="ctr">
                       <a:noFill/>
+                      <a:prstDash val="solid"/>
                     </a:lnT>
-                    <a:lnB>
-                      <a:noFill/>
+                    <a:lnB w="6350" cap="flat" cmpd="sng" algn="ctr">
+                      <a:solidFill>
+                        <a:schemeClr val="tx1">
+                          <a:lumMod val="75000"/>
+                          <a:lumOff val="25000"/>
+                        </a:schemeClr>
+                      </a:solidFill>
+                      <a:prstDash val="solid"/>
                     </a:lnB>
+                    <a:solidFill>
+                      <a:schemeClr val="bg1">
+                        <a:lumMod val="95000"/>
+                      </a:schemeClr>
+                    </a:solidFill>
                   </a:tcPr>
                 </a:tc>
                 <a:tc>
@@ -4453,22 +5847,40 @@
                     <a:bodyPr/>
                     <a:lstStyle/>
                     <a:p>
-                      <a:endParaRPr lang="en-US" sz="1200" dirty="0"/>
+                      <a:endParaRPr lang="en-US" sz="1300" cap="none" spc="0">
+                        <a:solidFill>
+                          <a:schemeClr val="tx1"/>
+                        </a:solidFill>
+                      </a:endParaRPr>
                     </a:p>
                   </a:txBody>
-                  <a:tcPr anchor="ctr">
-                    <a:lnL>
+                  <a:tcPr marL="114169" marR="84063" marT="87822" marB="87822" anchor="ctr">
+                    <a:lnL w="6350" cap="flat" cmpd="sng" algn="ctr">
                       <a:noFill/>
+                      <a:prstDash val="solid"/>
                     </a:lnL>
-                    <a:lnR>
+                    <a:lnR w="6350" cap="flat" cmpd="sng" algn="ctr">
                       <a:noFill/>
+                      <a:prstDash val="solid"/>
                     </a:lnR>
-                    <a:lnT>
+                    <a:lnT w="6350" cap="flat" cmpd="sng" algn="ctr">
                       <a:noFill/>
+                      <a:prstDash val="solid"/>
                     </a:lnT>
-                    <a:lnB>
-                      <a:noFill/>
+                    <a:lnB w="6350" cap="flat" cmpd="sng" algn="ctr">
+                      <a:solidFill>
+                        <a:schemeClr val="tx1">
+                          <a:lumMod val="75000"/>
+                          <a:lumOff val="25000"/>
+                        </a:schemeClr>
+                      </a:solidFill>
+                      <a:prstDash val="solid"/>
                     </a:lnB>
+                    <a:solidFill>
+                      <a:schemeClr val="bg1">
+                        <a:lumMod val="95000"/>
+                      </a:schemeClr>
+                    </a:solidFill>
                   </a:tcPr>
                 </a:tc>
                 <a:tc>
@@ -4476,22 +5888,40 @@
                     <a:bodyPr/>
                     <a:lstStyle/>
                     <a:p>
-                      <a:endParaRPr lang="en-US" sz="1200"/>
+                      <a:endParaRPr lang="en-US" sz="1300" cap="none" spc="0">
+                        <a:solidFill>
+                          <a:schemeClr val="tx1"/>
+                        </a:solidFill>
+                      </a:endParaRPr>
                     </a:p>
                   </a:txBody>
-                  <a:tcPr anchor="ctr">
-                    <a:lnL>
+                  <a:tcPr marL="114169" marR="84063" marT="87822" marB="87822" anchor="ctr">
+                    <a:lnL w="6350" cap="flat" cmpd="sng" algn="ctr">
                       <a:noFill/>
+                      <a:prstDash val="solid"/>
                     </a:lnL>
-                    <a:lnR>
+                    <a:lnR w="6350" cap="flat" cmpd="sng" algn="ctr">
                       <a:noFill/>
+                      <a:prstDash val="solid"/>
                     </a:lnR>
-                    <a:lnT>
+                    <a:lnT w="6350" cap="flat" cmpd="sng" algn="ctr">
                       <a:noFill/>
+                      <a:prstDash val="solid"/>
                     </a:lnT>
-                    <a:lnB>
-                      <a:noFill/>
+                    <a:lnB w="6350" cap="flat" cmpd="sng" algn="ctr">
+                      <a:solidFill>
+                        <a:schemeClr val="tx1">
+                          <a:lumMod val="75000"/>
+                          <a:lumOff val="25000"/>
+                        </a:schemeClr>
+                      </a:solidFill>
+                      <a:prstDash val="solid"/>
                     </a:lnB>
+                    <a:solidFill>
+                      <a:schemeClr val="bg1">
+                        <a:lumMod val="95000"/>
+                      </a:schemeClr>
+                    </a:solidFill>
                   </a:tcPr>
                 </a:tc>
                 <a:tc>
@@ -4499,22 +5929,40 @@
                     <a:bodyPr/>
                     <a:lstStyle/>
                     <a:p>
-                      <a:endParaRPr lang="en-US" sz="1200" dirty="0"/>
+                      <a:endParaRPr lang="en-US" sz="1300" cap="none" spc="0">
+                        <a:solidFill>
+                          <a:schemeClr val="tx1"/>
+                        </a:solidFill>
+                      </a:endParaRPr>
                     </a:p>
                   </a:txBody>
-                  <a:tcPr anchor="ctr">
-                    <a:lnL>
+                  <a:tcPr marL="114169" marR="84063" marT="87822" marB="87822" anchor="ctr">
+                    <a:lnL w="6350" cap="flat" cmpd="sng" algn="ctr">
                       <a:noFill/>
+                      <a:prstDash val="solid"/>
                     </a:lnL>
-                    <a:lnR>
+                    <a:lnR w="38100" cap="flat" cmpd="sng" algn="ctr">
                       <a:noFill/>
+                      <a:prstDash val="solid"/>
                     </a:lnR>
-                    <a:lnT>
+                    <a:lnT w="6350" cap="flat" cmpd="sng" algn="ctr">
                       <a:noFill/>
+                      <a:prstDash val="solid"/>
                     </a:lnT>
-                    <a:lnB>
-                      <a:noFill/>
+                    <a:lnB w="6350" cap="flat" cmpd="sng" algn="ctr">
+                      <a:solidFill>
+                        <a:schemeClr val="tx1">
+                          <a:lumMod val="75000"/>
+                          <a:lumOff val="25000"/>
+                        </a:schemeClr>
+                      </a:solidFill>
+                      <a:prstDash val="solid"/>
                     </a:lnB>
+                    <a:solidFill>
+                      <a:schemeClr val="bg1">
+                        <a:lumMod val="95000"/>
+                      </a:schemeClr>
+                    </a:solidFill>
                   </a:tcPr>
                 </a:tc>
                 <a:extLst>
@@ -4523,28 +5971,51 @@
                   </a:ext>
                 </a:extLst>
               </a:tr>
-              <a:tr h="353440">
+              <a:tr h="448871">
                 <a:tc>
                   <a:txBody>
                     <a:bodyPr/>
                     <a:lstStyle/>
                     <a:p>
-                      <a:endParaRPr lang="en-US" sz="1200" dirty="0"/>
+                      <a:endParaRPr lang="en-US" sz="1300" cap="none" spc="0">
+                        <a:solidFill>
+                          <a:schemeClr val="tx1"/>
+                        </a:solidFill>
+                      </a:endParaRPr>
                     </a:p>
                   </a:txBody>
-                  <a:tcPr anchor="ctr">
-                    <a:lnL>
+                  <a:tcPr marL="114169" marR="84063" marT="87822" marB="87822" anchor="ctr">
+                    <a:lnL w="38100" cap="flat" cmpd="sng" algn="ctr">
                       <a:noFill/>
+                      <a:prstDash val="solid"/>
                     </a:lnL>
-                    <a:lnR>
+                    <a:lnR w="6350" cap="flat" cmpd="sng" algn="ctr">
+                      <a:solidFill>
+                        <a:schemeClr val="tx1">
+                          <a:lumMod val="75000"/>
+                          <a:lumOff val="25000"/>
+                        </a:schemeClr>
+                      </a:solidFill>
+                      <a:prstDash val="solid"/>
+                    </a:lnR>
+                    <a:lnT w="6350" cap="flat" cmpd="sng" algn="ctr">
+                      <a:solidFill>
+                        <a:schemeClr val="tx1">
+                          <a:lumMod val="75000"/>
+                          <a:lumOff val="25000"/>
+                        </a:schemeClr>
+                      </a:solidFill>
+                      <a:prstDash val="solid"/>
+                    </a:lnT>
+                    <a:lnB w="38100" cap="flat" cmpd="sng" algn="ctr">
                       <a:noFill/>
-                    </a:lnR>
-                    <a:lnT>
-                      <a:noFill/>
-                    </a:lnT>
-                    <a:lnB>
-                      <a:noFill/>
+                      <a:prstDash val="solid"/>
                     </a:lnB>
+                    <a:solidFill>
+                      <a:srgbClr val="F2F2F2">
+                        <a:alpha val="30196"/>
+                      </a:srgbClr>
+                    </a:solidFill>
                   </a:tcPr>
                 </a:tc>
                 <a:tc>
@@ -4552,22 +6023,50 @@
                     <a:bodyPr/>
                     <a:lstStyle/>
                     <a:p>
-                      <a:endParaRPr lang="en-US" sz="1200" dirty="0"/>
+                      <a:endParaRPr lang="en-US" sz="1300" cap="none" spc="0">
+                        <a:solidFill>
+                          <a:schemeClr val="tx1"/>
+                        </a:solidFill>
+                      </a:endParaRPr>
                     </a:p>
                   </a:txBody>
-                  <a:tcPr anchor="ctr">
-                    <a:lnL>
+                  <a:tcPr marL="114169" marR="84063" marT="87822" marB="87822" anchor="ctr">
+                    <a:lnL w="6350" cap="flat" cmpd="sng" algn="ctr">
+                      <a:solidFill>
+                        <a:schemeClr val="tx1">
+                          <a:lumMod val="75000"/>
+                          <a:lumOff val="25000"/>
+                        </a:schemeClr>
+                      </a:solidFill>
+                      <a:prstDash val="solid"/>
+                    </a:lnL>
+                    <a:lnR w="6350" cap="flat" cmpd="sng" algn="ctr">
+                      <a:solidFill>
+                        <a:schemeClr val="tx1">
+                          <a:lumMod val="75000"/>
+                          <a:lumOff val="25000"/>
+                        </a:schemeClr>
+                      </a:solidFill>
+                      <a:prstDash val="solid"/>
+                    </a:lnR>
+                    <a:lnT w="6350" cap="flat" cmpd="sng" algn="ctr">
+                      <a:solidFill>
+                        <a:schemeClr val="tx1">
+                          <a:lumMod val="75000"/>
+                          <a:lumOff val="25000"/>
+                        </a:schemeClr>
+                      </a:solidFill>
+                      <a:prstDash val="solid"/>
+                    </a:lnT>
+                    <a:lnB w="38100" cap="flat" cmpd="sng" algn="ctr">
                       <a:noFill/>
-                    </a:lnL>
-                    <a:lnR>
-                      <a:noFill/>
-                    </a:lnR>
-                    <a:lnT>
-                      <a:noFill/>
-                    </a:lnT>
-                    <a:lnB>
-                      <a:noFill/>
+                      <a:prstDash val="solid"/>
                     </a:lnB>
+                    <a:solidFill>
+                      <a:srgbClr val="F2F2F2">
+                        <a:alpha val="30196"/>
+                      </a:srgbClr>
+                    </a:solidFill>
                   </a:tcPr>
                 </a:tc>
                 <a:tc>
@@ -4575,22 +6074,50 @@
                     <a:bodyPr/>
                     <a:lstStyle/>
                     <a:p>
-                      <a:endParaRPr lang="en-US" sz="1200"/>
+                      <a:endParaRPr lang="en-US" sz="1300" cap="none" spc="0" dirty="0">
+                        <a:solidFill>
+                          <a:schemeClr val="tx1"/>
+                        </a:solidFill>
+                      </a:endParaRPr>
                     </a:p>
                   </a:txBody>
-                  <a:tcPr anchor="ctr">
-                    <a:lnL>
+                  <a:tcPr marL="114169" marR="84063" marT="87822" marB="87822" anchor="ctr">
+                    <a:lnL w="6350" cap="flat" cmpd="sng" algn="ctr">
+                      <a:solidFill>
+                        <a:schemeClr val="tx1">
+                          <a:lumMod val="75000"/>
+                          <a:lumOff val="25000"/>
+                        </a:schemeClr>
+                      </a:solidFill>
+                      <a:prstDash val="solid"/>
+                    </a:lnL>
+                    <a:lnR w="6350" cap="flat" cmpd="sng" algn="ctr">
+                      <a:solidFill>
+                        <a:schemeClr val="tx1">
+                          <a:lumMod val="75000"/>
+                          <a:lumOff val="25000"/>
+                        </a:schemeClr>
+                      </a:solidFill>
+                      <a:prstDash val="solid"/>
+                    </a:lnR>
+                    <a:lnT w="6350" cap="flat" cmpd="sng" algn="ctr">
+                      <a:solidFill>
+                        <a:schemeClr val="tx1">
+                          <a:lumMod val="75000"/>
+                          <a:lumOff val="25000"/>
+                        </a:schemeClr>
+                      </a:solidFill>
+                      <a:prstDash val="solid"/>
+                    </a:lnT>
+                    <a:lnB w="38100" cap="flat" cmpd="sng" algn="ctr">
                       <a:noFill/>
-                    </a:lnL>
-                    <a:lnR>
-                      <a:noFill/>
-                    </a:lnR>
-                    <a:lnT>
-                      <a:noFill/>
-                    </a:lnT>
-                    <a:lnB>
-                      <a:noFill/>
+                      <a:prstDash val="solid"/>
                     </a:lnB>
+                    <a:solidFill>
+                      <a:srgbClr val="F2F2F2">
+                        <a:alpha val="30196"/>
+                      </a:srgbClr>
+                    </a:solidFill>
                   </a:tcPr>
                 </a:tc>
                 <a:tc>
@@ -4598,22 +6125,50 @@
                     <a:bodyPr/>
                     <a:lstStyle/>
                     <a:p>
-                      <a:endParaRPr lang="en-US" sz="1200"/>
+                      <a:endParaRPr lang="en-US" sz="1300" cap="none" spc="0" dirty="0">
+                        <a:solidFill>
+                          <a:schemeClr val="tx1"/>
+                        </a:solidFill>
+                      </a:endParaRPr>
                     </a:p>
                   </a:txBody>
-                  <a:tcPr anchor="ctr">
-                    <a:lnL>
+                  <a:tcPr marL="114169" marR="84063" marT="87822" marB="87822" anchor="ctr">
+                    <a:lnL w="6350" cap="flat" cmpd="sng" algn="ctr">
+                      <a:solidFill>
+                        <a:schemeClr val="tx1">
+                          <a:lumMod val="75000"/>
+                          <a:lumOff val="25000"/>
+                        </a:schemeClr>
+                      </a:solidFill>
+                      <a:prstDash val="solid"/>
+                    </a:lnL>
+                    <a:lnR w="6350" cap="flat" cmpd="sng" algn="ctr">
+                      <a:solidFill>
+                        <a:schemeClr val="tx1">
+                          <a:lumMod val="75000"/>
+                          <a:lumOff val="25000"/>
+                        </a:schemeClr>
+                      </a:solidFill>
+                      <a:prstDash val="solid"/>
+                    </a:lnR>
+                    <a:lnT w="6350" cap="flat" cmpd="sng" algn="ctr">
+                      <a:solidFill>
+                        <a:schemeClr val="tx1">
+                          <a:lumMod val="75000"/>
+                          <a:lumOff val="25000"/>
+                        </a:schemeClr>
+                      </a:solidFill>
+                      <a:prstDash val="solid"/>
+                    </a:lnT>
+                    <a:lnB w="38100" cap="flat" cmpd="sng" algn="ctr">
                       <a:noFill/>
-                    </a:lnL>
-                    <a:lnR>
-                      <a:noFill/>
-                    </a:lnR>
-                    <a:lnT>
-                      <a:noFill/>
-                    </a:lnT>
-                    <a:lnB>
-                      <a:noFill/>
+                      <a:prstDash val="solid"/>
                     </a:lnB>
+                    <a:solidFill>
+                      <a:srgbClr val="F2F2F2">
+                        <a:alpha val="30196"/>
+                      </a:srgbClr>
+                    </a:solidFill>
                   </a:tcPr>
                 </a:tc>
                 <a:tc>
@@ -4621,22 +6176,45 @@
                     <a:bodyPr/>
                     <a:lstStyle/>
                     <a:p>
-                      <a:endParaRPr lang="en-US" sz="1200" dirty="0"/>
+                      <a:endParaRPr lang="en-US" sz="1300" cap="none" spc="0" dirty="0">
+                        <a:solidFill>
+                          <a:schemeClr val="tx1"/>
+                        </a:solidFill>
+                      </a:endParaRPr>
                     </a:p>
                   </a:txBody>
-                  <a:tcPr anchor="ctr">
-                    <a:lnL>
+                  <a:tcPr marL="114169" marR="84063" marT="87822" marB="87822" anchor="ctr">
+                    <a:lnL w="6350" cap="flat" cmpd="sng" algn="ctr">
+                      <a:solidFill>
+                        <a:schemeClr val="tx1">
+                          <a:lumMod val="75000"/>
+                          <a:lumOff val="25000"/>
+                        </a:schemeClr>
+                      </a:solidFill>
+                      <a:prstDash val="solid"/>
+                    </a:lnL>
+                    <a:lnR w="38100" cap="flat" cmpd="sng" algn="ctr">
                       <a:noFill/>
-                    </a:lnL>
-                    <a:lnR>
+                      <a:prstDash val="solid"/>
+                    </a:lnR>
+                    <a:lnT w="6350" cap="flat" cmpd="sng" algn="ctr">
+                      <a:solidFill>
+                        <a:schemeClr val="tx1">
+                          <a:lumMod val="75000"/>
+                          <a:lumOff val="25000"/>
+                        </a:schemeClr>
+                      </a:solidFill>
+                      <a:prstDash val="solid"/>
+                    </a:lnT>
+                    <a:lnB w="38100" cap="flat" cmpd="sng" algn="ctr">
                       <a:noFill/>
-                    </a:lnR>
-                    <a:lnT>
-                      <a:noFill/>
-                    </a:lnT>
-                    <a:lnB>
-                      <a:noFill/>
+                      <a:prstDash val="solid"/>
                     </a:lnB>
+                    <a:solidFill>
+                      <a:srgbClr val="F2F2F2">
+                        <a:alpha val="30196"/>
+                      </a:srgbClr>
+                    </a:solidFill>
                   </a:tcPr>
                 </a:tc>
                 <a:extLst>
@@ -4649,41 +6227,6 @@
           </a:graphicData>
         </a:graphic>
       </p:graphicFrame>
-      <p:sp>
-        <p:nvSpPr>
-          <p:cNvPr id="9" name="TextBox 8">
-            <a:extLst>
-              <a:ext uri="{FF2B5EF4-FFF2-40B4-BE49-F238E27FC236}">
-                <a16:creationId xmlns:a16="http://schemas.microsoft.com/office/drawing/2014/main" id="{9A531EBC-CA26-4936-A506-919EA05D13CC}"/>
-              </a:ext>
-            </a:extLst>
-          </p:cNvPr>
-          <p:cNvSpPr txBox="1"/>
-          <p:nvPr/>
-        </p:nvSpPr>
-        <p:spPr>
-          <a:xfrm>
-            <a:off x="7281081" y="1690688"/>
-            <a:ext cx="3132161" cy="369332"/>
-          </a:xfrm>
-          <a:prstGeom prst="rect">
-            <a:avLst/>
-          </a:prstGeom>
-          <a:noFill/>
-        </p:spPr>
-        <p:txBody>
-          <a:bodyPr wrap="square" rtlCol="0">
-            <a:spAutoFit/>
-          </a:bodyPr>
-          <a:lstStyle/>
-          <a:p>
-            <a:r>
-              <a:rPr lang="en-US" dirty="0"/>
-              <a:t>Logistic – Fatal or Non-Fatal</a:t>
-            </a:r>
-          </a:p>
-        </p:txBody>
-      </p:sp>
     </p:spTree>
     <p:extLst>
       <p:ext uri="{BB962C8B-B14F-4D97-AF65-F5344CB8AC3E}">
@@ -4700,6 +6243,14 @@
 <file path=ppt/slides/slide13.xml><?xml version="1.0" encoding="utf-8"?>
 <p:sld xmlns:a="http://schemas.openxmlformats.org/drawingml/2006/main" xmlns:r="http://schemas.openxmlformats.org/officeDocument/2006/relationships" xmlns:p="http://schemas.openxmlformats.org/presentationml/2006/main">
   <p:cSld>
+    <p:bg>
+      <p:bgPr>
+        <a:solidFill>
+          <a:schemeClr val="bg1"/>
+        </a:solidFill>
+        <a:effectLst/>
+      </p:bgPr>
+    </p:bg>
     <p:spTree>
       <p:nvGrpSpPr>
         <p:cNvPr id="1" name=""/>
@@ -4716,6 +6267,106 @@
       </p:grpSpPr>
       <p:sp>
         <p:nvSpPr>
+          <p:cNvPr id="17" name="Rectangle 16">
+            <a:extLst>
+              <a:ext uri="{FF2B5EF4-FFF2-40B4-BE49-F238E27FC236}">
+                <a16:creationId xmlns:a16="http://schemas.microsoft.com/office/drawing/2014/main" id="{5E52985E-2553-471E-82AA-5ED7A329890A}"/>
+              </a:ext>
+              <a:ext uri="{C183D7F6-B498-43B3-948B-1728B52AA6E4}">
+                <adec:decorative xmlns:adec="http://schemas.microsoft.com/office/drawing/2017/decorative" val="1"/>
+              </a:ext>
+            </a:extLst>
+          </p:cNvPr>
+          <p:cNvSpPr>
+            <a:spLocks noGrp="1" noRot="1" noChangeAspect="1" noMove="1" noResize="1" noEditPoints="1" noAdjustHandles="1" noChangeArrowheads="1" noChangeShapeType="1" noTextEdit="1"/>
+          </p:cNvSpPr>
+          <p:nvPr>
+            <p:extLst>
+              <p:ext uri="{386F3935-93C4-4BCD-93E2-E3B085C9AB24}">
+                <p16:designElem xmlns:p16="http://schemas.microsoft.com/office/powerpoint/2015/main" val="1"/>
+              </p:ext>
+            </p:extLst>
+          </p:nvPr>
+        </p:nvSpPr>
+        <p:spPr bwMode="ltGray">
+          <a:xfrm>
+            <a:off x="393308" y="352931"/>
+            <a:ext cx="11438793" cy="1844256"/>
+          </a:xfrm>
+          <a:prstGeom prst="rect">
+            <a:avLst/>
+          </a:prstGeom>
+          <a:solidFill>
+            <a:schemeClr val="tx1">
+              <a:lumMod val="75000"/>
+              <a:lumOff val="25000"/>
+            </a:schemeClr>
+          </a:solidFill>
+          <a:ln w="127000" cap="sq" cmpd="thinThick">
+            <a:solidFill>
+              <a:schemeClr val="tx1">
+                <a:lumMod val="75000"/>
+                <a:lumOff val="25000"/>
+              </a:schemeClr>
+            </a:solidFill>
+          </a:ln>
+        </p:spPr>
+        <p:style>
+          <a:lnRef idx="2">
+            <a:schemeClr val="accent1">
+              <a:shade val="50000"/>
+            </a:schemeClr>
+          </a:lnRef>
+          <a:fillRef idx="1">
+            <a:schemeClr val="accent1"/>
+          </a:fillRef>
+          <a:effectRef idx="0">
+            <a:schemeClr val="accent1"/>
+          </a:effectRef>
+          <a:fontRef idx="minor">
+            <a:schemeClr val="lt1"/>
+          </a:fontRef>
+        </p:style>
+        <p:txBody>
+          <a:bodyPr rtlCol="0" anchor="ctr"/>
+          <a:lstStyle/>
+          <a:p>
+            <a:pPr marL="0" marR="0" lvl="0" indent="0" algn="ctr" defTabSz="914400" rtl="0" eaLnBrk="1" fontAlgn="auto" latinLnBrk="0" hangingPunct="1">
+              <a:lnSpc>
+                <a:spcPct val="100000"/>
+              </a:lnSpc>
+              <a:spcBef>
+                <a:spcPts val="0"/>
+              </a:spcBef>
+              <a:spcAft>
+                <a:spcPts val="0"/>
+              </a:spcAft>
+              <a:buClrTx/>
+              <a:buSzTx/>
+              <a:buFontTx/>
+              <a:buNone/>
+              <a:tabLst/>
+              <a:defRPr/>
+            </a:pPr>
+            <a:endParaRPr kumimoji="0" lang="en-US" sz="1800" b="0" i="0" u="none" strike="noStrike" kern="1200" cap="none" spc="0" normalizeH="0" baseline="0" noProof="0">
+              <a:ln>
+                <a:noFill/>
+              </a:ln>
+              <a:solidFill>
+                <a:prstClr val="white"/>
+              </a:solidFill>
+              <a:effectLst/>
+              <a:uLnTx/>
+              <a:uFillTx/>
+              <a:latin typeface="Calibri" panose="020F0502020204030204"/>
+              <a:ea typeface="+mn-ea"/>
+              <a:cs typeface="+mn-cs"/>
+            </a:endParaRPr>
+          </a:p>
+        </p:txBody>
+      </p:sp>
+      <p:sp>
+        <p:nvSpPr>
           <p:cNvPr id="2" name="Title 1">
             <a:extLst>
               <a:ext uri="{FF2B5EF4-FFF2-40B4-BE49-F238E27FC236}">
@@ -4730,14 +6381,128 @@
             <p:ph type="title"/>
           </p:nvPr>
         </p:nvSpPr>
-        <p:spPr/>
-        <p:txBody>
-          <a:bodyPr/>
-          <a:lstStyle/>
-          <a:p>
-            <a:r>
-              <a:rPr lang="en-US" dirty="0"/>
+        <p:spPr>
+          <a:xfrm>
+            <a:off x="649270" y="506727"/>
+            <a:ext cx="3885141" cy="1526741"/>
+          </a:xfrm>
+        </p:spPr>
+        <p:txBody>
+          <a:bodyPr vert="horz" lIns="91440" tIns="45720" rIns="91440" bIns="45720" rtlCol="0" anchor="ctr">
+            <a:normAutofit/>
+          </a:bodyPr>
+          <a:lstStyle/>
+          <a:p>
+            <a:pPr algn="r"/>
+            <a:r>
+              <a:rPr lang="en-US" sz="3000">
+                <a:solidFill>
+                  <a:schemeClr val="bg1"/>
+                </a:solidFill>
+              </a:rPr>
               <a:t>Best Multiclass Model</a:t>
+            </a:r>
+          </a:p>
+        </p:txBody>
+      </p:sp>
+      <p:cxnSp>
+        <p:nvCxnSpPr>
+          <p:cNvPr id="19" name="Straight Connector 18">
+            <a:extLst>
+              <a:ext uri="{FF2B5EF4-FFF2-40B4-BE49-F238E27FC236}">
+                <a16:creationId xmlns:a16="http://schemas.microsoft.com/office/drawing/2014/main" id="{DAE3ABC6-4042-4293-A7DF-F01181363B7E}"/>
+              </a:ext>
+              <a:ext uri="{C183D7F6-B498-43B3-948B-1728B52AA6E4}">
+                <adec:decorative xmlns:adec="http://schemas.microsoft.com/office/drawing/2017/decorative" val="1"/>
+              </a:ext>
+            </a:extLst>
+          </p:cNvPr>
+          <p:cNvCxnSpPr>
+            <a:cxnSpLocks noGrp="1" noRot="1" noChangeAspect="1" noMove="1" noResize="1" noEditPoints="1" noAdjustHandles="1" noChangeArrowheads="1" noChangeShapeType="1"/>
+          </p:cNvCxnSpPr>
+          <p:nvPr>
+            <p:extLst>
+              <p:ext uri="{386F3935-93C4-4BCD-93E2-E3B085C9AB24}">
+                <p16:designElem xmlns:p16="http://schemas.microsoft.com/office/powerpoint/2015/main" val="1"/>
+              </p:ext>
+            </p:extLst>
+          </p:nvPr>
+        </p:nvCxnSpPr>
+        <p:spPr>
+          <a:xfrm flipV="1">
+            <a:off x="4739873" y="580963"/>
+            <a:ext cx="0" cy="1371600"/>
+          </a:xfrm>
+          <a:prstGeom prst="line">
+            <a:avLst/>
+          </a:prstGeom>
+          <a:ln w="19050">
+            <a:solidFill>
+              <a:schemeClr val="bg1">
+                <a:alpha val="75000"/>
+              </a:schemeClr>
+            </a:solidFill>
+          </a:ln>
+        </p:spPr>
+        <p:style>
+          <a:lnRef idx="1">
+            <a:schemeClr val="accent1"/>
+          </a:lnRef>
+          <a:fillRef idx="0">
+            <a:schemeClr val="accent1"/>
+          </a:fillRef>
+          <a:effectRef idx="0">
+            <a:schemeClr val="accent1"/>
+          </a:effectRef>
+          <a:fontRef idx="minor">
+            <a:schemeClr val="tx1"/>
+          </a:fontRef>
+        </p:style>
+      </p:cxnSp>
+      <p:sp>
+        <p:nvSpPr>
+          <p:cNvPr id="10" name="TextBox 9">
+            <a:extLst>
+              <a:ext uri="{FF2B5EF4-FFF2-40B4-BE49-F238E27FC236}">
+                <a16:creationId xmlns:a16="http://schemas.microsoft.com/office/drawing/2014/main" id="{EE8D0789-96D7-4442-98A7-E1CD62123D7B}"/>
+              </a:ext>
+            </a:extLst>
+          </p:cNvPr>
+          <p:cNvSpPr txBox="1"/>
+          <p:nvPr/>
+        </p:nvSpPr>
+        <p:spPr>
+          <a:xfrm>
+            <a:off x="4945336" y="506727"/>
+            <a:ext cx="6609921" cy="1526741"/>
+          </a:xfrm>
+          <a:prstGeom prst="rect">
+            <a:avLst/>
+          </a:prstGeom>
+        </p:spPr>
+        <p:txBody>
+          <a:bodyPr vert="horz" lIns="91440" tIns="45720" rIns="91440" bIns="45720" rtlCol="0" anchor="ctr">
+            <a:normAutofit/>
+          </a:bodyPr>
+          <a:lstStyle/>
+          <a:p>
+            <a:pPr indent="-228600">
+              <a:lnSpc>
+                <a:spcPct val="90000"/>
+              </a:lnSpc>
+              <a:spcAft>
+                <a:spcPts val="600"/>
+              </a:spcAft>
+              <a:buFont typeface="Arial" panose="020B0604020202020204" pitchFamily="34" charset="0"/>
+              <a:buChar char="•"/>
+            </a:pPr>
+            <a:r>
+              <a:rPr lang="en-US" sz="2200">
+                <a:solidFill>
+                  <a:schemeClr val="bg1"/>
+                </a:solidFill>
+              </a:rPr>
+              <a:t>Logistic w/one vs. rest – Fatal, Severe, Slight</a:t>
             </a:r>
           </a:p>
         </p:txBody>
@@ -4766,17 +6531,20 @@
         </p:blipFill>
         <p:spPr>
           <a:xfrm>
-            <a:off x="6946225" y="2186501"/>
-            <a:ext cx="4457700" cy="2647950"/>
+            <a:off x="393308" y="2747222"/>
+            <a:ext cx="5559480" cy="3302426"/>
           </a:xfrm>
+          <a:prstGeom prst="rect">
+            <a:avLst/>
+          </a:prstGeom>
         </p:spPr>
       </p:pic>
       <p:sp>
         <p:nvSpPr>
-          <p:cNvPr id="8" name="TextBox 7">
-            <a:extLst>
-              <a:ext uri="{FF2B5EF4-FFF2-40B4-BE49-F238E27FC236}">
-                <a16:creationId xmlns:a16="http://schemas.microsoft.com/office/drawing/2014/main" id="{4DAC29D9-8A1E-4A7F-A5BF-BA19F4A97B97}"/>
+          <p:cNvPr id="12" name="TextBox 11">
+            <a:extLst>
+              <a:ext uri="{FF2B5EF4-FFF2-40B4-BE49-F238E27FC236}">
+                <a16:creationId xmlns:a16="http://schemas.microsoft.com/office/drawing/2014/main" id="{1B77816A-DD5E-451F-840E-F8BED7709AF8}"/>
               </a:ext>
             </a:extLst>
           </p:cNvPr>
@@ -4785,8 +6553,8 @@
         </p:nvSpPr>
         <p:spPr>
           <a:xfrm>
-            <a:off x="788075" y="2627335"/>
-            <a:ext cx="5433391" cy="861774"/>
+            <a:off x="292292" y="1762584"/>
+            <a:ext cx="6096000" cy="230832"/>
           </a:xfrm>
           <a:prstGeom prst="rect">
             <a:avLst/>
@@ -4794,77 +6562,557 @@
           <a:noFill/>
         </p:spPr>
         <p:txBody>
-          <a:bodyPr wrap="square" rtlCol="0">
+          <a:bodyPr wrap="square">
             <a:spAutoFit/>
           </a:bodyPr>
           <a:lstStyle/>
           <a:p>
-            <a:r>
-              <a:rPr lang="en-US" sz="1000" dirty="0"/>
-              <a:t> 	precision 	recall 	f1-score 	support</a:t>
-            </a:r>
-          </a:p>
-          <a:p>
-            <a:r>
-              <a:rPr lang="en-US" sz="1000" dirty="0"/>
-              <a:t>Fatal 	0.044836 	0.642233 	0.083821 	8240.000000</a:t>
-            </a:r>
-          </a:p>
-          <a:p>
-            <a:r>
-              <a:rPr lang="en-US" sz="1000" dirty="0"/>
-              <a:t>Serious 	0.188550 	0.322124 	0.237868 	79758.000000</a:t>
-            </a:r>
-          </a:p>
-          <a:p>
-            <a:r>
-              <a:rPr lang="en-US" sz="1000" dirty="0"/>
-              <a:t>Slight 	0.912024 	0.625201 	0.741854 	528766.000000</a:t>
-            </a:r>
-          </a:p>
-          <a:p>
-            <a:r>
-              <a:rPr lang="en-US" sz="1000" dirty="0"/>
-              <a:t>accuracy 	0.586236 		</a:t>
-            </a:r>
-          </a:p>
-        </p:txBody>
-      </p:sp>
-      <p:sp>
-        <p:nvSpPr>
-          <p:cNvPr id="10" name="TextBox 9">
-            <a:extLst>
-              <a:ext uri="{FF2B5EF4-FFF2-40B4-BE49-F238E27FC236}">
-                <a16:creationId xmlns:a16="http://schemas.microsoft.com/office/drawing/2014/main" id="{EE8D0789-96D7-4442-98A7-E1CD62123D7B}"/>
-              </a:ext>
-            </a:extLst>
-          </p:cNvPr>
-          <p:cNvSpPr txBox="1"/>
-          <p:nvPr/>
-        </p:nvSpPr>
-        <p:spPr>
-          <a:xfrm>
-            <a:off x="6598694" y="1624084"/>
-            <a:ext cx="4544704" cy="369332"/>
-          </a:xfrm>
-          <a:prstGeom prst="rect">
-            <a:avLst/>
-          </a:prstGeom>
-          <a:noFill/>
-        </p:spPr>
-        <p:txBody>
-          <a:bodyPr wrap="square" rtlCol="0">
-            <a:spAutoFit/>
-          </a:bodyPr>
-          <a:lstStyle/>
-          <a:p>
-            <a:r>
-              <a:rPr lang="en-US" dirty="0"/>
-              <a:t>Logistic w/one vs. rest – Fatal, Severe, Slight</a:t>
-            </a:r>
-          </a:p>
-        </p:txBody>
-      </p:sp>
+            <a:pPr>
+              <a:spcAft>
+                <a:spcPts val="600"/>
+              </a:spcAft>
+            </a:pPr>
+            <a:r>
+              <a:rPr lang="en-US" sz="900" dirty="0"/>
+              <a:t> 	</a:t>
+            </a:r>
+            <a:endParaRPr lang="en-US" sz="900"/>
+          </a:p>
+        </p:txBody>
+      </p:sp>
+      <p:graphicFrame>
+        <p:nvGraphicFramePr>
+          <p:cNvPr id="4" name="Table 5">
+            <a:extLst>
+              <a:ext uri="{FF2B5EF4-FFF2-40B4-BE49-F238E27FC236}">
+                <a16:creationId xmlns:a16="http://schemas.microsoft.com/office/drawing/2014/main" id="{74C69CF3-E65A-42F9-9A03-DB99E54DC7E5}"/>
+              </a:ext>
+            </a:extLst>
+          </p:cNvPr>
+          <p:cNvGraphicFramePr>
+            <a:graphicFrameLocks noGrp="1"/>
+          </p:cNvGraphicFramePr>
+          <p:nvPr>
+            <p:extLst>
+              <p:ext uri="{D42A27DB-BD31-4B8C-83A1-F6EECF244321}">
+                <p14:modId xmlns:p14="http://schemas.microsoft.com/office/powerpoint/2010/main" val="3462698384"/>
+              </p:ext>
+            </p:extLst>
+          </p:nvPr>
+        </p:nvGraphicFramePr>
+        <p:xfrm>
+          <a:off x="6251736" y="3210336"/>
+          <a:ext cx="5546956" cy="2384364"/>
+        </p:xfrm>
+        <a:graphic>
+          <a:graphicData uri="http://schemas.openxmlformats.org/drawingml/2006/table">
+            <a:tbl>
+              <a:tblPr firstRow="1" bandRow="1">
+                <a:tableStyleId>{5C22544A-7EE6-4342-B048-85BDC9FD1C3A}</a:tableStyleId>
+              </a:tblPr>
+              <a:tblGrid>
+                <a:gridCol w="1001764">
+                  <a:extLst>
+                    <a:ext uri="{9D8B030D-6E8A-4147-A177-3AD203B41FA5}">
+                      <a16:colId xmlns:a16="http://schemas.microsoft.com/office/drawing/2014/main" val="1740093646"/>
+                    </a:ext>
+                  </a:extLst>
+                </a:gridCol>
+                <a:gridCol w="1032810">
+                  <a:extLst>
+                    <a:ext uri="{9D8B030D-6E8A-4147-A177-3AD203B41FA5}">
+                      <a16:colId xmlns:a16="http://schemas.microsoft.com/office/drawing/2014/main" val="1607473261"/>
+                    </a:ext>
+                  </a:extLst>
+                </a:gridCol>
+                <a:gridCol w="1032810">
+                  <a:extLst>
+                    <a:ext uri="{9D8B030D-6E8A-4147-A177-3AD203B41FA5}">
+                      <a16:colId xmlns:a16="http://schemas.microsoft.com/office/drawing/2014/main" val="4060845226"/>
+                    </a:ext>
+                  </a:extLst>
+                </a:gridCol>
+                <a:gridCol w="1032810">
+                  <a:extLst>
+                    <a:ext uri="{9D8B030D-6E8A-4147-A177-3AD203B41FA5}">
+                      <a16:colId xmlns:a16="http://schemas.microsoft.com/office/drawing/2014/main" val="3434287794"/>
+                    </a:ext>
+                  </a:extLst>
+                </a:gridCol>
+                <a:gridCol w="1446762">
+                  <a:extLst>
+                    <a:ext uri="{9D8B030D-6E8A-4147-A177-3AD203B41FA5}">
+                      <a16:colId xmlns:a16="http://schemas.microsoft.com/office/drawing/2014/main" val="1691606156"/>
+                    </a:ext>
+                  </a:extLst>
+                </a:gridCol>
+              </a:tblGrid>
+              <a:tr h="327850">
+                <a:tc>
+                  <a:txBody>
+                    <a:bodyPr/>
+                    <a:lstStyle/>
+                    <a:p>
+                      <a:endParaRPr lang="en-US" sz="1500"/>
+                    </a:p>
+                  </a:txBody>
+                  <a:tcPr marL="74511" marR="74511" marT="37256" marB="37256" anchor="ctr"/>
+                </a:tc>
+                <a:tc>
+                  <a:txBody>
+                    <a:bodyPr/>
+                    <a:lstStyle/>
+                    <a:p>
+                      <a:r>
+                        <a:rPr lang="en-US" sz="1500"/>
+                        <a:t>precision</a:t>
+                      </a:r>
+                    </a:p>
+                  </a:txBody>
+                  <a:tcPr marL="74511" marR="74511" marT="37256" marB="37256" anchor="ctr"/>
+                </a:tc>
+                <a:tc>
+                  <a:txBody>
+                    <a:bodyPr/>
+                    <a:lstStyle/>
+                    <a:p>
+                      <a:r>
+                        <a:rPr lang="en-US" sz="1500"/>
+                        <a:t>recall</a:t>
+                      </a:r>
+                    </a:p>
+                  </a:txBody>
+                  <a:tcPr marL="74511" marR="74511" marT="37256" marB="37256" anchor="ctr"/>
+                </a:tc>
+                <a:tc>
+                  <a:txBody>
+                    <a:bodyPr/>
+                    <a:lstStyle/>
+                    <a:p>
+                      <a:r>
+                        <a:rPr lang="en-US" sz="1500"/>
+                        <a:t>f1-score</a:t>
+                      </a:r>
+                    </a:p>
+                  </a:txBody>
+                  <a:tcPr marL="74511" marR="74511" marT="37256" marB="37256" anchor="ctr"/>
+                </a:tc>
+                <a:tc>
+                  <a:txBody>
+                    <a:bodyPr/>
+                    <a:lstStyle/>
+                    <a:p>
+                      <a:r>
+                        <a:rPr lang="en-US" sz="1500"/>
+                        <a:t>support</a:t>
+                      </a:r>
+                    </a:p>
+                  </a:txBody>
+                  <a:tcPr marL="74511" marR="74511" marT="37256" marB="37256" anchor="ctr"/>
+                </a:tc>
+                <a:extLst>
+                  <a:ext uri="{0D108BD9-81ED-4DB2-BD59-A6C34878D82A}">
+                    <a16:rowId xmlns:a16="http://schemas.microsoft.com/office/drawing/2014/main" val="913748676"/>
+                  </a:ext>
+                </a:extLst>
+              </a:tr>
+              <a:tr h="327850">
+                <a:tc>
+                  <a:txBody>
+                    <a:bodyPr/>
+                    <a:lstStyle/>
+                    <a:p>
+                      <a:r>
+                        <a:rPr lang="en-US" sz="1500"/>
+                        <a:t>Fatal</a:t>
+                      </a:r>
+                    </a:p>
+                  </a:txBody>
+                  <a:tcPr marL="74511" marR="74511" marT="37256" marB="37256" anchor="ctr"/>
+                </a:tc>
+                <a:tc>
+                  <a:txBody>
+                    <a:bodyPr/>
+                    <a:lstStyle/>
+                    <a:p>
+                      <a:r>
+                        <a:rPr lang="en-US" sz="1500"/>
+                        <a:t>0.044836</a:t>
+                      </a:r>
+                    </a:p>
+                  </a:txBody>
+                  <a:tcPr marL="74511" marR="74511" marT="37256" marB="37256" anchor="ctr"/>
+                </a:tc>
+                <a:tc>
+                  <a:txBody>
+                    <a:bodyPr/>
+                    <a:lstStyle/>
+                    <a:p>
+                      <a:r>
+                        <a:rPr lang="en-US" sz="1500"/>
+                        <a:t>0.642233</a:t>
+                      </a:r>
+                    </a:p>
+                  </a:txBody>
+                  <a:tcPr marL="74511" marR="74511" marT="37256" marB="37256" anchor="ctr"/>
+                </a:tc>
+                <a:tc>
+                  <a:txBody>
+                    <a:bodyPr/>
+                    <a:lstStyle/>
+                    <a:p>
+                      <a:r>
+                        <a:rPr lang="en-US" sz="1500"/>
+                        <a:t>0.083821</a:t>
+                      </a:r>
+                    </a:p>
+                  </a:txBody>
+                  <a:tcPr marL="74511" marR="74511" marT="37256" marB="37256" anchor="ctr"/>
+                </a:tc>
+                <a:tc>
+                  <a:txBody>
+                    <a:bodyPr/>
+                    <a:lstStyle/>
+                    <a:p>
+                      <a:r>
+                        <a:rPr lang="en-US" sz="1500"/>
+                        <a:t>8240.000000</a:t>
+                      </a:r>
+                    </a:p>
+                  </a:txBody>
+                  <a:tcPr marL="74511" marR="74511" marT="37256" marB="37256" anchor="ctr"/>
+                </a:tc>
+                <a:extLst>
+                  <a:ext uri="{0D108BD9-81ED-4DB2-BD59-A6C34878D82A}">
+                    <a16:rowId xmlns:a16="http://schemas.microsoft.com/office/drawing/2014/main" val="2665527243"/>
+                  </a:ext>
+                </a:extLst>
+              </a:tr>
+              <a:tr h="327850">
+                <a:tc>
+                  <a:txBody>
+                    <a:bodyPr/>
+                    <a:lstStyle/>
+                    <a:p>
+                      <a:r>
+                        <a:rPr lang="en-US" sz="1500"/>
+                        <a:t>Serious</a:t>
+                      </a:r>
+                    </a:p>
+                  </a:txBody>
+                  <a:tcPr marL="74511" marR="74511" marT="37256" marB="37256" anchor="ctr"/>
+                </a:tc>
+                <a:tc>
+                  <a:txBody>
+                    <a:bodyPr/>
+                    <a:lstStyle/>
+                    <a:p>
+                      <a:r>
+                        <a:rPr lang="en-US" sz="1500"/>
+                        <a:t>0.188550</a:t>
+                      </a:r>
+                    </a:p>
+                  </a:txBody>
+                  <a:tcPr marL="74511" marR="74511" marT="37256" marB="37256" anchor="ctr"/>
+                </a:tc>
+                <a:tc>
+                  <a:txBody>
+                    <a:bodyPr/>
+                    <a:lstStyle/>
+                    <a:p>
+                      <a:r>
+                        <a:rPr lang="en-US" sz="1500"/>
+                        <a:t>0.322124</a:t>
+                      </a:r>
+                    </a:p>
+                  </a:txBody>
+                  <a:tcPr marL="74511" marR="74511" marT="37256" marB="37256" anchor="ctr"/>
+                </a:tc>
+                <a:tc>
+                  <a:txBody>
+                    <a:bodyPr/>
+                    <a:lstStyle/>
+                    <a:p>
+                      <a:r>
+                        <a:rPr lang="en-US" sz="1500"/>
+                        <a:t>0.237868</a:t>
+                      </a:r>
+                    </a:p>
+                  </a:txBody>
+                  <a:tcPr marL="74511" marR="74511" marT="37256" marB="37256" anchor="ctr"/>
+                </a:tc>
+                <a:tc>
+                  <a:txBody>
+                    <a:bodyPr/>
+                    <a:lstStyle/>
+                    <a:p>
+                      <a:r>
+                        <a:rPr lang="en-US" sz="1500"/>
+                        <a:t>79758.000000</a:t>
+                      </a:r>
+                    </a:p>
+                  </a:txBody>
+                  <a:tcPr marL="74511" marR="74511" marT="37256" marB="37256" anchor="ctr"/>
+                </a:tc>
+                <a:extLst>
+                  <a:ext uri="{0D108BD9-81ED-4DB2-BD59-A6C34878D82A}">
+                    <a16:rowId xmlns:a16="http://schemas.microsoft.com/office/drawing/2014/main" val="3491926383"/>
+                  </a:ext>
+                </a:extLst>
+              </a:tr>
+              <a:tr h="327850">
+                <a:tc>
+                  <a:txBody>
+                    <a:bodyPr/>
+                    <a:lstStyle/>
+                    <a:p>
+                      <a:r>
+                        <a:rPr lang="en-US" sz="1500"/>
+                        <a:t>Slight</a:t>
+                      </a:r>
+                    </a:p>
+                  </a:txBody>
+                  <a:tcPr marL="74511" marR="74511" marT="37256" marB="37256" anchor="ctr"/>
+                </a:tc>
+                <a:tc>
+                  <a:txBody>
+                    <a:bodyPr/>
+                    <a:lstStyle/>
+                    <a:p>
+                      <a:r>
+                        <a:rPr lang="en-US" sz="1500"/>
+                        <a:t>0.912024</a:t>
+                      </a:r>
+                    </a:p>
+                  </a:txBody>
+                  <a:tcPr marL="74511" marR="74511" marT="37256" marB="37256" anchor="ctr"/>
+                </a:tc>
+                <a:tc>
+                  <a:txBody>
+                    <a:bodyPr/>
+                    <a:lstStyle/>
+                    <a:p>
+                      <a:r>
+                        <a:rPr lang="en-US" sz="1500"/>
+                        <a:t>0.625201</a:t>
+                      </a:r>
+                    </a:p>
+                  </a:txBody>
+                  <a:tcPr marL="74511" marR="74511" marT="37256" marB="37256" anchor="ctr"/>
+                </a:tc>
+                <a:tc>
+                  <a:txBody>
+                    <a:bodyPr/>
+                    <a:lstStyle/>
+                    <a:p>
+                      <a:r>
+                        <a:rPr lang="en-US" sz="1500"/>
+                        <a:t>0.741854</a:t>
+                      </a:r>
+                    </a:p>
+                  </a:txBody>
+                  <a:tcPr marL="74511" marR="74511" marT="37256" marB="37256" anchor="ctr"/>
+                </a:tc>
+                <a:tc>
+                  <a:txBody>
+                    <a:bodyPr/>
+                    <a:lstStyle/>
+                    <a:p>
+                      <a:r>
+                        <a:rPr lang="en-US" sz="1500"/>
+                        <a:t>528766.000000</a:t>
+                      </a:r>
+                    </a:p>
+                  </a:txBody>
+                  <a:tcPr marL="74511" marR="74511" marT="37256" marB="37256" anchor="ctr"/>
+                </a:tc>
+                <a:extLst>
+                  <a:ext uri="{0D108BD9-81ED-4DB2-BD59-A6C34878D82A}">
+                    <a16:rowId xmlns:a16="http://schemas.microsoft.com/office/drawing/2014/main" val="2488871051"/>
+                  </a:ext>
+                </a:extLst>
+              </a:tr>
+              <a:tr h="327850">
+                <a:tc>
+                  <a:txBody>
+                    <a:bodyPr/>
+                    <a:lstStyle/>
+                    <a:p>
+                      <a:r>
+                        <a:rPr lang="en-US" sz="1500"/>
+                        <a:t>accuracy</a:t>
+                      </a:r>
+                    </a:p>
+                  </a:txBody>
+                  <a:tcPr marL="74511" marR="74511" marT="37256" marB="37256" anchor="ctr"/>
+                </a:tc>
+                <a:tc>
+                  <a:txBody>
+                    <a:bodyPr/>
+                    <a:lstStyle/>
+                    <a:p>
+                      <a:r>
+                        <a:rPr lang="en-US" sz="1500"/>
+                        <a:t>0.586236</a:t>
+                      </a:r>
+                    </a:p>
+                  </a:txBody>
+                  <a:tcPr marL="74511" marR="74511" marT="37256" marB="37256" anchor="ctr"/>
+                </a:tc>
+                <a:tc>
+                  <a:txBody>
+                    <a:bodyPr/>
+                    <a:lstStyle/>
+                    <a:p>
+                      <a:endParaRPr lang="en-US" sz="1500"/>
+                    </a:p>
+                  </a:txBody>
+                  <a:tcPr marL="74511" marR="74511" marT="37256" marB="37256" anchor="ctr"/>
+                </a:tc>
+                <a:tc>
+                  <a:txBody>
+                    <a:bodyPr/>
+                    <a:lstStyle/>
+                    <a:p>
+                      <a:endParaRPr lang="en-US" sz="1500"/>
+                    </a:p>
+                  </a:txBody>
+                  <a:tcPr marL="74511" marR="74511" marT="37256" marB="37256" anchor="ctr"/>
+                </a:tc>
+                <a:tc>
+                  <a:txBody>
+                    <a:bodyPr/>
+                    <a:lstStyle/>
+                    <a:p>
+                      <a:endParaRPr lang="en-US" sz="1500"/>
+                    </a:p>
+                  </a:txBody>
+                  <a:tcPr marL="74511" marR="74511" marT="37256" marB="37256" anchor="ctr"/>
+                </a:tc>
+                <a:extLst>
+                  <a:ext uri="{0D108BD9-81ED-4DB2-BD59-A6C34878D82A}">
+                    <a16:rowId xmlns:a16="http://schemas.microsoft.com/office/drawing/2014/main" val="2431921328"/>
+                  </a:ext>
+                </a:extLst>
+              </a:tr>
+              <a:tr h="372557">
+                <a:tc>
+                  <a:txBody>
+                    <a:bodyPr/>
+                    <a:lstStyle/>
+                    <a:p>
+                      <a:endParaRPr lang="en-US" sz="1500"/>
+                    </a:p>
+                  </a:txBody>
+                  <a:tcPr marL="74511" marR="74511" marT="37256" marB="37256" anchor="ctr"/>
+                </a:tc>
+                <a:tc>
+                  <a:txBody>
+                    <a:bodyPr/>
+                    <a:lstStyle/>
+                    <a:p>
+                      <a:endParaRPr lang="en-US" sz="1500"/>
+                    </a:p>
+                  </a:txBody>
+                  <a:tcPr marL="74511" marR="74511" marT="37256" marB="37256" anchor="ctr"/>
+                </a:tc>
+                <a:tc>
+                  <a:txBody>
+                    <a:bodyPr/>
+                    <a:lstStyle/>
+                    <a:p>
+                      <a:endParaRPr lang="en-US" sz="1500"/>
+                    </a:p>
+                  </a:txBody>
+                  <a:tcPr marL="74511" marR="74511" marT="37256" marB="37256" anchor="ctr"/>
+                </a:tc>
+                <a:tc>
+                  <a:txBody>
+                    <a:bodyPr/>
+                    <a:lstStyle/>
+                    <a:p>
+                      <a:endParaRPr lang="en-US" sz="1500"/>
+                    </a:p>
+                  </a:txBody>
+                  <a:tcPr marL="74511" marR="74511" marT="37256" marB="37256" anchor="ctr"/>
+                </a:tc>
+                <a:tc>
+                  <a:txBody>
+                    <a:bodyPr/>
+                    <a:lstStyle/>
+                    <a:p>
+                      <a:endParaRPr lang="en-US" sz="1500"/>
+                    </a:p>
+                  </a:txBody>
+                  <a:tcPr marL="74511" marR="74511" marT="37256" marB="37256" anchor="ctr"/>
+                </a:tc>
+                <a:extLst>
+                  <a:ext uri="{0D108BD9-81ED-4DB2-BD59-A6C34878D82A}">
+                    <a16:rowId xmlns:a16="http://schemas.microsoft.com/office/drawing/2014/main" val="1130781344"/>
+                  </a:ext>
+                </a:extLst>
+              </a:tr>
+              <a:tr h="372557">
+                <a:tc>
+                  <a:txBody>
+                    <a:bodyPr/>
+                    <a:lstStyle/>
+                    <a:p>
+                      <a:endParaRPr lang="en-US" sz="1500"/>
+                    </a:p>
+                  </a:txBody>
+                  <a:tcPr marL="74511" marR="74511" marT="37256" marB="37256" anchor="ctr"/>
+                </a:tc>
+                <a:tc>
+                  <a:txBody>
+                    <a:bodyPr/>
+                    <a:lstStyle/>
+                    <a:p>
+                      <a:endParaRPr lang="en-US" sz="1500"/>
+                    </a:p>
+                  </a:txBody>
+                  <a:tcPr marL="74511" marR="74511" marT="37256" marB="37256" anchor="ctr"/>
+                </a:tc>
+                <a:tc>
+                  <a:txBody>
+                    <a:bodyPr/>
+                    <a:lstStyle/>
+                    <a:p>
+                      <a:endParaRPr lang="en-US" sz="1500"/>
+                    </a:p>
+                  </a:txBody>
+                  <a:tcPr marL="74511" marR="74511" marT="37256" marB="37256" anchor="ctr"/>
+                </a:tc>
+                <a:tc>
+                  <a:txBody>
+                    <a:bodyPr/>
+                    <a:lstStyle/>
+                    <a:p>
+                      <a:endParaRPr lang="en-US" sz="1500"/>
+                    </a:p>
+                  </a:txBody>
+                  <a:tcPr marL="74511" marR="74511" marT="37256" marB="37256" anchor="ctr"/>
+                </a:tc>
+                <a:tc>
+                  <a:txBody>
+                    <a:bodyPr/>
+                    <a:lstStyle/>
+                    <a:p>
+                      <a:endParaRPr lang="en-US" sz="1500" dirty="0"/>
+                    </a:p>
+                  </a:txBody>
+                  <a:tcPr marL="74511" marR="74511" marT="37256" marB="37256" anchor="ctr"/>
+                </a:tc>
+                <a:extLst>
+                  <a:ext uri="{0D108BD9-81ED-4DB2-BD59-A6C34878D82A}">
+                    <a16:rowId xmlns:a16="http://schemas.microsoft.com/office/drawing/2014/main" val="2415126671"/>
+                  </a:ext>
+                </a:extLst>
+              </a:tr>
+            </a:tbl>
+          </a:graphicData>
+        </a:graphic>
+      </p:graphicFrame>
     </p:spTree>
     <p:extLst>
       <p:ext uri="{BB962C8B-B14F-4D97-AF65-F5344CB8AC3E}">
@@ -4881,6 +7129,14 @@
 <file path=ppt/slides/slide14.xml><?xml version="1.0" encoding="utf-8"?>
 <p:sld xmlns:a="http://schemas.openxmlformats.org/drawingml/2006/main" xmlns:r="http://schemas.openxmlformats.org/officeDocument/2006/relationships" xmlns:p="http://schemas.openxmlformats.org/presentationml/2006/main">
   <p:cSld>
+    <p:bg>
+      <p:bgPr>
+        <a:solidFill>
+          <a:schemeClr val="bg1"/>
+        </a:solidFill>
+        <a:effectLst/>
+      </p:bgPr>
+    </p:bg>
     <p:spTree>
       <p:nvGrpSpPr>
         <p:cNvPr id="1" name=""/>
@@ -4897,6 +7153,73 @@
       </p:grpSpPr>
       <p:sp>
         <p:nvSpPr>
+          <p:cNvPr id="8" name="Rectangle 7">
+            <a:extLst>
+              <a:ext uri="{FF2B5EF4-FFF2-40B4-BE49-F238E27FC236}">
+                <a16:creationId xmlns:a16="http://schemas.microsoft.com/office/drawing/2014/main" id="{B775CD93-9DF2-48CB-9F57-1BCA9A46C7FA}"/>
+              </a:ext>
+              <a:ext uri="{C183D7F6-B498-43B3-948B-1728B52AA6E4}">
+                <adec:decorative xmlns:adec="http://schemas.microsoft.com/office/drawing/2017/decorative" val="1"/>
+              </a:ext>
+            </a:extLst>
+          </p:cNvPr>
+          <p:cNvSpPr>
+            <a:spLocks noGrp="1" noRot="1" noChangeAspect="1" noMove="1" noResize="1" noEditPoints="1" noAdjustHandles="1" noChangeArrowheads="1" noChangeShapeType="1" noTextEdit="1"/>
+          </p:cNvSpPr>
+          <p:nvPr>
+            <p:extLst>
+              <p:ext uri="{386F3935-93C4-4BCD-93E2-E3B085C9AB24}">
+                <p16:designElem xmlns:p16="http://schemas.microsoft.com/office/powerpoint/2015/main" val="1"/>
+              </p:ext>
+            </p:extLst>
+          </p:nvPr>
+        </p:nvSpPr>
+        <p:spPr>
+          <a:xfrm>
+            <a:off x="458921" y="453981"/>
+            <a:ext cx="11274158" cy="1877811"/>
+          </a:xfrm>
+          <a:prstGeom prst="rect">
+            <a:avLst/>
+          </a:prstGeom>
+          <a:solidFill>
+            <a:srgbClr val="595959"/>
+          </a:solidFill>
+          <a:ln w="25400">
+            <a:noFill/>
+          </a:ln>
+        </p:spPr>
+        <p:style>
+          <a:lnRef idx="2">
+            <a:schemeClr val="accent1">
+              <a:shade val="50000"/>
+            </a:schemeClr>
+          </a:lnRef>
+          <a:fillRef idx="1">
+            <a:schemeClr val="accent1"/>
+          </a:fillRef>
+          <a:effectRef idx="0">
+            <a:schemeClr val="accent1"/>
+          </a:effectRef>
+          <a:fontRef idx="minor">
+            <a:schemeClr val="lt1"/>
+          </a:fontRef>
+        </p:style>
+        <p:txBody>
+          <a:bodyPr rtlCol="0" anchor="ctr"/>
+          <a:lstStyle/>
+          <a:p>
+            <a:pPr algn="ctr"/>
+            <a:endParaRPr lang="en-US">
+              <a:solidFill>
+                <a:srgbClr val="FFFFFF"/>
+              </a:solidFill>
+            </a:endParaRPr>
+          </a:p>
+        </p:txBody>
+      </p:sp>
+      <p:sp>
+        <p:nvSpPr>
           <p:cNvPr id="2" name="Title 1">
             <a:extLst>
               <a:ext uri="{FF2B5EF4-FFF2-40B4-BE49-F238E27FC236}">
@@ -4911,13 +7234,24 @@
             <p:ph type="title"/>
           </p:nvPr>
         </p:nvSpPr>
-        <p:spPr/>
-        <p:txBody>
-          <a:bodyPr/>
-          <a:lstStyle/>
-          <a:p>
-            <a:r>
-              <a:rPr lang="en-US" dirty="0"/>
+        <p:spPr>
+          <a:xfrm>
+            <a:off x="731519" y="731520"/>
+            <a:ext cx="10666145" cy="1426464"/>
+          </a:xfrm>
+        </p:spPr>
+        <p:txBody>
+          <a:bodyPr>
+            <a:normAutofit/>
+          </a:bodyPr>
+          <a:lstStyle/>
+          <a:p>
+            <a:r>
+              <a:rPr lang="en-US">
+                <a:solidFill>
+                  <a:srgbClr val="FFFFFF"/>
+                </a:solidFill>
+              </a:rPr>
               <a:t>Discussion/Use Cases</a:t>
             </a:r>
           </a:p>
@@ -4925,6 +7259,73 @@
       </p:sp>
       <p:sp>
         <p:nvSpPr>
+          <p:cNvPr id="10" name="Rectangle 9">
+            <a:extLst>
+              <a:ext uri="{FF2B5EF4-FFF2-40B4-BE49-F238E27FC236}">
+                <a16:creationId xmlns:a16="http://schemas.microsoft.com/office/drawing/2014/main" id="{1C091803-41C2-48E0-9228-5148460C7479}"/>
+              </a:ext>
+              <a:ext uri="{C183D7F6-B498-43B3-948B-1728B52AA6E4}">
+                <adec:decorative xmlns:adec="http://schemas.microsoft.com/office/drawing/2017/decorative" val="1"/>
+              </a:ext>
+            </a:extLst>
+          </p:cNvPr>
+          <p:cNvSpPr>
+            <a:spLocks noGrp="1" noRot="1" noChangeAspect="1" noMove="1" noResize="1" noEditPoints="1" noAdjustHandles="1" noChangeArrowheads="1" noChangeShapeType="1" noTextEdit="1"/>
+          </p:cNvSpPr>
+          <p:nvPr>
+            <p:extLst>
+              <p:ext uri="{386F3935-93C4-4BCD-93E2-E3B085C9AB24}">
+                <p16:designElem xmlns:p16="http://schemas.microsoft.com/office/powerpoint/2015/main" val="1"/>
+              </p:ext>
+            </p:extLst>
+          </p:nvPr>
+        </p:nvSpPr>
+        <p:spPr>
+          <a:xfrm>
+            <a:off x="458920" y="2480956"/>
+            <a:ext cx="9006933" cy="3918122"/>
+          </a:xfrm>
+          <a:prstGeom prst="rect">
+            <a:avLst/>
+          </a:prstGeom>
+          <a:solidFill>
+            <a:schemeClr val="tx1">
+              <a:lumMod val="50000"/>
+              <a:lumOff val="50000"/>
+              <a:alpha val="20000"/>
+            </a:schemeClr>
+          </a:solidFill>
+          <a:ln>
+            <a:noFill/>
+          </a:ln>
+        </p:spPr>
+        <p:style>
+          <a:lnRef idx="2">
+            <a:schemeClr val="accent1">
+              <a:shade val="50000"/>
+            </a:schemeClr>
+          </a:lnRef>
+          <a:fillRef idx="1">
+            <a:schemeClr val="accent1"/>
+          </a:fillRef>
+          <a:effectRef idx="0">
+            <a:schemeClr val="accent1"/>
+          </a:effectRef>
+          <a:fontRef idx="minor">
+            <a:schemeClr val="lt1"/>
+          </a:fontRef>
+        </p:style>
+        <p:txBody>
+          <a:bodyPr rtlCol="0" anchor="ctr"/>
+          <a:lstStyle/>
+          <a:p>
+            <a:pPr algn="ctr"/>
+            <a:endParaRPr lang="en-US"/>
+          </a:p>
+        </p:txBody>
+      </p:sp>
+      <p:sp>
+        <p:nvSpPr>
           <p:cNvPr id="3" name="Content Placeholder 2">
             <a:extLst>
               <a:ext uri="{FF2B5EF4-FFF2-40B4-BE49-F238E27FC236}">
@@ -4939,59 +7340,64 @@
             <p:ph idx="1"/>
           </p:nvPr>
         </p:nvSpPr>
-        <p:spPr/>
-        <p:txBody>
-          <a:bodyPr>
-            <a:normAutofit fontScale="92500" lnSpcReduction="10000"/>
+        <p:spPr>
+          <a:xfrm>
+            <a:off x="789456" y="2789918"/>
+            <a:ext cx="8370393" cy="3300196"/>
+          </a:xfrm>
+        </p:spPr>
+        <p:txBody>
+          <a:bodyPr anchor="ctr">
+            <a:normAutofit/>
           </a:bodyPr>
           <a:lstStyle/>
           <a:p>
             <a:r>
-              <a:rPr lang="en-US" dirty="0"/>
+              <a:rPr lang="en-US" sz="1400"/>
               <a:t>In vehicle/live prediction</a:t>
             </a:r>
           </a:p>
           <a:p>
             <a:pPr lvl="1"/>
             <a:r>
-              <a:rPr lang="en-US" dirty="0"/>
+              <a:rPr lang="en-US" sz="1400"/>
               <a:t>Suggest a different time to leave etc. </a:t>
             </a:r>
           </a:p>
           <a:p>
-            <a:endParaRPr lang="en-US" dirty="0"/>
-          </a:p>
-          <a:p>
-            <a:r>
-              <a:rPr lang="en-US" dirty="0"/>
+            <a:endParaRPr lang="en-US" sz="1400"/>
+          </a:p>
+          <a:p>
+            <a:r>
+              <a:rPr lang="en-US" sz="1400"/>
               <a:t>Insurance Company</a:t>
             </a:r>
           </a:p>
           <a:p>
             <a:pPr lvl="1"/>
             <a:r>
-              <a:rPr lang="en-US" dirty="0"/>
+              <a:rPr lang="en-US" sz="1400"/>
               <a:t>Call center – Call prioritization</a:t>
             </a:r>
           </a:p>
           <a:p>
             <a:pPr lvl="1"/>
             <a:r>
-              <a:rPr lang="en-US" dirty="0"/>
+              <a:rPr lang="en-US" sz="1400"/>
               <a:t>inference about:</a:t>
             </a:r>
           </a:p>
           <a:p>
             <a:pPr lvl="1"/>
             <a:r>
-              <a:rPr lang="en-US" dirty="0"/>
+              <a:rPr lang="en-US" sz="1400"/>
               <a:t>Caller vehicle</a:t>
             </a:r>
           </a:p>
           <a:p>
             <a:pPr lvl="1"/>
             <a:r>
-              <a:rPr lang="en-US" dirty="0"/>
+              <a:rPr lang="en-US" sz="1400"/>
               <a:t>Caller age</a:t>
             </a:r>
           </a:p>
@@ -4999,20 +7405,156 @@
             <a:pPr marL="0" indent="0">
               <a:buNone/>
             </a:pPr>
-            <a:endParaRPr lang="en-US" dirty="0"/>
-          </a:p>
-          <a:p>
-            <a:r>
-              <a:rPr lang="en-US" dirty="0"/>
+            <a:endParaRPr lang="en-US" sz="1400"/>
+          </a:p>
+          <a:p>
+            <a:r>
+              <a:rPr lang="en-US" sz="1400"/>
               <a:t>Emergency Response</a:t>
             </a:r>
           </a:p>
           <a:p>
             <a:pPr lvl="1"/>
             <a:r>
-              <a:rPr lang="en-US" dirty="0"/>
+              <a:rPr lang="en-US" sz="1400"/>
               <a:t>Call prioritization based in inferred characteristics of caller</a:t>
             </a:r>
+          </a:p>
+        </p:txBody>
+      </p:sp>
+      <p:sp>
+        <p:nvSpPr>
+          <p:cNvPr id="12" name="Rectangle 11">
+            <a:extLst>
+              <a:ext uri="{FF2B5EF4-FFF2-40B4-BE49-F238E27FC236}">
+                <a16:creationId xmlns:a16="http://schemas.microsoft.com/office/drawing/2014/main" id="{E186B68C-84BC-4A6E-99D1-EE87483C1349}"/>
+              </a:ext>
+              <a:ext uri="{C183D7F6-B498-43B3-948B-1728B52AA6E4}">
+                <adec:decorative xmlns:adec="http://schemas.microsoft.com/office/drawing/2017/decorative" val="1"/>
+              </a:ext>
+            </a:extLst>
+          </p:cNvPr>
+          <p:cNvSpPr>
+            <a:spLocks noGrp="1" noRot="1" noChangeAspect="1" noMove="1" noResize="1" noEditPoints="1" noAdjustHandles="1" noChangeArrowheads="1" noChangeShapeType="1" noTextEdit="1"/>
+          </p:cNvSpPr>
+          <p:nvPr>
+            <p:extLst>
+              <p:ext uri="{386F3935-93C4-4BCD-93E2-E3B085C9AB24}">
+                <p16:designElem xmlns:p16="http://schemas.microsoft.com/office/powerpoint/2015/main" val="1"/>
+              </p:ext>
+            </p:extLst>
+          </p:nvPr>
+        </p:nvSpPr>
+        <p:spPr>
+          <a:xfrm>
+            <a:off x="9625716" y="2480956"/>
+            <a:ext cx="2112264" cy="1898903"/>
+          </a:xfrm>
+          <a:prstGeom prst="rect">
+            <a:avLst/>
+          </a:prstGeom>
+          <a:solidFill>
+            <a:srgbClr val="A5A5A5"/>
+          </a:solidFill>
+          <a:ln w="25400">
+            <a:noFill/>
+          </a:ln>
+        </p:spPr>
+        <p:style>
+          <a:lnRef idx="2">
+            <a:schemeClr val="accent1">
+              <a:shade val="50000"/>
+            </a:schemeClr>
+          </a:lnRef>
+          <a:fillRef idx="1">
+            <a:schemeClr val="accent1"/>
+          </a:fillRef>
+          <a:effectRef idx="0">
+            <a:schemeClr val="accent1"/>
+          </a:effectRef>
+          <a:fontRef idx="minor">
+            <a:schemeClr val="lt1"/>
+          </a:fontRef>
+        </p:style>
+        <p:txBody>
+          <a:bodyPr rtlCol="0" anchor="ctr"/>
+          <a:lstStyle/>
+          <a:p>
+            <a:pPr algn="ctr"/>
+            <a:endParaRPr lang="en-US">
+              <a:solidFill>
+                <a:srgbClr val="FFFFFF"/>
+              </a:solidFill>
+            </a:endParaRPr>
+          </a:p>
+        </p:txBody>
+      </p:sp>
+      <p:sp>
+        <p:nvSpPr>
+          <p:cNvPr id="14" name="Rectangle 13">
+            <a:extLst>
+              <a:ext uri="{FF2B5EF4-FFF2-40B4-BE49-F238E27FC236}">
+                <a16:creationId xmlns:a16="http://schemas.microsoft.com/office/drawing/2014/main" id="{6166C6D1-23AC-49C4-BA07-238E4E9F8CEB}"/>
+              </a:ext>
+              <a:ext uri="{C183D7F6-B498-43B3-948B-1728B52AA6E4}">
+                <adec:decorative xmlns:adec="http://schemas.microsoft.com/office/drawing/2017/decorative" val="1"/>
+              </a:ext>
+            </a:extLst>
+          </p:cNvPr>
+          <p:cNvSpPr>
+            <a:spLocks noGrp="1" noRot="1" noChangeAspect="1" noMove="1" noResize="1" noEditPoints="1" noAdjustHandles="1" noChangeArrowheads="1" noChangeShapeType="1" noTextEdit="1"/>
+          </p:cNvSpPr>
+          <p:nvPr>
+            <p:extLst>
+              <p:ext uri="{386F3935-93C4-4BCD-93E2-E3B085C9AB24}">
+                <p16:designElem xmlns:p16="http://schemas.microsoft.com/office/powerpoint/2015/main" val="1"/>
+              </p:ext>
+            </p:extLst>
+          </p:nvPr>
+        </p:nvSpPr>
+        <p:spPr>
+          <a:xfrm>
+            <a:off x="9625716" y="4529023"/>
+            <a:ext cx="2107363" cy="1870055"/>
+          </a:xfrm>
+          <a:prstGeom prst="rect">
+            <a:avLst/>
+          </a:prstGeom>
+          <a:solidFill>
+            <a:schemeClr val="accent1">
+              <a:alpha val="95000"/>
+            </a:schemeClr>
+          </a:solidFill>
+          <a:ln w="25400">
+            <a:noFill/>
+          </a:ln>
+        </p:spPr>
+        <p:style>
+          <a:lnRef idx="2">
+            <a:schemeClr val="accent1">
+              <a:shade val="50000"/>
+            </a:schemeClr>
+          </a:lnRef>
+          <a:fillRef idx="1">
+            <a:schemeClr val="accent1"/>
+          </a:fillRef>
+          <a:effectRef idx="0">
+            <a:schemeClr val="accent1"/>
+          </a:effectRef>
+          <a:fontRef idx="minor">
+            <a:schemeClr val="lt1"/>
+          </a:fontRef>
+        </p:style>
+        <p:txBody>
+          <a:bodyPr rtlCol="0" anchor="ctr"/>
+          <a:lstStyle/>
+          <a:p>
+            <a:pPr algn="ctr"/>
+            <a:endParaRPr lang="en-US">
+              <a:solidFill>
+                <a:srgbClr val="FFFFFF"/>
+              </a:solidFill>
+            </a:endParaRPr>
           </a:p>
         </p:txBody>
       </p:sp>
@@ -5032,6 +7574,14 @@
 <file path=ppt/slides/slide15.xml><?xml version="1.0" encoding="utf-8"?>
 <p:sld xmlns:a="http://schemas.openxmlformats.org/drawingml/2006/main" xmlns:r="http://schemas.openxmlformats.org/officeDocument/2006/relationships" xmlns:p="http://schemas.openxmlformats.org/presentationml/2006/main">
   <p:cSld>
+    <p:bg>
+      <p:bgPr>
+        <a:solidFill>
+          <a:schemeClr val="bg1"/>
+        </a:solidFill>
+        <a:effectLst/>
+      </p:bgPr>
+    </p:bg>
     <p:spTree>
       <p:nvGrpSpPr>
         <p:cNvPr id="1" name=""/>
@@ -5048,6 +7598,73 @@
       </p:grpSpPr>
       <p:sp>
         <p:nvSpPr>
+          <p:cNvPr id="8" name="Rectangle 7">
+            <a:extLst>
+              <a:ext uri="{FF2B5EF4-FFF2-40B4-BE49-F238E27FC236}">
+                <a16:creationId xmlns:a16="http://schemas.microsoft.com/office/drawing/2014/main" id="{B775CD93-9DF2-48CB-9F57-1BCA9A46C7FA}"/>
+              </a:ext>
+              <a:ext uri="{C183D7F6-B498-43B3-948B-1728B52AA6E4}">
+                <adec:decorative xmlns:adec="http://schemas.microsoft.com/office/drawing/2017/decorative" val="1"/>
+              </a:ext>
+            </a:extLst>
+          </p:cNvPr>
+          <p:cNvSpPr>
+            <a:spLocks noGrp="1" noRot="1" noChangeAspect="1" noMove="1" noResize="1" noEditPoints="1" noAdjustHandles="1" noChangeArrowheads="1" noChangeShapeType="1" noTextEdit="1"/>
+          </p:cNvSpPr>
+          <p:nvPr>
+            <p:extLst>
+              <p:ext uri="{386F3935-93C4-4BCD-93E2-E3B085C9AB24}">
+                <p16:designElem xmlns:p16="http://schemas.microsoft.com/office/powerpoint/2015/main" val="1"/>
+              </p:ext>
+            </p:extLst>
+          </p:nvPr>
+        </p:nvSpPr>
+        <p:spPr>
+          <a:xfrm>
+            <a:off x="458921" y="453981"/>
+            <a:ext cx="11274158" cy="1877811"/>
+          </a:xfrm>
+          <a:prstGeom prst="rect">
+            <a:avLst/>
+          </a:prstGeom>
+          <a:solidFill>
+            <a:srgbClr val="595959"/>
+          </a:solidFill>
+          <a:ln w="25400">
+            <a:noFill/>
+          </a:ln>
+        </p:spPr>
+        <p:style>
+          <a:lnRef idx="2">
+            <a:schemeClr val="accent1">
+              <a:shade val="50000"/>
+            </a:schemeClr>
+          </a:lnRef>
+          <a:fillRef idx="1">
+            <a:schemeClr val="accent1"/>
+          </a:fillRef>
+          <a:effectRef idx="0">
+            <a:schemeClr val="accent1"/>
+          </a:effectRef>
+          <a:fontRef idx="minor">
+            <a:schemeClr val="lt1"/>
+          </a:fontRef>
+        </p:style>
+        <p:txBody>
+          <a:bodyPr rtlCol="0" anchor="ctr"/>
+          <a:lstStyle/>
+          <a:p>
+            <a:pPr algn="ctr"/>
+            <a:endParaRPr lang="en-US">
+              <a:solidFill>
+                <a:srgbClr val="FFFFFF"/>
+              </a:solidFill>
+            </a:endParaRPr>
+          </a:p>
+        </p:txBody>
+      </p:sp>
+      <p:sp>
+        <p:nvSpPr>
           <p:cNvPr id="2" name="Title 1">
             <a:extLst>
               <a:ext uri="{FF2B5EF4-FFF2-40B4-BE49-F238E27FC236}">
@@ -5062,13 +7679,24 @@
             <p:ph type="title"/>
           </p:nvPr>
         </p:nvSpPr>
-        <p:spPr/>
-        <p:txBody>
-          <a:bodyPr/>
-          <a:lstStyle/>
-          <a:p>
-            <a:r>
-              <a:rPr lang="en-US" dirty="0"/>
+        <p:spPr>
+          <a:xfrm>
+            <a:off x="731519" y="731520"/>
+            <a:ext cx="10666145" cy="1426464"/>
+          </a:xfrm>
+        </p:spPr>
+        <p:txBody>
+          <a:bodyPr>
+            <a:normAutofit/>
+          </a:bodyPr>
+          <a:lstStyle/>
+          <a:p>
+            <a:r>
+              <a:rPr lang="en-US">
+                <a:solidFill>
+                  <a:srgbClr val="FFFFFF"/>
+                </a:solidFill>
+              </a:rPr>
               <a:t>Further Research/Ideas</a:t>
             </a:r>
           </a:p>
@@ -5076,6 +7704,73 @@
       </p:sp>
       <p:sp>
         <p:nvSpPr>
+          <p:cNvPr id="10" name="Rectangle 9">
+            <a:extLst>
+              <a:ext uri="{FF2B5EF4-FFF2-40B4-BE49-F238E27FC236}">
+                <a16:creationId xmlns:a16="http://schemas.microsoft.com/office/drawing/2014/main" id="{1C091803-41C2-48E0-9228-5148460C7479}"/>
+              </a:ext>
+              <a:ext uri="{C183D7F6-B498-43B3-948B-1728B52AA6E4}">
+                <adec:decorative xmlns:adec="http://schemas.microsoft.com/office/drawing/2017/decorative" val="1"/>
+              </a:ext>
+            </a:extLst>
+          </p:cNvPr>
+          <p:cNvSpPr>
+            <a:spLocks noGrp="1" noRot="1" noChangeAspect="1" noMove="1" noResize="1" noEditPoints="1" noAdjustHandles="1" noChangeArrowheads="1" noChangeShapeType="1" noTextEdit="1"/>
+          </p:cNvSpPr>
+          <p:nvPr>
+            <p:extLst>
+              <p:ext uri="{386F3935-93C4-4BCD-93E2-E3B085C9AB24}">
+                <p16:designElem xmlns:p16="http://schemas.microsoft.com/office/powerpoint/2015/main" val="1"/>
+              </p:ext>
+            </p:extLst>
+          </p:nvPr>
+        </p:nvSpPr>
+        <p:spPr>
+          <a:xfrm>
+            <a:off x="458920" y="2480956"/>
+            <a:ext cx="9006933" cy="3918122"/>
+          </a:xfrm>
+          <a:prstGeom prst="rect">
+            <a:avLst/>
+          </a:prstGeom>
+          <a:solidFill>
+            <a:schemeClr val="tx1">
+              <a:lumMod val="50000"/>
+              <a:lumOff val="50000"/>
+              <a:alpha val="20000"/>
+            </a:schemeClr>
+          </a:solidFill>
+          <a:ln>
+            <a:noFill/>
+          </a:ln>
+        </p:spPr>
+        <p:style>
+          <a:lnRef idx="2">
+            <a:schemeClr val="accent1">
+              <a:shade val="50000"/>
+            </a:schemeClr>
+          </a:lnRef>
+          <a:fillRef idx="1">
+            <a:schemeClr val="accent1"/>
+          </a:fillRef>
+          <a:effectRef idx="0">
+            <a:schemeClr val="accent1"/>
+          </a:effectRef>
+          <a:fontRef idx="minor">
+            <a:schemeClr val="lt1"/>
+          </a:fontRef>
+        </p:style>
+        <p:txBody>
+          <a:bodyPr rtlCol="0" anchor="ctr"/>
+          <a:lstStyle/>
+          <a:p>
+            <a:pPr algn="ctr"/>
+            <a:endParaRPr lang="en-US"/>
+          </a:p>
+        </p:txBody>
+      </p:sp>
+      <p:sp>
+        <p:nvSpPr>
           <p:cNvPr id="3" name="Content Placeholder 2">
             <a:extLst>
               <a:ext uri="{FF2B5EF4-FFF2-40B4-BE49-F238E27FC236}">
@@ -5090,39 +7785,190 @@
             <p:ph idx="1"/>
           </p:nvPr>
         </p:nvSpPr>
-        <p:spPr/>
-        <p:txBody>
-          <a:bodyPr/>
-          <a:lstStyle/>
-          <a:p>
-            <a:r>
-              <a:rPr lang="en-US" dirty="0"/>
-              <a:t>Many other modeling methods to try</a:t>
-            </a:r>
-          </a:p>
-          <a:p>
-            <a:endParaRPr lang="en-US" dirty="0"/>
-          </a:p>
-          <a:p>
-            <a:r>
-              <a:rPr lang="en-US" dirty="0"/>
+        <p:spPr>
+          <a:xfrm>
+            <a:off x="789456" y="2789918"/>
+            <a:ext cx="8370393" cy="3300196"/>
+          </a:xfrm>
+        </p:spPr>
+        <p:txBody>
+          <a:bodyPr anchor="ctr">
+            <a:normAutofit/>
+          </a:bodyPr>
+          <a:lstStyle/>
+          <a:p>
+            <a:r>
+              <a:rPr lang="en-US" sz="2600" dirty="0"/>
+              <a:t>Many other modeling methods to try(</a:t>
+            </a:r>
+            <a:r>
+              <a:rPr lang="en-US" sz="2600" dirty="0" err="1"/>
+              <a:t>XGBoost</a:t>
+            </a:r>
+            <a:r>
+              <a:rPr lang="en-US" sz="2600" dirty="0"/>
+              <a:t> again, KNN etc.)</a:t>
+            </a:r>
+          </a:p>
+          <a:p>
+            <a:endParaRPr lang="en-US" sz="2600" dirty="0"/>
+          </a:p>
+          <a:p>
+            <a:r>
+              <a:rPr lang="en-US" sz="2600" dirty="0"/>
               <a:t>Possibly go back and include some location-based data</a:t>
             </a:r>
           </a:p>
           <a:p>
-            <a:endParaRPr lang="en-US" dirty="0"/>
-          </a:p>
-          <a:p>
-            <a:r>
-              <a:rPr lang="en-US" dirty="0"/>
+            <a:endParaRPr lang="en-US" sz="2600" dirty="0"/>
+          </a:p>
+          <a:p>
+            <a:r>
+              <a:rPr lang="en-US" sz="2600" dirty="0"/>
               <a:t>More cleaning of (unknown/missing) values</a:t>
             </a:r>
           </a:p>
           <a:p>
-            <a:endParaRPr lang="en-US" dirty="0"/>
-          </a:p>
-          <a:p>
-            <a:endParaRPr lang="en-US" dirty="0"/>
+            <a:endParaRPr lang="en-US" sz="2600" dirty="0"/>
+          </a:p>
+          <a:p>
+            <a:endParaRPr lang="en-US" sz="2600" dirty="0"/>
+          </a:p>
+        </p:txBody>
+      </p:sp>
+      <p:sp>
+        <p:nvSpPr>
+          <p:cNvPr id="12" name="Rectangle 11">
+            <a:extLst>
+              <a:ext uri="{FF2B5EF4-FFF2-40B4-BE49-F238E27FC236}">
+                <a16:creationId xmlns:a16="http://schemas.microsoft.com/office/drawing/2014/main" id="{E186B68C-84BC-4A6E-99D1-EE87483C1349}"/>
+              </a:ext>
+              <a:ext uri="{C183D7F6-B498-43B3-948B-1728B52AA6E4}">
+                <adec:decorative xmlns:adec="http://schemas.microsoft.com/office/drawing/2017/decorative" val="1"/>
+              </a:ext>
+            </a:extLst>
+          </p:cNvPr>
+          <p:cNvSpPr>
+            <a:spLocks noGrp="1" noRot="1" noChangeAspect="1" noMove="1" noResize="1" noEditPoints="1" noAdjustHandles="1" noChangeArrowheads="1" noChangeShapeType="1" noTextEdit="1"/>
+          </p:cNvSpPr>
+          <p:nvPr>
+            <p:extLst>
+              <p:ext uri="{386F3935-93C4-4BCD-93E2-E3B085C9AB24}">
+                <p16:designElem xmlns:p16="http://schemas.microsoft.com/office/powerpoint/2015/main" val="1"/>
+              </p:ext>
+            </p:extLst>
+          </p:nvPr>
+        </p:nvSpPr>
+        <p:spPr>
+          <a:xfrm>
+            <a:off x="9625716" y="2480956"/>
+            <a:ext cx="2112264" cy="1898903"/>
+          </a:xfrm>
+          <a:prstGeom prst="rect">
+            <a:avLst/>
+          </a:prstGeom>
+          <a:solidFill>
+            <a:srgbClr val="A5A5A5"/>
+          </a:solidFill>
+          <a:ln w="25400">
+            <a:noFill/>
+          </a:ln>
+        </p:spPr>
+        <p:style>
+          <a:lnRef idx="2">
+            <a:schemeClr val="accent1">
+              <a:shade val="50000"/>
+            </a:schemeClr>
+          </a:lnRef>
+          <a:fillRef idx="1">
+            <a:schemeClr val="accent1"/>
+          </a:fillRef>
+          <a:effectRef idx="0">
+            <a:schemeClr val="accent1"/>
+          </a:effectRef>
+          <a:fontRef idx="minor">
+            <a:schemeClr val="lt1"/>
+          </a:fontRef>
+        </p:style>
+        <p:txBody>
+          <a:bodyPr rtlCol="0" anchor="ctr"/>
+          <a:lstStyle/>
+          <a:p>
+            <a:pPr algn="ctr"/>
+            <a:endParaRPr lang="en-US">
+              <a:solidFill>
+                <a:srgbClr val="FFFFFF"/>
+              </a:solidFill>
+            </a:endParaRPr>
+          </a:p>
+        </p:txBody>
+      </p:sp>
+      <p:sp>
+        <p:nvSpPr>
+          <p:cNvPr id="14" name="Rectangle 13">
+            <a:extLst>
+              <a:ext uri="{FF2B5EF4-FFF2-40B4-BE49-F238E27FC236}">
+                <a16:creationId xmlns:a16="http://schemas.microsoft.com/office/drawing/2014/main" id="{6166C6D1-23AC-49C4-BA07-238E4E9F8CEB}"/>
+              </a:ext>
+              <a:ext uri="{C183D7F6-B498-43B3-948B-1728B52AA6E4}">
+                <adec:decorative xmlns:adec="http://schemas.microsoft.com/office/drawing/2017/decorative" val="1"/>
+              </a:ext>
+            </a:extLst>
+          </p:cNvPr>
+          <p:cNvSpPr>
+            <a:spLocks noGrp="1" noRot="1" noChangeAspect="1" noMove="1" noResize="1" noEditPoints="1" noAdjustHandles="1" noChangeArrowheads="1" noChangeShapeType="1" noTextEdit="1"/>
+          </p:cNvSpPr>
+          <p:nvPr>
+            <p:extLst>
+              <p:ext uri="{386F3935-93C4-4BCD-93E2-E3B085C9AB24}">
+                <p16:designElem xmlns:p16="http://schemas.microsoft.com/office/powerpoint/2015/main" val="1"/>
+              </p:ext>
+            </p:extLst>
+          </p:nvPr>
+        </p:nvSpPr>
+        <p:spPr>
+          <a:xfrm>
+            <a:off x="9625716" y="4529023"/>
+            <a:ext cx="2107363" cy="1870055"/>
+          </a:xfrm>
+          <a:prstGeom prst="rect">
+            <a:avLst/>
+          </a:prstGeom>
+          <a:solidFill>
+            <a:schemeClr val="accent1">
+              <a:alpha val="95000"/>
+            </a:schemeClr>
+          </a:solidFill>
+          <a:ln w="25400">
+            <a:noFill/>
+          </a:ln>
+        </p:spPr>
+        <p:style>
+          <a:lnRef idx="2">
+            <a:schemeClr val="accent1">
+              <a:shade val="50000"/>
+            </a:schemeClr>
+          </a:lnRef>
+          <a:fillRef idx="1">
+            <a:schemeClr val="accent1"/>
+          </a:fillRef>
+          <a:effectRef idx="0">
+            <a:schemeClr val="accent1"/>
+          </a:effectRef>
+          <a:fontRef idx="minor">
+            <a:schemeClr val="lt1"/>
+          </a:fontRef>
+        </p:style>
+        <p:txBody>
+          <a:bodyPr rtlCol="0" anchor="ctr"/>
+          <a:lstStyle/>
+          <a:p>
+            <a:pPr algn="ctr"/>
+            <a:endParaRPr lang="en-US">
+              <a:solidFill>
+                <a:srgbClr val="FFFFFF"/>
+              </a:solidFill>
+            </a:endParaRPr>
           </a:p>
         </p:txBody>
       </p:sp>
@@ -5142,6 +7988,14 @@
 <file path=ppt/slides/slide2.xml><?xml version="1.0" encoding="utf-8"?>
 <p:sld xmlns:a="http://schemas.openxmlformats.org/drawingml/2006/main" xmlns:r="http://schemas.openxmlformats.org/officeDocument/2006/relationships" xmlns:p="http://schemas.openxmlformats.org/presentationml/2006/main">
   <p:cSld>
+    <p:bg>
+      <p:bgPr>
+        <a:solidFill>
+          <a:schemeClr val="bg1"/>
+        </a:solidFill>
+        <a:effectLst/>
+      </p:bgPr>
+    </p:bg>
     <p:spTree>
       <p:nvGrpSpPr>
         <p:cNvPr id="1" name=""/>
@@ -5158,6 +8012,73 @@
       </p:grpSpPr>
       <p:sp>
         <p:nvSpPr>
+          <p:cNvPr id="9" name="Rectangle 8">
+            <a:extLst>
+              <a:ext uri="{FF2B5EF4-FFF2-40B4-BE49-F238E27FC236}">
+                <a16:creationId xmlns:a16="http://schemas.microsoft.com/office/drawing/2014/main" id="{B775CD93-9DF2-48CB-9F57-1BCA9A46C7FA}"/>
+              </a:ext>
+              <a:ext uri="{C183D7F6-B498-43B3-948B-1728B52AA6E4}">
+                <adec:decorative xmlns:adec="http://schemas.microsoft.com/office/drawing/2017/decorative" val="1"/>
+              </a:ext>
+            </a:extLst>
+          </p:cNvPr>
+          <p:cNvSpPr>
+            <a:spLocks noGrp="1" noRot="1" noChangeAspect="1" noMove="1" noResize="1" noEditPoints="1" noAdjustHandles="1" noChangeArrowheads="1" noChangeShapeType="1" noTextEdit="1"/>
+          </p:cNvSpPr>
+          <p:nvPr>
+            <p:extLst>
+              <p:ext uri="{386F3935-93C4-4BCD-93E2-E3B085C9AB24}">
+                <p16:designElem xmlns:p16="http://schemas.microsoft.com/office/powerpoint/2015/main" val="1"/>
+              </p:ext>
+            </p:extLst>
+          </p:nvPr>
+        </p:nvSpPr>
+        <p:spPr>
+          <a:xfrm>
+            <a:off x="458921" y="453981"/>
+            <a:ext cx="6697525" cy="1877811"/>
+          </a:xfrm>
+          <a:prstGeom prst="rect">
+            <a:avLst/>
+          </a:prstGeom>
+          <a:solidFill>
+            <a:srgbClr val="60533F"/>
+          </a:solidFill>
+          <a:ln w="25400">
+            <a:noFill/>
+          </a:ln>
+        </p:spPr>
+        <p:style>
+          <a:lnRef idx="2">
+            <a:schemeClr val="accent1">
+              <a:shade val="50000"/>
+            </a:schemeClr>
+          </a:lnRef>
+          <a:fillRef idx="1">
+            <a:schemeClr val="accent1"/>
+          </a:fillRef>
+          <a:effectRef idx="0">
+            <a:schemeClr val="accent1"/>
+          </a:effectRef>
+          <a:fontRef idx="minor">
+            <a:schemeClr val="lt1"/>
+          </a:fontRef>
+        </p:style>
+        <p:txBody>
+          <a:bodyPr rtlCol="0" anchor="ctr"/>
+          <a:lstStyle/>
+          <a:p>
+            <a:pPr algn="ctr"/>
+            <a:endParaRPr lang="en-US">
+              <a:solidFill>
+                <a:srgbClr val="FFFFFF"/>
+              </a:solidFill>
+            </a:endParaRPr>
+          </a:p>
+        </p:txBody>
+      </p:sp>
+      <p:sp>
+        <p:nvSpPr>
           <p:cNvPr id="2" name="Title 1">
             <a:extLst>
               <a:ext uri="{FF2B5EF4-FFF2-40B4-BE49-F238E27FC236}">
@@ -5172,13 +8093,24 @@
             <p:ph type="title"/>
           </p:nvPr>
         </p:nvSpPr>
-        <p:spPr/>
-        <p:txBody>
-          <a:bodyPr/>
-          <a:lstStyle/>
-          <a:p>
-            <a:r>
-              <a:rPr lang="en-US" dirty="0"/>
+        <p:spPr>
+          <a:xfrm>
+            <a:off x="731520" y="731520"/>
+            <a:ext cx="6089904" cy="1426464"/>
+          </a:xfrm>
+        </p:spPr>
+        <p:txBody>
+          <a:bodyPr>
+            <a:normAutofit/>
+          </a:bodyPr>
+          <a:lstStyle/>
+          <a:p>
+            <a:r>
+              <a:rPr lang="en-US">
+                <a:solidFill>
+                  <a:srgbClr val="FFFFFF"/>
+                </a:solidFill>
+              </a:rPr>
               <a:t>Overview</a:t>
             </a:r>
           </a:p>
@@ -5186,6 +8118,73 @@
       </p:sp>
       <p:sp>
         <p:nvSpPr>
+          <p:cNvPr id="11" name="Rectangle 10">
+            <a:extLst>
+              <a:ext uri="{FF2B5EF4-FFF2-40B4-BE49-F238E27FC236}">
+                <a16:creationId xmlns:a16="http://schemas.microsoft.com/office/drawing/2014/main" id="{1C091803-41C2-48E0-9228-5148460C7479}"/>
+              </a:ext>
+              <a:ext uri="{C183D7F6-B498-43B3-948B-1728B52AA6E4}">
+                <adec:decorative xmlns:adec="http://schemas.microsoft.com/office/drawing/2017/decorative" val="1"/>
+              </a:ext>
+            </a:extLst>
+          </p:cNvPr>
+          <p:cNvSpPr>
+            <a:spLocks noGrp="1" noRot="1" noChangeAspect="1" noMove="1" noResize="1" noEditPoints="1" noAdjustHandles="1" noChangeArrowheads="1" noChangeShapeType="1" noTextEdit="1"/>
+          </p:cNvSpPr>
+          <p:nvPr>
+            <p:extLst>
+              <p:ext uri="{386F3935-93C4-4BCD-93E2-E3B085C9AB24}">
+                <p16:designElem xmlns:p16="http://schemas.microsoft.com/office/powerpoint/2015/main" val="1"/>
+              </p:ext>
+            </p:extLst>
+          </p:nvPr>
+        </p:nvSpPr>
+        <p:spPr>
+          <a:xfrm>
+            <a:off x="458921" y="2480956"/>
+            <a:ext cx="4405512" cy="3918122"/>
+          </a:xfrm>
+          <a:prstGeom prst="rect">
+            <a:avLst/>
+          </a:prstGeom>
+          <a:solidFill>
+            <a:schemeClr val="tx1">
+              <a:lumMod val="50000"/>
+              <a:lumOff val="50000"/>
+              <a:alpha val="20000"/>
+            </a:schemeClr>
+          </a:solidFill>
+          <a:ln>
+            <a:noFill/>
+          </a:ln>
+        </p:spPr>
+        <p:style>
+          <a:lnRef idx="2">
+            <a:schemeClr val="accent1">
+              <a:shade val="50000"/>
+            </a:schemeClr>
+          </a:lnRef>
+          <a:fillRef idx="1">
+            <a:schemeClr val="accent1"/>
+          </a:fillRef>
+          <a:effectRef idx="0">
+            <a:schemeClr val="accent1"/>
+          </a:effectRef>
+          <a:fontRef idx="minor">
+            <a:schemeClr val="lt1"/>
+          </a:fontRef>
+        </p:style>
+        <p:txBody>
+          <a:bodyPr rtlCol="0" anchor="ctr"/>
+          <a:lstStyle/>
+          <a:p>
+            <a:pPr algn="ctr"/>
+            <a:endParaRPr lang="en-US"/>
+          </a:p>
+        </p:txBody>
+      </p:sp>
+      <p:sp>
+        <p:nvSpPr>
           <p:cNvPr id="3" name="Content Placeholder 2">
             <a:extLst>
               <a:ext uri="{FF2B5EF4-FFF2-40B4-BE49-F238E27FC236}">
@@ -5200,50 +8199,217 @@
             <p:ph idx="1"/>
           </p:nvPr>
         </p:nvSpPr>
-        <p:spPr/>
-        <p:txBody>
-          <a:bodyPr/>
-          <a:lstStyle/>
-          <a:p>
-            <a:r>
-              <a:rPr lang="en-US" dirty="0"/>
+        <p:spPr>
+          <a:xfrm>
+            <a:off x="789457" y="2826284"/>
+            <a:ext cx="3759198" cy="3183992"/>
+          </a:xfrm>
+        </p:spPr>
+        <p:txBody>
+          <a:bodyPr anchor="ctr">
+            <a:normAutofit/>
+          </a:bodyPr>
+          <a:lstStyle/>
+          <a:p>
+            <a:r>
+              <a:rPr lang="en-US" sz="2000"/>
               <a:t>Problem Identification/Data Selection</a:t>
             </a:r>
           </a:p>
           <a:p>
-            <a:endParaRPr lang="en-US" dirty="0"/>
-          </a:p>
-          <a:p>
-            <a:r>
-              <a:rPr lang="en-US" dirty="0"/>
+            <a:endParaRPr lang="en-US" sz="2000"/>
+          </a:p>
+          <a:p>
+            <a:r>
+              <a:rPr lang="en-US" sz="2000"/>
               <a:t>Data Wrangling</a:t>
             </a:r>
           </a:p>
           <a:p>
-            <a:endParaRPr lang="en-US" dirty="0"/>
-          </a:p>
-          <a:p>
-            <a:r>
-              <a:rPr lang="en-US" dirty="0"/>
-              <a:t>Data Cleaning/</a:t>
-            </a:r>
-            <a:r>
-              <a:rPr lang="en-US" dirty="0" err="1"/>
-              <a:t>Preprossesing</a:t>
-            </a:r>
-            <a:endParaRPr lang="en-US" dirty="0"/>
-          </a:p>
-          <a:p>
-            <a:endParaRPr lang="en-US" dirty="0"/>
-          </a:p>
-          <a:p>
-            <a:r>
-              <a:rPr lang="en-US" dirty="0"/>
+            <a:endParaRPr lang="en-US" sz="2000"/>
+          </a:p>
+          <a:p>
+            <a:r>
+              <a:rPr lang="en-US" sz="2000"/>
+              <a:t>Data Cleaning/Preprossesing</a:t>
+            </a:r>
+          </a:p>
+          <a:p>
+            <a:endParaRPr lang="en-US" sz="2000"/>
+          </a:p>
+          <a:p>
+            <a:r>
+              <a:rPr lang="en-US" sz="2000"/>
               <a:t>Modeling</a:t>
             </a:r>
           </a:p>
         </p:txBody>
       </p:sp>
+      <p:sp>
+        <p:nvSpPr>
+          <p:cNvPr id="13" name="Rectangle 12">
+            <a:extLst>
+              <a:ext uri="{FF2B5EF4-FFF2-40B4-BE49-F238E27FC236}">
+                <a16:creationId xmlns:a16="http://schemas.microsoft.com/office/drawing/2014/main" id="{E186B68C-84BC-4A6E-99D1-EE87483C1349}"/>
+              </a:ext>
+              <a:ext uri="{C183D7F6-B498-43B3-948B-1728B52AA6E4}">
+                <adec:decorative xmlns:adec="http://schemas.microsoft.com/office/drawing/2017/decorative" val="1"/>
+              </a:ext>
+            </a:extLst>
+          </p:cNvPr>
+          <p:cNvSpPr>
+            <a:spLocks noGrp="1" noRot="1" noChangeAspect="1" noMove="1" noResize="1" noEditPoints="1" noAdjustHandles="1" noChangeArrowheads="1" noChangeShapeType="1" noTextEdit="1"/>
+          </p:cNvSpPr>
+          <p:nvPr>
+            <p:extLst>
+              <p:ext uri="{386F3935-93C4-4BCD-93E2-E3B085C9AB24}">
+                <p16:designElem xmlns:p16="http://schemas.microsoft.com/office/powerpoint/2015/main" val="1"/>
+              </p:ext>
+            </p:extLst>
+          </p:nvPr>
+        </p:nvSpPr>
+        <p:spPr>
+          <a:xfrm>
+            <a:off x="5048949" y="2480956"/>
+            <a:ext cx="2115455" cy="1898903"/>
+          </a:xfrm>
+          <a:prstGeom prst="rect">
+            <a:avLst/>
+          </a:prstGeom>
+          <a:solidFill>
+            <a:srgbClr val="407AB4"/>
+          </a:solidFill>
+          <a:ln w="25400">
+            <a:noFill/>
+          </a:ln>
+        </p:spPr>
+        <p:style>
+          <a:lnRef idx="2">
+            <a:schemeClr val="accent1">
+              <a:shade val="50000"/>
+            </a:schemeClr>
+          </a:lnRef>
+          <a:fillRef idx="1">
+            <a:schemeClr val="accent1"/>
+          </a:fillRef>
+          <a:effectRef idx="0">
+            <a:schemeClr val="accent1"/>
+          </a:effectRef>
+          <a:fontRef idx="minor">
+            <a:schemeClr val="lt1"/>
+          </a:fontRef>
+        </p:style>
+        <p:txBody>
+          <a:bodyPr rtlCol="0" anchor="ctr"/>
+          <a:lstStyle/>
+          <a:p>
+            <a:pPr algn="ctr"/>
+            <a:endParaRPr lang="en-US">
+              <a:solidFill>
+                <a:srgbClr val="FFFFFF"/>
+              </a:solidFill>
+            </a:endParaRPr>
+          </a:p>
+        </p:txBody>
+      </p:sp>
+      <p:sp>
+        <p:nvSpPr>
+          <p:cNvPr id="15" name="Rectangle 14">
+            <a:extLst>
+              <a:ext uri="{FF2B5EF4-FFF2-40B4-BE49-F238E27FC236}">
+                <a16:creationId xmlns:a16="http://schemas.microsoft.com/office/drawing/2014/main" id="{6166C6D1-23AC-49C4-BA07-238E4E9F8CEB}"/>
+              </a:ext>
+              <a:ext uri="{C183D7F6-B498-43B3-948B-1728B52AA6E4}">
+                <adec:decorative xmlns:adec="http://schemas.microsoft.com/office/drawing/2017/decorative" val="1"/>
+              </a:ext>
+            </a:extLst>
+          </p:cNvPr>
+          <p:cNvSpPr>
+            <a:spLocks noGrp="1" noRot="1" noChangeAspect="1" noMove="1" noResize="1" noEditPoints="1" noAdjustHandles="1" noChangeArrowheads="1" noChangeShapeType="1" noTextEdit="1"/>
+          </p:cNvSpPr>
+          <p:nvPr>
+            <p:extLst>
+              <p:ext uri="{386F3935-93C4-4BCD-93E2-E3B085C9AB24}">
+                <p16:designElem xmlns:p16="http://schemas.microsoft.com/office/powerpoint/2015/main" val="1"/>
+              </p:ext>
+            </p:extLst>
+          </p:nvPr>
+        </p:nvSpPr>
+        <p:spPr>
+          <a:xfrm>
+            <a:off x="5048949" y="4529023"/>
+            <a:ext cx="2107363" cy="1870055"/>
+          </a:xfrm>
+          <a:prstGeom prst="rect">
+            <a:avLst/>
+          </a:prstGeom>
+          <a:solidFill>
+            <a:schemeClr val="accent5">
+              <a:alpha val="95000"/>
+            </a:schemeClr>
+          </a:solidFill>
+          <a:ln w="25400">
+            <a:noFill/>
+          </a:ln>
+        </p:spPr>
+        <p:style>
+          <a:lnRef idx="2">
+            <a:schemeClr val="accent1">
+              <a:shade val="50000"/>
+            </a:schemeClr>
+          </a:lnRef>
+          <a:fillRef idx="1">
+            <a:schemeClr val="accent1"/>
+          </a:fillRef>
+          <a:effectRef idx="0">
+            <a:schemeClr val="accent1"/>
+          </a:effectRef>
+          <a:fontRef idx="minor">
+            <a:schemeClr val="lt1"/>
+          </a:fontRef>
+        </p:style>
+        <p:txBody>
+          <a:bodyPr rtlCol="0" anchor="ctr"/>
+          <a:lstStyle/>
+          <a:p>
+            <a:pPr algn="ctr"/>
+            <a:endParaRPr lang="en-US">
+              <a:solidFill>
+                <a:srgbClr val="FFFFFF"/>
+              </a:solidFill>
+            </a:endParaRPr>
+          </a:p>
+        </p:txBody>
+      </p:sp>
+      <p:pic>
+        <p:nvPicPr>
+          <p:cNvPr id="4" name="Picture 3">
+            <a:extLst>
+              <a:ext uri="{FF2B5EF4-FFF2-40B4-BE49-F238E27FC236}">
+                <a16:creationId xmlns:a16="http://schemas.microsoft.com/office/drawing/2014/main" id="{86019944-F4D0-446A-93DE-F4961EA722A4}"/>
+              </a:ext>
+            </a:extLst>
+          </p:cNvPr>
+          <p:cNvPicPr>
+            <a:picLocks noChangeAspect="1"/>
+          </p:cNvPicPr>
+          <p:nvPr/>
+        </p:nvPicPr>
+        <p:blipFill rotWithShape="1">
+          <a:blip r:embed="rId2"/>
+          <a:srcRect l="23961" r="26301" b="-1"/>
+          <a:stretch/>
+        </p:blipFill>
+        <p:spPr>
+          <a:xfrm>
+            <a:off x="7308214" y="438460"/>
+            <a:ext cx="4424865" cy="5960618"/>
+          </a:xfrm>
+          <a:prstGeom prst="rect">
+            <a:avLst/>
+          </a:prstGeom>
+        </p:spPr>
+      </p:pic>
     </p:spTree>
     <p:extLst>
       <p:ext uri="{BB962C8B-B14F-4D97-AF65-F5344CB8AC3E}">
@@ -5260,6 +8426,14 @@
 <file path=ppt/slides/slide3.xml><?xml version="1.0" encoding="utf-8"?>
 <p:sld xmlns:a="http://schemas.openxmlformats.org/drawingml/2006/main" xmlns:r="http://schemas.openxmlformats.org/officeDocument/2006/relationships" xmlns:p="http://schemas.openxmlformats.org/presentationml/2006/main">
   <p:cSld>
+    <p:bg>
+      <p:bgPr>
+        <a:solidFill>
+          <a:schemeClr val="bg1"/>
+        </a:solidFill>
+        <a:effectLst/>
+      </p:bgPr>
+    </p:bg>
     <p:spTree>
       <p:nvGrpSpPr>
         <p:cNvPr id="1" name=""/>
@@ -5276,6 +8450,73 @@
       </p:grpSpPr>
       <p:sp>
         <p:nvSpPr>
+          <p:cNvPr id="20" name="Rectangle 9">
+            <a:extLst>
+              <a:ext uri="{FF2B5EF4-FFF2-40B4-BE49-F238E27FC236}">
+                <a16:creationId xmlns:a16="http://schemas.microsoft.com/office/drawing/2014/main" id="{6166C6D1-23AC-49C4-BA07-238E4E9F8CEB}"/>
+              </a:ext>
+              <a:ext uri="{C183D7F6-B498-43B3-948B-1728B52AA6E4}">
+                <adec:decorative xmlns:adec="http://schemas.microsoft.com/office/drawing/2017/decorative" val="1"/>
+              </a:ext>
+            </a:extLst>
+          </p:cNvPr>
+          <p:cNvSpPr>
+            <a:spLocks noGrp="1" noRot="1" noChangeAspect="1" noMove="1" noResize="1" noEditPoints="1" noAdjustHandles="1" noChangeArrowheads="1" noChangeShapeType="1" noTextEdit="1"/>
+          </p:cNvSpPr>
+          <p:nvPr>
+            <p:extLst>
+              <p:ext uri="{386F3935-93C4-4BCD-93E2-E3B085C9AB24}">
+                <p16:designElem xmlns:p16="http://schemas.microsoft.com/office/powerpoint/2015/main" val="1"/>
+              </p:ext>
+            </p:extLst>
+          </p:nvPr>
+        </p:nvSpPr>
+        <p:spPr>
+          <a:xfrm>
+            <a:off x="462058" y="450222"/>
+            <a:ext cx="5242262" cy="2781866"/>
+          </a:xfrm>
+          <a:prstGeom prst="rect">
+            <a:avLst/>
+          </a:prstGeom>
+          <a:solidFill>
+            <a:srgbClr val="595959"/>
+          </a:solidFill>
+          <a:ln w="25400">
+            <a:noFill/>
+          </a:ln>
+        </p:spPr>
+        <p:style>
+          <a:lnRef idx="2">
+            <a:schemeClr val="accent1">
+              <a:shade val="50000"/>
+            </a:schemeClr>
+          </a:lnRef>
+          <a:fillRef idx="1">
+            <a:schemeClr val="accent1"/>
+          </a:fillRef>
+          <a:effectRef idx="0">
+            <a:schemeClr val="accent1"/>
+          </a:effectRef>
+          <a:fontRef idx="minor">
+            <a:schemeClr val="lt1"/>
+          </a:fontRef>
+        </p:style>
+        <p:txBody>
+          <a:bodyPr rtlCol="0" anchor="ctr"/>
+          <a:lstStyle/>
+          <a:p>
+            <a:pPr algn="ctr"/>
+            <a:endParaRPr lang="en-US">
+              <a:solidFill>
+                <a:srgbClr val="FFFFFF"/>
+              </a:solidFill>
+            </a:endParaRPr>
+          </a:p>
+        </p:txBody>
+      </p:sp>
+      <p:sp>
+        <p:nvSpPr>
           <p:cNvPr id="2" name="Title 1">
             <a:extLst>
               <a:ext uri="{FF2B5EF4-FFF2-40B4-BE49-F238E27FC236}">
@@ -5290,13 +8531,24 @@
             <p:ph type="title"/>
           </p:nvPr>
         </p:nvSpPr>
-        <p:spPr/>
-        <p:txBody>
-          <a:bodyPr/>
-          <a:lstStyle/>
-          <a:p>
-            <a:r>
-              <a:rPr lang="en-US" dirty="0"/>
+        <p:spPr>
+          <a:xfrm>
+            <a:off x="774699" y="762000"/>
+            <a:ext cx="4646387" cy="2144162"/>
+          </a:xfrm>
+        </p:spPr>
+        <p:txBody>
+          <a:bodyPr>
+            <a:normAutofit/>
+          </a:bodyPr>
+          <a:lstStyle/>
+          <a:p>
+            <a:r>
+              <a:rPr lang="en-US" sz="4000">
+                <a:solidFill>
+                  <a:srgbClr val="FFFFFF"/>
+                </a:solidFill>
+              </a:rPr>
               <a:t>Problem Identification</a:t>
             </a:r>
           </a:p>
@@ -5304,6 +8556,209 @@
       </p:sp>
       <p:sp>
         <p:nvSpPr>
+          <p:cNvPr id="21" name="Rectangle 11">
+            <a:extLst>
+              <a:ext uri="{FF2B5EF4-FFF2-40B4-BE49-F238E27FC236}">
+                <a16:creationId xmlns:a16="http://schemas.microsoft.com/office/drawing/2014/main" id="{2A8B9026-04DF-499B-A388-67FCB7435E5F}"/>
+              </a:ext>
+              <a:ext uri="{C183D7F6-B498-43B3-948B-1728B52AA6E4}">
+                <adec:decorative xmlns:adec="http://schemas.microsoft.com/office/drawing/2017/decorative" val="1"/>
+              </a:ext>
+            </a:extLst>
+          </p:cNvPr>
+          <p:cNvSpPr>
+            <a:spLocks noGrp="1" noRot="1" noChangeAspect="1" noMove="1" noResize="1" noEditPoints="1" noAdjustHandles="1" noChangeArrowheads="1" noChangeShapeType="1" noTextEdit="1"/>
+          </p:cNvSpPr>
+          <p:nvPr>
+            <p:extLst>
+              <p:ext uri="{386F3935-93C4-4BCD-93E2-E3B085C9AB24}">
+                <p16:designElem xmlns:p16="http://schemas.microsoft.com/office/powerpoint/2015/main" val="1"/>
+              </p:ext>
+            </p:extLst>
+          </p:nvPr>
+        </p:nvSpPr>
+        <p:spPr>
+          <a:xfrm>
+            <a:off x="5874405" y="459771"/>
+            <a:ext cx="1294599" cy="1296997"/>
+          </a:xfrm>
+          <a:prstGeom prst="rect">
+            <a:avLst/>
+          </a:prstGeom>
+          <a:solidFill>
+            <a:srgbClr val="19D2F9"/>
+          </a:solidFill>
+          <a:ln w="25400">
+            <a:noFill/>
+          </a:ln>
+        </p:spPr>
+        <p:style>
+          <a:lnRef idx="2">
+            <a:schemeClr val="accent1">
+              <a:shade val="50000"/>
+            </a:schemeClr>
+          </a:lnRef>
+          <a:fillRef idx="1">
+            <a:schemeClr val="accent1"/>
+          </a:fillRef>
+          <a:effectRef idx="0">
+            <a:schemeClr val="accent1"/>
+          </a:effectRef>
+          <a:fontRef idx="minor">
+            <a:schemeClr val="lt1"/>
+          </a:fontRef>
+        </p:style>
+        <p:txBody>
+          <a:bodyPr rtlCol="0" anchor="ctr"/>
+          <a:lstStyle/>
+          <a:p>
+            <a:pPr algn="ctr"/>
+            <a:endParaRPr lang="en-US">
+              <a:solidFill>
+                <a:srgbClr val="FFFFFF"/>
+              </a:solidFill>
+            </a:endParaRPr>
+          </a:p>
+        </p:txBody>
+      </p:sp>
+      <p:sp>
+        <p:nvSpPr>
+          <p:cNvPr id="22" name="Rectangle 13">
+            <a:extLst>
+              <a:ext uri="{FF2B5EF4-FFF2-40B4-BE49-F238E27FC236}">
+                <a16:creationId xmlns:a16="http://schemas.microsoft.com/office/drawing/2014/main" id="{05CC4153-3F0D-4F4C-8F12-E8FC3FA40AEE}"/>
+              </a:ext>
+              <a:ext uri="{C183D7F6-B498-43B3-948B-1728B52AA6E4}">
+                <adec:decorative xmlns:adec="http://schemas.microsoft.com/office/drawing/2017/decorative" val="1"/>
+              </a:ext>
+            </a:extLst>
+          </p:cNvPr>
+          <p:cNvSpPr>
+            <a:spLocks noGrp="1" noRot="1" noChangeAspect="1" noMove="1" noResize="1" noEditPoints="1" noAdjustHandles="1" noChangeArrowheads="1" noChangeShapeType="1" noTextEdit="1"/>
+          </p:cNvSpPr>
+          <p:nvPr>
+            <p:extLst>
+              <p:ext uri="{386F3935-93C4-4BCD-93E2-E3B085C9AB24}">
+                <p16:designElem xmlns:p16="http://schemas.microsoft.com/office/powerpoint/2015/main" val="1"/>
+              </p:ext>
+            </p:extLst>
+          </p:nvPr>
+        </p:nvSpPr>
+        <p:spPr>
+          <a:xfrm>
+            <a:off x="5868955" y="1935089"/>
+            <a:ext cx="1294599" cy="1296998"/>
+          </a:xfrm>
+          <a:prstGeom prst="rect">
+            <a:avLst/>
+          </a:prstGeom>
+          <a:solidFill>
+            <a:srgbClr val="4E3654">
+              <a:alpha val="95000"/>
+            </a:srgbClr>
+          </a:solidFill>
+          <a:ln w="25400">
+            <a:noFill/>
+          </a:ln>
+        </p:spPr>
+        <p:style>
+          <a:lnRef idx="2">
+            <a:schemeClr val="accent1">
+              <a:shade val="50000"/>
+            </a:schemeClr>
+          </a:lnRef>
+          <a:fillRef idx="1">
+            <a:schemeClr val="accent1"/>
+          </a:fillRef>
+          <a:effectRef idx="0">
+            <a:schemeClr val="accent1"/>
+          </a:effectRef>
+          <a:fontRef idx="minor">
+            <a:schemeClr val="lt1"/>
+          </a:fontRef>
+        </p:style>
+        <p:txBody>
+          <a:bodyPr rtlCol="0" anchor="ctr"/>
+          <a:lstStyle/>
+          <a:p>
+            <a:pPr algn="ctr"/>
+            <a:endParaRPr lang="en-US">
+              <a:solidFill>
+                <a:srgbClr val="FFFFFF"/>
+              </a:solidFill>
+            </a:endParaRPr>
+          </a:p>
+        </p:txBody>
+      </p:sp>
+      <p:sp>
+        <p:nvSpPr>
+          <p:cNvPr id="23" name="Rectangle 15">
+            <a:extLst>
+              <a:ext uri="{FF2B5EF4-FFF2-40B4-BE49-F238E27FC236}">
+                <a16:creationId xmlns:a16="http://schemas.microsoft.com/office/drawing/2014/main" id="{1C091803-41C2-48E0-9228-5148460C7479}"/>
+              </a:ext>
+              <a:ext uri="{C183D7F6-B498-43B3-948B-1728B52AA6E4}">
+                <adec:decorative xmlns:adec="http://schemas.microsoft.com/office/drawing/2017/decorative" val="1"/>
+              </a:ext>
+            </a:extLst>
+          </p:cNvPr>
+          <p:cNvSpPr>
+            <a:spLocks noGrp="1" noRot="1" noChangeAspect="1" noMove="1" noResize="1" noEditPoints="1" noAdjustHandles="1" noChangeArrowheads="1" noChangeShapeType="1" noTextEdit="1"/>
+          </p:cNvSpPr>
+          <p:nvPr>
+            <p:extLst>
+              <p:ext uri="{386F3935-93C4-4BCD-93E2-E3B085C9AB24}">
+                <p16:designElem xmlns:p16="http://schemas.microsoft.com/office/powerpoint/2015/main" val="1"/>
+              </p:ext>
+            </p:extLst>
+          </p:nvPr>
+        </p:nvSpPr>
+        <p:spPr>
+          <a:xfrm>
+            <a:off x="462058" y="3395974"/>
+            <a:ext cx="6706946" cy="3006661"/>
+          </a:xfrm>
+          <a:prstGeom prst="rect">
+            <a:avLst/>
+          </a:prstGeom>
+          <a:solidFill>
+            <a:schemeClr val="tx1">
+              <a:lumMod val="50000"/>
+              <a:lumOff val="50000"/>
+              <a:alpha val="20000"/>
+            </a:schemeClr>
+          </a:solidFill>
+          <a:ln>
+            <a:noFill/>
+          </a:ln>
+        </p:spPr>
+        <p:style>
+          <a:lnRef idx="2">
+            <a:schemeClr val="accent1">
+              <a:shade val="50000"/>
+            </a:schemeClr>
+          </a:lnRef>
+          <a:fillRef idx="1">
+            <a:schemeClr val="accent1"/>
+          </a:fillRef>
+          <a:effectRef idx="0">
+            <a:schemeClr val="accent1"/>
+          </a:effectRef>
+          <a:fontRef idx="minor">
+            <a:schemeClr val="lt1"/>
+          </a:fontRef>
+        </p:style>
+        <p:txBody>
+          <a:bodyPr rtlCol="0" anchor="ctr"/>
+          <a:lstStyle/>
+          <a:p>
+            <a:pPr algn="ctr"/>
+            <a:endParaRPr lang="en-US"/>
+          </a:p>
+        </p:txBody>
+      </p:sp>
+      <p:sp>
+        <p:nvSpPr>
           <p:cNvPr id="3" name="Content Placeholder 2">
             <a:extLst>
               <a:ext uri="{FF2B5EF4-FFF2-40B4-BE49-F238E27FC236}">
@@ -5318,45 +8773,52 @@
             <p:ph idx="1"/>
           </p:nvPr>
         </p:nvSpPr>
-        <p:spPr/>
-        <p:txBody>
-          <a:bodyPr/>
-          <a:lstStyle/>
-          <a:p>
-            <a:endParaRPr lang="en-US" dirty="0"/>
-          </a:p>
-          <a:p>
-            <a:r>
-              <a:rPr lang="en-US" dirty="0"/>
+        <p:spPr>
+          <a:xfrm>
+            <a:off x="774698" y="3648548"/>
+            <a:ext cx="6108726" cy="2481864"/>
+          </a:xfrm>
+        </p:spPr>
+        <p:txBody>
+          <a:bodyPr anchor="ctr">
+            <a:normAutofit/>
+          </a:bodyPr>
+          <a:lstStyle/>
+          <a:p>
+            <a:endParaRPr lang="en-US" sz="1900"/>
+          </a:p>
+          <a:p>
+            <a:r>
+              <a:rPr lang="en-US" sz="1900"/>
               <a:t>UK. GOV/ Kaggle Data Source</a:t>
             </a:r>
           </a:p>
           <a:p>
-            <a:endParaRPr lang="en-US" dirty="0"/>
-          </a:p>
-          <a:p>
-            <a:r>
-              <a:rPr lang="en-US" dirty="0"/>
+            <a:endParaRPr lang="en-US" sz="1900"/>
+          </a:p>
+          <a:p>
+            <a:r>
+              <a:rPr lang="en-US" sz="1900"/>
               <a:t>Dataset – accidents 2004-2016</a:t>
             </a:r>
           </a:p>
           <a:p>
-            <a:endParaRPr lang="en-US" dirty="0"/>
-          </a:p>
-          <a:p>
-            <a:r>
-              <a:rPr lang="en-US" dirty="0"/>
+            <a:endParaRPr lang="en-US" sz="1900"/>
+          </a:p>
+          <a:p>
+            <a:r>
+              <a:rPr lang="en-US" sz="1900"/>
               <a:t>Contains 57 Features/ ~2 million Rows</a:t>
             </a:r>
           </a:p>
           <a:p>
-            <a:endParaRPr lang="en-US" dirty="0"/>
-          </a:p>
-          <a:p>
-            <a:endParaRPr lang="en-US" dirty="0"/>
-          </a:p>
-          <a:p>
-            <a:endParaRPr lang="en-US" dirty="0"/>
+            <a:endParaRPr lang="en-US" sz="1900"/>
+          </a:p>
+          <a:p>
+            <a:endParaRPr lang="en-US" sz="1900"/>
+          </a:p>
+          <a:p>
+            <a:endParaRPr lang="en-US" sz="1900"/>
           </a:p>
         </p:txBody>
       </p:sp>
@@ -5374,16 +8836,15 @@
           </p:cNvPicPr>
           <p:nvPr/>
         </p:nvPicPr>
-        <p:blipFill>
+        <p:blipFill rotWithShape="1">
           <a:blip r:embed="rId2"/>
-          <a:stretch>
-            <a:fillRect/>
-          </a:stretch>
+          <a:srcRect t="27860" r="-1" b="20737"/>
+          <a:stretch/>
         </p:blipFill>
         <p:spPr>
           <a:xfrm>
-            <a:off x="8615227" y="193541"/>
-            <a:ext cx="2279009" cy="6031189"/>
+            <a:off x="7339089" y="450221"/>
+            <a:ext cx="4371502" cy="5952414"/>
           </a:xfrm>
           <a:prstGeom prst="rect">
             <a:avLst/>
@@ -5406,6 +8867,14 @@
 <file path=ppt/slides/slide4.xml><?xml version="1.0" encoding="utf-8"?>
 <p:sld xmlns:a="http://schemas.openxmlformats.org/drawingml/2006/main" xmlns:r="http://schemas.openxmlformats.org/officeDocument/2006/relationships" xmlns:p="http://schemas.openxmlformats.org/presentationml/2006/main">
   <p:cSld>
+    <p:bg>
+      <p:bgPr>
+        <a:solidFill>
+          <a:schemeClr val="bg1"/>
+        </a:solidFill>
+        <a:effectLst/>
+      </p:bgPr>
+    </p:bg>
     <p:spTree>
       <p:nvGrpSpPr>
         <p:cNvPr id="1" name=""/>
@@ -5422,6 +8891,73 @@
       </p:grpSpPr>
       <p:sp>
         <p:nvSpPr>
+          <p:cNvPr id="10" name="Rectangle 9">
+            <a:extLst>
+              <a:ext uri="{FF2B5EF4-FFF2-40B4-BE49-F238E27FC236}">
+                <a16:creationId xmlns:a16="http://schemas.microsoft.com/office/drawing/2014/main" id="{B775CD93-9DF2-48CB-9F57-1BCA9A46C7FA}"/>
+              </a:ext>
+              <a:ext uri="{C183D7F6-B498-43B3-948B-1728B52AA6E4}">
+                <adec:decorative xmlns:adec="http://schemas.microsoft.com/office/drawing/2017/decorative" val="1"/>
+              </a:ext>
+            </a:extLst>
+          </p:cNvPr>
+          <p:cNvSpPr>
+            <a:spLocks noGrp="1" noRot="1" noChangeAspect="1" noMove="1" noResize="1" noEditPoints="1" noAdjustHandles="1" noChangeArrowheads="1" noChangeShapeType="1" noTextEdit="1"/>
+          </p:cNvSpPr>
+          <p:nvPr>
+            <p:extLst>
+              <p:ext uri="{386F3935-93C4-4BCD-93E2-E3B085C9AB24}">
+                <p16:designElem xmlns:p16="http://schemas.microsoft.com/office/powerpoint/2015/main" val="1"/>
+              </p:ext>
+            </p:extLst>
+          </p:nvPr>
+        </p:nvSpPr>
+        <p:spPr>
+          <a:xfrm>
+            <a:off x="458922" y="453981"/>
+            <a:ext cx="6675120" cy="1877811"/>
+          </a:xfrm>
+          <a:prstGeom prst="rect">
+            <a:avLst/>
+          </a:prstGeom>
+          <a:solidFill>
+            <a:srgbClr val="613D35"/>
+          </a:solidFill>
+          <a:ln w="25400">
+            <a:noFill/>
+          </a:ln>
+        </p:spPr>
+        <p:style>
+          <a:lnRef idx="2">
+            <a:schemeClr val="accent1">
+              <a:shade val="50000"/>
+            </a:schemeClr>
+          </a:lnRef>
+          <a:fillRef idx="1">
+            <a:schemeClr val="accent1"/>
+          </a:fillRef>
+          <a:effectRef idx="0">
+            <a:schemeClr val="accent1"/>
+          </a:effectRef>
+          <a:fontRef idx="minor">
+            <a:schemeClr val="lt1"/>
+          </a:fontRef>
+        </p:style>
+        <p:txBody>
+          <a:bodyPr rtlCol="0" anchor="ctr"/>
+          <a:lstStyle/>
+          <a:p>
+            <a:pPr algn="ctr"/>
+            <a:endParaRPr lang="en-US">
+              <a:solidFill>
+                <a:srgbClr val="FFFFFF"/>
+              </a:solidFill>
+            </a:endParaRPr>
+          </a:p>
+        </p:txBody>
+      </p:sp>
+      <p:sp>
+        <p:nvSpPr>
           <p:cNvPr id="2" name="Title 1">
             <a:extLst>
               <a:ext uri="{FF2B5EF4-FFF2-40B4-BE49-F238E27FC236}">
@@ -5436,35 +8972,12 @@
             <p:ph type="title"/>
           </p:nvPr>
         </p:nvSpPr>
-        <p:spPr/>
-        <p:txBody>
-          <a:bodyPr/>
-          <a:lstStyle/>
-          <a:p>
-            <a:r>
-              <a:rPr lang="en-US" dirty="0"/>
-              <a:t>Organization</a:t>
-            </a:r>
-          </a:p>
-        </p:txBody>
-      </p:sp>
-      <p:sp>
-        <p:nvSpPr>
-          <p:cNvPr id="3" name="Content Placeholder 2">
-            <a:extLst>
-              <a:ext uri="{FF2B5EF4-FFF2-40B4-BE49-F238E27FC236}">
-                <a16:creationId xmlns:a16="http://schemas.microsoft.com/office/drawing/2014/main" id="{B6731E84-F52C-49AB-B83A-F3906C0E444A}"/>
-              </a:ext>
-            </a:extLst>
-          </p:cNvPr>
-          <p:cNvSpPr>
-            <a:spLocks noGrp="1"/>
-          </p:cNvSpPr>
-          <p:nvPr>
-            <p:ph idx="1"/>
-          </p:nvPr>
-        </p:nvSpPr>
-        <p:spPr/>
+        <p:spPr>
+          <a:xfrm>
+            <a:off x="731520" y="731520"/>
+            <a:ext cx="6089904" cy="1426464"/>
+          </a:xfrm>
+        </p:spPr>
         <p:txBody>
           <a:bodyPr>
             <a:normAutofit/>
@@ -5472,38 +8985,275 @@
           <a:lstStyle/>
           <a:p>
             <a:r>
-              <a:rPr lang="en-US" dirty="0"/>
+              <a:rPr lang="en-US">
+                <a:solidFill>
+                  <a:srgbClr val="FFFFFF"/>
+                </a:solidFill>
+              </a:rPr>
+              <a:t>Organization</a:t>
+            </a:r>
+          </a:p>
+        </p:txBody>
+      </p:sp>
+      <p:sp>
+        <p:nvSpPr>
+          <p:cNvPr id="12" name="Rectangle 11">
+            <a:extLst>
+              <a:ext uri="{FF2B5EF4-FFF2-40B4-BE49-F238E27FC236}">
+                <a16:creationId xmlns:a16="http://schemas.microsoft.com/office/drawing/2014/main" id="{6166C6D1-23AC-49C4-BA07-238E4E9F8CEB}"/>
+              </a:ext>
+              <a:ext uri="{C183D7F6-B498-43B3-948B-1728B52AA6E4}">
+                <adec:decorative xmlns:adec="http://schemas.microsoft.com/office/drawing/2017/decorative" val="1"/>
+              </a:ext>
+            </a:extLst>
+          </p:cNvPr>
+          <p:cNvSpPr>
+            <a:spLocks noGrp="1" noRot="1" noChangeAspect="1" noMove="1" noResize="1" noEditPoints="1" noAdjustHandles="1" noChangeArrowheads="1" noChangeShapeType="1" noTextEdit="1"/>
+          </p:cNvSpPr>
+          <p:nvPr>
+            <p:extLst>
+              <p:ext uri="{386F3935-93C4-4BCD-93E2-E3B085C9AB24}">
+                <p16:designElem xmlns:p16="http://schemas.microsoft.com/office/powerpoint/2015/main" val="1"/>
+              </p:ext>
+            </p:extLst>
+          </p:nvPr>
+        </p:nvSpPr>
+        <p:spPr>
+          <a:xfrm>
+            <a:off x="7277100" y="461737"/>
+            <a:ext cx="2149361" cy="1870055"/>
+          </a:xfrm>
+          <a:prstGeom prst="rect">
+            <a:avLst/>
+          </a:prstGeom>
+          <a:solidFill>
+            <a:schemeClr val="accent5">
+              <a:alpha val="95000"/>
+            </a:schemeClr>
+          </a:solidFill>
+          <a:ln w="25400">
+            <a:noFill/>
+          </a:ln>
+        </p:spPr>
+        <p:style>
+          <a:lnRef idx="2">
+            <a:schemeClr val="accent1">
+              <a:shade val="50000"/>
+            </a:schemeClr>
+          </a:lnRef>
+          <a:fillRef idx="1">
+            <a:schemeClr val="accent1"/>
+          </a:fillRef>
+          <a:effectRef idx="0">
+            <a:schemeClr val="accent1"/>
+          </a:effectRef>
+          <a:fontRef idx="minor">
+            <a:schemeClr val="lt1"/>
+          </a:fontRef>
+        </p:style>
+        <p:txBody>
+          <a:bodyPr rtlCol="0" anchor="ctr"/>
+          <a:lstStyle/>
+          <a:p>
+            <a:pPr algn="ctr"/>
+            <a:endParaRPr lang="en-US">
+              <a:solidFill>
+                <a:srgbClr val="FFFFFF"/>
+              </a:solidFill>
+            </a:endParaRPr>
+          </a:p>
+        </p:txBody>
+      </p:sp>
+      <p:sp>
+        <p:nvSpPr>
+          <p:cNvPr id="14" name="Rectangle 13">
+            <a:extLst>
+              <a:ext uri="{FF2B5EF4-FFF2-40B4-BE49-F238E27FC236}">
+                <a16:creationId xmlns:a16="http://schemas.microsoft.com/office/drawing/2014/main" id="{E186B68C-84BC-4A6E-99D1-EE87483C1349}"/>
+              </a:ext>
+              <a:ext uri="{C183D7F6-B498-43B3-948B-1728B52AA6E4}">
+                <adec:decorative xmlns:adec="http://schemas.microsoft.com/office/drawing/2017/decorative" val="1"/>
+              </a:ext>
+            </a:extLst>
+          </p:cNvPr>
+          <p:cNvSpPr>
+            <a:spLocks noGrp="1" noRot="1" noChangeAspect="1" noMove="1" noResize="1" noEditPoints="1" noAdjustHandles="1" noChangeArrowheads="1" noChangeShapeType="1" noTextEdit="1"/>
+          </p:cNvSpPr>
+          <p:nvPr>
+            <p:extLst>
+              <p:ext uri="{386F3935-93C4-4BCD-93E2-E3B085C9AB24}">
+                <p16:designElem xmlns:p16="http://schemas.microsoft.com/office/powerpoint/2015/main" val="1"/>
+              </p:ext>
+            </p:extLst>
+          </p:nvPr>
+        </p:nvSpPr>
+        <p:spPr>
+          <a:xfrm>
+            <a:off x="9573768" y="453155"/>
+            <a:ext cx="2149358" cy="1878638"/>
+          </a:xfrm>
+          <a:prstGeom prst="rect">
+            <a:avLst/>
+          </a:prstGeom>
+          <a:solidFill>
+            <a:srgbClr val="7FBECA"/>
+          </a:solidFill>
+          <a:ln w="25400">
+            <a:noFill/>
+          </a:ln>
+        </p:spPr>
+        <p:style>
+          <a:lnRef idx="2">
+            <a:schemeClr val="accent1">
+              <a:shade val="50000"/>
+            </a:schemeClr>
+          </a:lnRef>
+          <a:fillRef idx="1">
+            <a:schemeClr val="accent1"/>
+          </a:fillRef>
+          <a:effectRef idx="0">
+            <a:schemeClr val="accent1"/>
+          </a:effectRef>
+          <a:fontRef idx="minor">
+            <a:schemeClr val="lt1"/>
+          </a:fontRef>
+        </p:style>
+        <p:txBody>
+          <a:bodyPr rtlCol="0" anchor="ctr"/>
+          <a:lstStyle/>
+          <a:p>
+            <a:pPr algn="ctr"/>
+            <a:endParaRPr lang="en-US">
+              <a:solidFill>
+                <a:srgbClr val="FFFFFF"/>
+              </a:solidFill>
+            </a:endParaRPr>
+          </a:p>
+        </p:txBody>
+      </p:sp>
+      <p:sp>
+        <p:nvSpPr>
+          <p:cNvPr id="16" name="Rectangle 15">
+            <a:extLst>
+              <a:ext uri="{FF2B5EF4-FFF2-40B4-BE49-F238E27FC236}">
+                <a16:creationId xmlns:a16="http://schemas.microsoft.com/office/drawing/2014/main" id="{1C091803-41C2-48E0-9228-5148460C7479}"/>
+              </a:ext>
+              <a:ext uri="{C183D7F6-B498-43B3-948B-1728B52AA6E4}">
+                <adec:decorative xmlns:adec="http://schemas.microsoft.com/office/drawing/2017/decorative" val="1"/>
+              </a:ext>
+            </a:extLst>
+          </p:cNvPr>
+          <p:cNvSpPr>
+            <a:spLocks noGrp="1" noRot="1" noChangeAspect="1" noMove="1" noResize="1" noEditPoints="1" noAdjustHandles="1" noChangeArrowheads="1" noChangeShapeType="1" noTextEdit="1"/>
+          </p:cNvSpPr>
+          <p:nvPr>
+            <p:extLst>
+              <p:ext uri="{386F3935-93C4-4BCD-93E2-E3B085C9AB24}">
+                <p16:designElem xmlns:p16="http://schemas.microsoft.com/office/powerpoint/2015/main" val="1"/>
+              </p:ext>
+            </p:extLst>
+          </p:nvPr>
+        </p:nvSpPr>
+        <p:spPr>
+          <a:xfrm>
+            <a:off x="458920" y="2480956"/>
+            <a:ext cx="6675121" cy="3918122"/>
+          </a:xfrm>
+          <a:prstGeom prst="rect">
+            <a:avLst/>
+          </a:prstGeom>
+          <a:solidFill>
+            <a:schemeClr val="tx1">
+              <a:lumMod val="50000"/>
+              <a:lumOff val="50000"/>
+              <a:alpha val="20000"/>
+            </a:schemeClr>
+          </a:solidFill>
+          <a:ln>
+            <a:noFill/>
+          </a:ln>
+        </p:spPr>
+        <p:style>
+          <a:lnRef idx="2">
+            <a:schemeClr val="accent1">
+              <a:shade val="50000"/>
+            </a:schemeClr>
+          </a:lnRef>
+          <a:fillRef idx="1">
+            <a:schemeClr val="accent1"/>
+          </a:fillRef>
+          <a:effectRef idx="0">
+            <a:schemeClr val="accent1"/>
+          </a:effectRef>
+          <a:fontRef idx="minor">
+            <a:schemeClr val="lt1"/>
+          </a:fontRef>
+        </p:style>
+        <p:txBody>
+          <a:bodyPr rtlCol="0" anchor="ctr"/>
+          <a:lstStyle/>
+          <a:p>
+            <a:pPr algn="ctr"/>
+            <a:endParaRPr lang="en-US"/>
+          </a:p>
+        </p:txBody>
+      </p:sp>
+      <p:sp>
+        <p:nvSpPr>
+          <p:cNvPr id="3" name="Content Placeholder 2">
+            <a:extLst>
+              <a:ext uri="{FF2B5EF4-FFF2-40B4-BE49-F238E27FC236}">
+                <a16:creationId xmlns:a16="http://schemas.microsoft.com/office/drawing/2014/main" id="{B6731E84-F52C-49AB-B83A-F3906C0E444A}"/>
+              </a:ext>
+            </a:extLst>
+          </p:cNvPr>
+          <p:cNvSpPr>
+            <a:spLocks noGrp="1"/>
+          </p:cNvSpPr>
+          <p:nvPr>
+            <p:ph idx="1"/>
+          </p:nvPr>
+        </p:nvSpPr>
+        <p:spPr>
+          <a:xfrm>
+            <a:off x="789456" y="2798385"/>
+            <a:ext cx="6031967" cy="3283260"/>
+          </a:xfrm>
+        </p:spPr>
+        <p:txBody>
+          <a:bodyPr anchor="ctr">
+            <a:normAutofit/>
+          </a:bodyPr>
+          <a:lstStyle/>
+          <a:p>
+            <a:r>
+              <a:rPr lang="en-US" sz="2000"/>
               <a:t>Virtual Environment</a:t>
             </a:r>
           </a:p>
           <a:p>
-            <a:endParaRPr lang="en-US" dirty="0"/>
-          </a:p>
-          <a:p>
-            <a:r>
-              <a:rPr lang="en-US" dirty="0" err="1"/>
-              <a:t>CookieCutter</a:t>
-            </a:r>
-            <a:r>
-              <a:rPr lang="en-US" dirty="0"/>
-              <a:t> </a:t>
-            </a:r>
-          </a:p>
-          <a:p>
-            <a:endParaRPr lang="en-US" dirty="0"/>
-          </a:p>
-          <a:p>
-            <a:r>
-              <a:rPr lang="en-US" dirty="0" err="1"/>
+            <a:endParaRPr lang="en-US" sz="2000"/>
+          </a:p>
+          <a:p>
+            <a:r>
+              <a:rPr lang="en-US" sz="2000"/>
+              <a:t>CookieCutter </a:t>
+            </a:r>
+          </a:p>
+          <a:p>
+            <a:endParaRPr lang="en-US" sz="2000"/>
+          </a:p>
+          <a:p>
+            <a:r>
+              <a:rPr lang="en-US" sz="2000"/>
               <a:t>Github</a:t>
             </a:r>
-            <a:endParaRPr lang="en-US" dirty="0"/>
-          </a:p>
-          <a:p>
-            <a:endParaRPr lang="en-US" dirty="0"/>
-          </a:p>
-          <a:p>
-            <a:endParaRPr lang="en-US" dirty="0"/>
+          </a:p>
+          <a:p>
+            <a:endParaRPr lang="en-US" sz="2000"/>
+          </a:p>
+          <a:p>
+            <a:endParaRPr lang="en-US" sz="2000"/>
           </a:p>
         </p:txBody>
       </p:sp>
@@ -5521,16 +9271,15 @@
           </p:cNvPicPr>
           <p:nvPr/>
         </p:nvPicPr>
-        <p:blipFill>
+        <p:blipFill rotWithShape="1">
           <a:blip r:embed="rId2"/>
-          <a:stretch>
-            <a:fillRect/>
-          </a:stretch>
+          <a:srcRect b="9117"/>
+          <a:stretch/>
         </p:blipFill>
         <p:spPr>
           <a:xfrm>
-            <a:off x="5729340" y="681037"/>
-            <a:ext cx="5624459" cy="5437980"/>
+            <a:off x="7277100" y="2480954"/>
+            <a:ext cx="4455979" cy="3918123"/>
           </a:xfrm>
           <a:prstGeom prst="rect">
             <a:avLst/>
@@ -5553,6 +9302,14 @@
 <file path=ppt/slides/slide5.xml><?xml version="1.0" encoding="utf-8"?>
 <p:sld xmlns:a="http://schemas.openxmlformats.org/drawingml/2006/main" xmlns:r="http://schemas.openxmlformats.org/officeDocument/2006/relationships" xmlns:p="http://schemas.openxmlformats.org/presentationml/2006/main">
   <p:cSld>
+    <p:bg>
+      <p:bgPr>
+        <a:solidFill>
+          <a:schemeClr val="bg1"/>
+        </a:solidFill>
+        <a:effectLst/>
+      </p:bgPr>
+    </p:bg>
     <p:spTree>
       <p:nvGrpSpPr>
         <p:cNvPr id="1" name=""/>
@@ -5569,6 +9326,73 @@
       </p:grpSpPr>
       <p:sp>
         <p:nvSpPr>
+          <p:cNvPr id="8" name="Rectangle 7">
+            <a:extLst>
+              <a:ext uri="{FF2B5EF4-FFF2-40B4-BE49-F238E27FC236}">
+                <a16:creationId xmlns:a16="http://schemas.microsoft.com/office/drawing/2014/main" id="{B775CD93-9DF2-48CB-9F57-1BCA9A46C7FA}"/>
+              </a:ext>
+              <a:ext uri="{C183D7F6-B498-43B3-948B-1728B52AA6E4}">
+                <adec:decorative xmlns:adec="http://schemas.microsoft.com/office/drawing/2017/decorative" val="1"/>
+              </a:ext>
+            </a:extLst>
+          </p:cNvPr>
+          <p:cNvSpPr>
+            <a:spLocks noGrp="1" noRot="1" noChangeAspect="1" noMove="1" noResize="1" noEditPoints="1" noAdjustHandles="1" noChangeArrowheads="1" noChangeShapeType="1" noTextEdit="1"/>
+          </p:cNvSpPr>
+          <p:nvPr>
+            <p:extLst>
+              <p:ext uri="{386F3935-93C4-4BCD-93E2-E3B085C9AB24}">
+                <p16:designElem xmlns:p16="http://schemas.microsoft.com/office/powerpoint/2015/main" val="1"/>
+              </p:ext>
+            </p:extLst>
+          </p:nvPr>
+        </p:nvSpPr>
+        <p:spPr>
+          <a:xfrm>
+            <a:off x="458922" y="453981"/>
+            <a:ext cx="6675120" cy="1877811"/>
+          </a:xfrm>
+          <a:prstGeom prst="rect">
+            <a:avLst/>
+          </a:prstGeom>
+          <a:solidFill>
+            <a:srgbClr val="595959"/>
+          </a:solidFill>
+          <a:ln w="25400">
+            <a:noFill/>
+          </a:ln>
+        </p:spPr>
+        <p:style>
+          <a:lnRef idx="2">
+            <a:schemeClr val="accent1">
+              <a:shade val="50000"/>
+            </a:schemeClr>
+          </a:lnRef>
+          <a:fillRef idx="1">
+            <a:schemeClr val="accent1"/>
+          </a:fillRef>
+          <a:effectRef idx="0">
+            <a:schemeClr val="accent1"/>
+          </a:effectRef>
+          <a:fontRef idx="minor">
+            <a:schemeClr val="lt1"/>
+          </a:fontRef>
+        </p:style>
+        <p:txBody>
+          <a:bodyPr rtlCol="0" anchor="ctr"/>
+          <a:lstStyle/>
+          <a:p>
+            <a:pPr algn="ctr"/>
+            <a:endParaRPr lang="en-US">
+              <a:solidFill>
+                <a:srgbClr val="FFFFFF"/>
+              </a:solidFill>
+            </a:endParaRPr>
+          </a:p>
+        </p:txBody>
+      </p:sp>
+      <p:sp>
+        <p:nvSpPr>
           <p:cNvPr id="2" name="Title 1">
             <a:extLst>
               <a:ext uri="{FF2B5EF4-FFF2-40B4-BE49-F238E27FC236}">
@@ -5583,13 +9407,24 @@
             <p:ph type="title"/>
           </p:nvPr>
         </p:nvSpPr>
-        <p:spPr/>
-        <p:txBody>
-          <a:bodyPr/>
-          <a:lstStyle/>
-          <a:p>
-            <a:r>
-              <a:rPr lang="en-US" dirty="0"/>
+        <p:spPr>
+          <a:xfrm>
+            <a:off x="731520" y="731520"/>
+            <a:ext cx="6089904" cy="1426464"/>
+          </a:xfrm>
+        </p:spPr>
+        <p:txBody>
+          <a:bodyPr>
+            <a:normAutofit/>
+          </a:bodyPr>
+          <a:lstStyle/>
+          <a:p>
+            <a:r>
+              <a:rPr lang="en-US">
+                <a:solidFill>
+                  <a:srgbClr val="FFFFFF"/>
+                </a:solidFill>
+              </a:rPr>
               <a:t>Wrangling/Cleaning</a:t>
             </a:r>
           </a:p>
@@ -5597,6 +9432,209 @@
       </p:sp>
       <p:sp>
         <p:nvSpPr>
+          <p:cNvPr id="10" name="Rectangle 9">
+            <a:extLst>
+              <a:ext uri="{FF2B5EF4-FFF2-40B4-BE49-F238E27FC236}">
+                <a16:creationId xmlns:a16="http://schemas.microsoft.com/office/drawing/2014/main" id="{6166C6D1-23AC-49C4-BA07-238E4E9F8CEB}"/>
+              </a:ext>
+              <a:ext uri="{C183D7F6-B498-43B3-948B-1728B52AA6E4}">
+                <adec:decorative xmlns:adec="http://schemas.microsoft.com/office/drawing/2017/decorative" val="1"/>
+              </a:ext>
+            </a:extLst>
+          </p:cNvPr>
+          <p:cNvSpPr>
+            <a:spLocks noGrp="1" noRot="1" noChangeAspect="1" noMove="1" noResize="1" noEditPoints="1" noAdjustHandles="1" noChangeArrowheads="1" noChangeShapeType="1" noTextEdit="1"/>
+          </p:cNvSpPr>
+          <p:nvPr>
+            <p:extLst>
+              <p:ext uri="{386F3935-93C4-4BCD-93E2-E3B085C9AB24}">
+                <p16:designElem xmlns:p16="http://schemas.microsoft.com/office/powerpoint/2015/main" val="1"/>
+              </p:ext>
+            </p:extLst>
+          </p:nvPr>
+        </p:nvSpPr>
+        <p:spPr>
+          <a:xfrm>
+            <a:off x="7277100" y="461737"/>
+            <a:ext cx="2149361" cy="1870055"/>
+          </a:xfrm>
+          <a:prstGeom prst="rect">
+            <a:avLst/>
+          </a:prstGeom>
+          <a:solidFill>
+            <a:schemeClr val="accent1">
+              <a:alpha val="95000"/>
+            </a:schemeClr>
+          </a:solidFill>
+          <a:ln w="25400">
+            <a:noFill/>
+          </a:ln>
+        </p:spPr>
+        <p:style>
+          <a:lnRef idx="2">
+            <a:schemeClr val="accent1">
+              <a:shade val="50000"/>
+            </a:schemeClr>
+          </a:lnRef>
+          <a:fillRef idx="1">
+            <a:schemeClr val="accent1"/>
+          </a:fillRef>
+          <a:effectRef idx="0">
+            <a:schemeClr val="accent1"/>
+          </a:effectRef>
+          <a:fontRef idx="minor">
+            <a:schemeClr val="lt1"/>
+          </a:fontRef>
+        </p:style>
+        <p:txBody>
+          <a:bodyPr rtlCol="0" anchor="ctr"/>
+          <a:lstStyle/>
+          <a:p>
+            <a:pPr algn="ctr"/>
+            <a:endParaRPr lang="en-US">
+              <a:solidFill>
+                <a:srgbClr val="FFFFFF"/>
+              </a:solidFill>
+            </a:endParaRPr>
+          </a:p>
+        </p:txBody>
+      </p:sp>
+      <p:sp>
+        <p:nvSpPr>
+          <p:cNvPr id="12" name="Rectangle 11">
+            <a:extLst>
+              <a:ext uri="{FF2B5EF4-FFF2-40B4-BE49-F238E27FC236}">
+                <a16:creationId xmlns:a16="http://schemas.microsoft.com/office/drawing/2014/main" id="{E186B68C-84BC-4A6E-99D1-EE87483C1349}"/>
+              </a:ext>
+              <a:ext uri="{C183D7F6-B498-43B3-948B-1728B52AA6E4}">
+                <adec:decorative xmlns:adec="http://schemas.microsoft.com/office/drawing/2017/decorative" val="1"/>
+              </a:ext>
+            </a:extLst>
+          </p:cNvPr>
+          <p:cNvSpPr>
+            <a:spLocks noGrp="1" noRot="1" noChangeAspect="1" noMove="1" noResize="1" noEditPoints="1" noAdjustHandles="1" noChangeArrowheads="1" noChangeShapeType="1" noTextEdit="1"/>
+          </p:cNvSpPr>
+          <p:nvPr>
+            <p:extLst>
+              <p:ext uri="{386F3935-93C4-4BCD-93E2-E3B085C9AB24}">
+                <p16:designElem xmlns:p16="http://schemas.microsoft.com/office/powerpoint/2015/main" val="1"/>
+              </p:ext>
+            </p:extLst>
+          </p:nvPr>
+        </p:nvSpPr>
+        <p:spPr>
+          <a:xfrm>
+            <a:off x="9573768" y="453155"/>
+            <a:ext cx="2149358" cy="1878638"/>
+          </a:xfrm>
+          <a:prstGeom prst="rect">
+            <a:avLst/>
+          </a:prstGeom>
+          <a:solidFill>
+            <a:srgbClr val="A5A5A5"/>
+          </a:solidFill>
+          <a:ln w="25400">
+            <a:noFill/>
+          </a:ln>
+        </p:spPr>
+        <p:style>
+          <a:lnRef idx="2">
+            <a:schemeClr val="accent1">
+              <a:shade val="50000"/>
+            </a:schemeClr>
+          </a:lnRef>
+          <a:fillRef idx="1">
+            <a:schemeClr val="accent1"/>
+          </a:fillRef>
+          <a:effectRef idx="0">
+            <a:schemeClr val="accent1"/>
+          </a:effectRef>
+          <a:fontRef idx="minor">
+            <a:schemeClr val="lt1"/>
+          </a:fontRef>
+        </p:style>
+        <p:txBody>
+          <a:bodyPr rtlCol="0" anchor="ctr"/>
+          <a:lstStyle/>
+          <a:p>
+            <a:pPr algn="ctr"/>
+            <a:endParaRPr lang="en-US">
+              <a:solidFill>
+                <a:srgbClr val="FFFFFF"/>
+              </a:solidFill>
+            </a:endParaRPr>
+          </a:p>
+        </p:txBody>
+      </p:sp>
+      <p:sp>
+        <p:nvSpPr>
+          <p:cNvPr id="14" name="Rectangle 13">
+            <a:extLst>
+              <a:ext uri="{FF2B5EF4-FFF2-40B4-BE49-F238E27FC236}">
+                <a16:creationId xmlns:a16="http://schemas.microsoft.com/office/drawing/2014/main" id="{1C091803-41C2-48E0-9228-5148460C7479}"/>
+              </a:ext>
+              <a:ext uri="{C183D7F6-B498-43B3-948B-1728B52AA6E4}">
+                <adec:decorative xmlns:adec="http://schemas.microsoft.com/office/drawing/2017/decorative" val="1"/>
+              </a:ext>
+            </a:extLst>
+          </p:cNvPr>
+          <p:cNvSpPr>
+            <a:spLocks noGrp="1" noRot="1" noChangeAspect="1" noMove="1" noResize="1" noEditPoints="1" noAdjustHandles="1" noChangeArrowheads="1" noChangeShapeType="1" noTextEdit="1"/>
+          </p:cNvSpPr>
+          <p:nvPr>
+            <p:extLst>
+              <p:ext uri="{386F3935-93C4-4BCD-93E2-E3B085C9AB24}">
+                <p16:designElem xmlns:p16="http://schemas.microsoft.com/office/powerpoint/2015/main" val="1"/>
+              </p:ext>
+            </p:extLst>
+          </p:nvPr>
+        </p:nvSpPr>
+        <p:spPr>
+          <a:xfrm>
+            <a:off x="458920" y="2480956"/>
+            <a:ext cx="11264206" cy="3918122"/>
+          </a:xfrm>
+          <a:prstGeom prst="rect">
+            <a:avLst/>
+          </a:prstGeom>
+          <a:solidFill>
+            <a:schemeClr val="tx1">
+              <a:lumMod val="50000"/>
+              <a:lumOff val="50000"/>
+              <a:alpha val="20000"/>
+            </a:schemeClr>
+          </a:solidFill>
+          <a:ln>
+            <a:noFill/>
+          </a:ln>
+        </p:spPr>
+        <p:style>
+          <a:lnRef idx="2">
+            <a:schemeClr val="accent1">
+              <a:shade val="50000"/>
+            </a:schemeClr>
+          </a:lnRef>
+          <a:fillRef idx="1">
+            <a:schemeClr val="accent1"/>
+          </a:fillRef>
+          <a:effectRef idx="0">
+            <a:schemeClr val="accent1"/>
+          </a:effectRef>
+          <a:fontRef idx="minor">
+            <a:schemeClr val="lt1"/>
+          </a:fontRef>
+        </p:style>
+        <p:txBody>
+          <a:bodyPr rtlCol="0" anchor="ctr"/>
+          <a:lstStyle/>
+          <a:p>
+            <a:pPr algn="ctr"/>
+            <a:endParaRPr lang="en-US"/>
+          </a:p>
+        </p:txBody>
+      </p:sp>
+      <p:sp>
+        <p:nvSpPr>
           <p:cNvPr id="3" name="Content Placeholder 2">
             <a:extLst>
               <a:ext uri="{FF2B5EF4-FFF2-40B4-BE49-F238E27FC236}">
@@ -5611,22 +9649,29 @@
             <p:ph idx="1"/>
           </p:nvPr>
         </p:nvSpPr>
-        <p:spPr/>
-        <p:txBody>
-          <a:bodyPr/>
-          <a:lstStyle/>
-          <a:p>
-            <a:r>
-              <a:rPr lang="en-US" dirty="0"/>
+        <p:spPr>
+          <a:xfrm>
+            <a:off x="789456" y="2798385"/>
+            <a:ext cx="10597729" cy="3283260"/>
+          </a:xfrm>
+        </p:spPr>
+        <p:txBody>
+          <a:bodyPr anchor="ctr">
+            <a:normAutofit/>
+          </a:bodyPr>
+          <a:lstStyle/>
+          <a:p>
+            <a:r>
+              <a:rPr lang="en-US" sz="2500"/>
               <a:t>Dropping Nulls</a:t>
             </a:r>
           </a:p>
           <a:p>
-            <a:endParaRPr lang="en-US" dirty="0"/>
-          </a:p>
-          <a:p>
-            <a:r>
-              <a:rPr lang="en-US" dirty="0"/>
+            <a:endParaRPr lang="en-US" sz="2500"/>
+          </a:p>
+          <a:p>
+            <a:r>
+              <a:rPr lang="en-US" sz="2500"/>
               <a:t>Impute others</a:t>
             </a:r>
           </a:p>
@@ -5634,20 +9679,20 @@
             <a:pPr marL="0" indent="0">
               <a:buNone/>
             </a:pPr>
-            <a:endParaRPr lang="en-US" dirty="0"/>
-          </a:p>
-          <a:p>
-            <a:r>
-              <a:rPr lang="en-US" dirty="0"/>
+            <a:endParaRPr lang="en-US" sz="2500"/>
+          </a:p>
+          <a:p>
+            <a:r>
+              <a:rPr lang="en-US" sz="2500"/>
               <a:t>Feature Selection (those present before or during accident)</a:t>
             </a:r>
           </a:p>
           <a:p>
-            <a:endParaRPr lang="en-US" dirty="0"/>
-          </a:p>
-          <a:p>
-            <a:r>
-              <a:rPr lang="en-US" dirty="0"/>
+            <a:endParaRPr lang="en-US" sz="2500"/>
+          </a:p>
+          <a:p>
+            <a:r>
+              <a:rPr lang="en-US" sz="2500"/>
               <a:t>Drop location based variables</a:t>
             </a:r>
           </a:p>
@@ -5669,6 +9714,14 @@
 <file path=ppt/slides/slide6.xml><?xml version="1.0" encoding="utf-8"?>
 <p:sld xmlns:a="http://schemas.openxmlformats.org/drawingml/2006/main" xmlns:r="http://schemas.openxmlformats.org/officeDocument/2006/relationships" xmlns:p="http://schemas.openxmlformats.org/presentationml/2006/main">
   <p:cSld>
+    <p:bg>
+      <p:bgPr>
+        <a:solidFill>
+          <a:schemeClr val="bg1"/>
+        </a:solidFill>
+        <a:effectLst/>
+      </p:bgPr>
+    </p:bg>
     <p:spTree>
       <p:nvGrpSpPr>
         <p:cNvPr id="1" name=""/>
@@ -5685,6 +9738,98 @@
       </p:grpSpPr>
       <p:sp>
         <p:nvSpPr>
+          <p:cNvPr id="23" name="Rectangle 22">
+            <a:extLst>
+              <a:ext uri="{FF2B5EF4-FFF2-40B4-BE49-F238E27FC236}">
+                <a16:creationId xmlns:a16="http://schemas.microsoft.com/office/drawing/2014/main" id="{25FCE169-4276-4005-8C82-CCC9C80C4FCF}"/>
+              </a:ext>
+              <a:ext uri="{C183D7F6-B498-43B3-948B-1728B52AA6E4}">
+                <adec:decorative xmlns:adec="http://schemas.microsoft.com/office/drawing/2017/decorative" val="1"/>
+              </a:ext>
+            </a:extLst>
+          </p:cNvPr>
+          <p:cNvSpPr>
+            <a:spLocks noGrp="1" noRot="1" noChangeAspect="1" noMove="1" noResize="1" noEditPoints="1" noAdjustHandles="1" noChangeArrowheads="1" noChangeShapeType="1" noTextEdit="1"/>
+          </p:cNvSpPr>
+          <p:nvPr>
+            <p:extLst>
+              <p:ext uri="{386F3935-93C4-4BCD-93E2-E3B085C9AB24}">
+                <p16:designElem xmlns:p16="http://schemas.microsoft.com/office/powerpoint/2015/main" val="1"/>
+              </p:ext>
+            </p:extLst>
+          </p:nvPr>
+        </p:nvSpPr>
+        <p:spPr>
+          <a:xfrm>
+            <a:off x="458920" y="461736"/>
+            <a:ext cx="6675119" cy="1866293"/>
+          </a:xfrm>
+          <a:prstGeom prst="rect">
+            <a:avLst/>
+          </a:prstGeom>
+          <a:solidFill>
+            <a:srgbClr val="595959"/>
+          </a:solidFill>
+          <a:ln w="25400">
+            <a:noFill/>
+          </a:ln>
+        </p:spPr>
+        <p:style>
+          <a:lnRef idx="2">
+            <a:schemeClr val="accent1">
+              <a:shade val="50000"/>
+            </a:schemeClr>
+          </a:lnRef>
+          <a:fillRef idx="1">
+            <a:schemeClr val="accent1"/>
+          </a:fillRef>
+          <a:effectRef idx="0">
+            <a:schemeClr val="accent1"/>
+          </a:effectRef>
+          <a:fontRef idx="minor">
+            <a:schemeClr val="lt1"/>
+          </a:fontRef>
+        </p:style>
+        <p:txBody>
+          <a:bodyPr rtlCol="0" anchor="ctr"/>
+          <a:lstStyle/>
+          <a:p>
+            <a:pPr marL="0" marR="0" lvl="0" indent="0" algn="ctr" defTabSz="914400" rtl="0" eaLnBrk="1" fontAlgn="auto" latinLnBrk="0" hangingPunct="1">
+              <a:lnSpc>
+                <a:spcPct val="100000"/>
+              </a:lnSpc>
+              <a:spcBef>
+                <a:spcPts val="0"/>
+              </a:spcBef>
+              <a:spcAft>
+                <a:spcPts val="0"/>
+              </a:spcAft>
+              <a:buClrTx/>
+              <a:buSzTx/>
+              <a:buFontTx/>
+              <a:buNone/>
+              <a:tabLst/>
+              <a:defRPr/>
+            </a:pPr>
+            <a:endParaRPr kumimoji="0" lang="en-US" sz="1800" b="0" i="0" u="none" strike="noStrike" kern="1200" cap="none" spc="0" normalizeH="0" baseline="0" noProof="0">
+              <a:ln>
+                <a:noFill/>
+              </a:ln>
+              <a:solidFill>
+                <a:srgbClr val="FFFFFF"/>
+              </a:solidFill>
+              <a:effectLst/>
+              <a:uLnTx/>
+              <a:uFillTx/>
+              <a:latin typeface="Calibri" panose="020F0502020204030204"/>
+              <a:ea typeface="+mn-ea"/>
+              <a:cs typeface="+mn-cs"/>
+            </a:endParaRPr>
+          </a:p>
+        </p:txBody>
+      </p:sp>
+      <p:sp>
+        <p:nvSpPr>
           <p:cNvPr id="2" name="Title 1">
             <a:extLst>
               <a:ext uri="{FF2B5EF4-FFF2-40B4-BE49-F238E27FC236}">
@@ -5699,13 +9844,24 @@
             <p:ph type="title"/>
           </p:nvPr>
         </p:nvSpPr>
-        <p:spPr/>
-        <p:txBody>
-          <a:bodyPr/>
-          <a:lstStyle/>
-          <a:p>
-            <a:r>
-              <a:rPr lang="en-US" dirty="0"/>
+        <p:spPr>
+          <a:xfrm>
+            <a:off x="730155" y="730155"/>
+            <a:ext cx="6090743" cy="1422871"/>
+          </a:xfrm>
+        </p:spPr>
+        <p:txBody>
+          <a:bodyPr>
+            <a:normAutofit/>
+          </a:bodyPr>
+          <a:lstStyle/>
+          <a:p>
+            <a:r>
+              <a:rPr lang="en-US">
+                <a:solidFill>
+                  <a:srgbClr val="FFFFFF"/>
+                </a:solidFill>
+              </a:rPr>
               <a:t>EDA</a:t>
             </a:r>
           </a:p>
@@ -5713,6 +9869,288 @@
       </p:sp>
       <p:sp>
         <p:nvSpPr>
+          <p:cNvPr id="25" name="Rectangle 24">
+            <a:extLst>
+              <a:ext uri="{FF2B5EF4-FFF2-40B4-BE49-F238E27FC236}">
+                <a16:creationId xmlns:a16="http://schemas.microsoft.com/office/drawing/2014/main" id="{B775CD93-9DF2-48CB-9F57-1BCA9A46C7FA}"/>
+              </a:ext>
+              <a:ext uri="{C183D7F6-B498-43B3-948B-1728B52AA6E4}">
+                <adec:decorative xmlns:adec="http://schemas.microsoft.com/office/drawing/2017/decorative" val="1"/>
+              </a:ext>
+            </a:extLst>
+          </p:cNvPr>
+          <p:cNvSpPr>
+            <a:spLocks noGrp="1" noRot="1" noChangeAspect="1" noMove="1" noResize="1" noEditPoints="1" noAdjustHandles="1" noChangeArrowheads="1" noChangeShapeType="1" noTextEdit="1"/>
+          </p:cNvSpPr>
+          <p:nvPr>
+            <p:extLst>
+              <p:ext uri="{386F3935-93C4-4BCD-93E2-E3B085C9AB24}">
+                <p16:designElem xmlns:p16="http://schemas.microsoft.com/office/powerpoint/2015/main" val="1"/>
+              </p:ext>
+            </p:extLst>
+          </p:nvPr>
+        </p:nvSpPr>
+        <p:spPr>
+          <a:xfrm>
+            <a:off x="7279951" y="467575"/>
+            <a:ext cx="2148840" cy="1877811"/>
+          </a:xfrm>
+          <a:prstGeom prst="rect">
+            <a:avLst/>
+          </a:prstGeom>
+          <a:solidFill>
+            <a:srgbClr val="605F34"/>
+          </a:solidFill>
+          <a:ln w="25400">
+            <a:noFill/>
+          </a:ln>
+        </p:spPr>
+        <p:style>
+          <a:lnRef idx="2">
+            <a:schemeClr val="accent1">
+              <a:shade val="50000"/>
+            </a:schemeClr>
+          </a:lnRef>
+          <a:fillRef idx="1">
+            <a:schemeClr val="accent1"/>
+          </a:fillRef>
+          <a:effectRef idx="0">
+            <a:schemeClr val="accent1"/>
+          </a:effectRef>
+          <a:fontRef idx="minor">
+            <a:schemeClr val="lt1"/>
+          </a:fontRef>
+        </p:style>
+        <p:txBody>
+          <a:bodyPr rtlCol="0" anchor="ctr"/>
+          <a:lstStyle/>
+          <a:p>
+            <a:pPr marL="0" marR="0" lvl="0" indent="0" algn="ctr" defTabSz="914400" rtl="0" eaLnBrk="1" fontAlgn="auto" latinLnBrk="0" hangingPunct="1">
+              <a:lnSpc>
+                <a:spcPct val="100000"/>
+              </a:lnSpc>
+              <a:spcBef>
+                <a:spcPts val="0"/>
+              </a:spcBef>
+              <a:spcAft>
+                <a:spcPts val="0"/>
+              </a:spcAft>
+              <a:buClrTx/>
+              <a:buSzTx/>
+              <a:buFontTx/>
+              <a:buNone/>
+              <a:tabLst/>
+              <a:defRPr/>
+            </a:pPr>
+            <a:endParaRPr kumimoji="0" lang="en-US" sz="1800" b="0" i="0" u="none" strike="noStrike" kern="1200" cap="none" spc="0" normalizeH="0" baseline="0" noProof="0">
+              <a:ln>
+                <a:noFill/>
+              </a:ln>
+              <a:solidFill>
+                <a:srgbClr val="FFFFFF"/>
+              </a:solidFill>
+              <a:effectLst/>
+              <a:uLnTx/>
+              <a:uFillTx/>
+              <a:latin typeface="Calibri" panose="020F0502020204030204"/>
+              <a:ea typeface="+mn-ea"/>
+              <a:cs typeface="+mn-cs"/>
+            </a:endParaRPr>
+          </a:p>
+        </p:txBody>
+      </p:sp>
+      <p:sp>
+        <p:nvSpPr>
+          <p:cNvPr id="27" name="Rectangle 26">
+            <a:extLst>
+              <a:ext uri="{FF2B5EF4-FFF2-40B4-BE49-F238E27FC236}">
+                <a16:creationId xmlns:a16="http://schemas.microsoft.com/office/drawing/2014/main" id="{E186B68C-84BC-4A6E-99D1-EE87483C1349}"/>
+              </a:ext>
+              <a:ext uri="{C183D7F6-B498-43B3-948B-1728B52AA6E4}">
+                <adec:decorative xmlns:adec="http://schemas.microsoft.com/office/drawing/2017/decorative" val="1"/>
+              </a:ext>
+            </a:extLst>
+          </p:cNvPr>
+          <p:cNvSpPr>
+            <a:spLocks noGrp="1" noRot="1" noChangeAspect="1" noMove="1" noResize="1" noEditPoints="1" noAdjustHandles="1" noChangeArrowheads="1" noChangeShapeType="1" noTextEdit="1"/>
+          </p:cNvSpPr>
+          <p:nvPr>
+            <p:extLst>
+              <p:ext uri="{386F3935-93C4-4BCD-93E2-E3B085C9AB24}">
+                <p16:designElem xmlns:p16="http://schemas.microsoft.com/office/powerpoint/2015/main" val="1"/>
+              </p:ext>
+            </p:extLst>
+          </p:nvPr>
+        </p:nvSpPr>
+        <p:spPr>
+          <a:xfrm>
+            <a:off x="9573990" y="471340"/>
+            <a:ext cx="2148840" cy="1856689"/>
+          </a:xfrm>
+          <a:prstGeom prst="rect">
+            <a:avLst/>
+          </a:prstGeom>
+          <a:solidFill>
+            <a:srgbClr val="2727DF"/>
+          </a:solidFill>
+          <a:ln w="25400">
+            <a:noFill/>
+          </a:ln>
+        </p:spPr>
+        <p:style>
+          <a:lnRef idx="2">
+            <a:schemeClr val="accent1">
+              <a:shade val="50000"/>
+            </a:schemeClr>
+          </a:lnRef>
+          <a:fillRef idx="1">
+            <a:schemeClr val="accent1"/>
+          </a:fillRef>
+          <a:effectRef idx="0">
+            <a:schemeClr val="accent1"/>
+          </a:effectRef>
+          <a:fontRef idx="minor">
+            <a:schemeClr val="lt1"/>
+          </a:fontRef>
+        </p:style>
+        <p:txBody>
+          <a:bodyPr rtlCol="0" anchor="ctr"/>
+          <a:lstStyle/>
+          <a:p>
+            <a:pPr marL="0" marR="0" lvl="0" indent="0" algn="ctr" defTabSz="914400" rtl="0" eaLnBrk="1" fontAlgn="auto" latinLnBrk="0" hangingPunct="1">
+              <a:lnSpc>
+                <a:spcPct val="100000"/>
+              </a:lnSpc>
+              <a:spcBef>
+                <a:spcPts val="0"/>
+              </a:spcBef>
+              <a:spcAft>
+                <a:spcPts val="0"/>
+              </a:spcAft>
+              <a:buClrTx/>
+              <a:buSzTx/>
+              <a:buFontTx/>
+              <a:buNone/>
+              <a:tabLst/>
+              <a:defRPr/>
+            </a:pPr>
+            <a:endParaRPr kumimoji="0" lang="en-US" sz="1800" b="0" i="0" u="none" strike="noStrike" kern="1200" cap="none" spc="0" normalizeH="0" baseline="0" noProof="0">
+              <a:ln>
+                <a:noFill/>
+              </a:ln>
+              <a:solidFill>
+                <a:srgbClr val="FFFFFF"/>
+              </a:solidFill>
+              <a:effectLst/>
+              <a:uLnTx/>
+              <a:uFillTx/>
+              <a:latin typeface="Calibri" panose="020F0502020204030204"/>
+              <a:ea typeface="+mn-ea"/>
+              <a:cs typeface="+mn-cs"/>
+            </a:endParaRPr>
+          </a:p>
+        </p:txBody>
+      </p:sp>
+      <p:sp>
+        <p:nvSpPr>
+          <p:cNvPr id="34" name="Rectangle 28">
+            <a:extLst>
+              <a:ext uri="{FF2B5EF4-FFF2-40B4-BE49-F238E27FC236}">
+                <a16:creationId xmlns:a16="http://schemas.microsoft.com/office/drawing/2014/main" id="{1C091803-41C2-48E0-9228-5148460C7479}"/>
+              </a:ext>
+              <a:ext uri="{C183D7F6-B498-43B3-948B-1728B52AA6E4}">
+                <adec:decorative xmlns:adec="http://schemas.microsoft.com/office/drawing/2017/decorative" val="1"/>
+              </a:ext>
+            </a:extLst>
+          </p:cNvPr>
+          <p:cNvSpPr>
+            <a:spLocks noGrp="1" noRot="1" noChangeAspect="1" noMove="1" noResize="1" noEditPoints="1" noAdjustHandles="1" noChangeArrowheads="1" noChangeShapeType="1" noTextEdit="1"/>
+          </p:cNvSpPr>
+          <p:nvPr>
+            <p:extLst>
+              <p:ext uri="{386F3935-93C4-4BCD-93E2-E3B085C9AB24}">
+                <p16:designElem xmlns:p16="http://schemas.microsoft.com/office/powerpoint/2015/main" val="1"/>
+              </p:ext>
+            </p:extLst>
+          </p:nvPr>
+        </p:nvSpPr>
+        <p:spPr>
+          <a:xfrm>
+            <a:off x="458920" y="2476301"/>
+            <a:ext cx="6675119" cy="3922777"/>
+          </a:xfrm>
+          <a:prstGeom prst="rect">
+            <a:avLst/>
+          </a:prstGeom>
+          <a:solidFill>
+            <a:schemeClr val="tx1">
+              <a:lumMod val="50000"/>
+              <a:lumOff val="50000"/>
+              <a:alpha val="20000"/>
+            </a:schemeClr>
+          </a:solidFill>
+          <a:ln>
+            <a:noFill/>
+          </a:ln>
+        </p:spPr>
+        <p:style>
+          <a:lnRef idx="2">
+            <a:schemeClr val="accent1">
+              <a:shade val="50000"/>
+            </a:schemeClr>
+          </a:lnRef>
+          <a:fillRef idx="1">
+            <a:schemeClr val="accent1"/>
+          </a:fillRef>
+          <a:effectRef idx="0">
+            <a:schemeClr val="accent1"/>
+          </a:effectRef>
+          <a:fontRef idx="minor">
+            <a:schemeClr val="lt1"/>
+          </a:fontRef>
+        </p:style>
+        <p:txBody>
+          <a:bodyPr rtlCol="0" anchor="ctr"/>
+          <a:lstStyle/>
+          <a:p>
+            <a:pPr marL="0" marR="0" lvl="0" indent="0" algn="ctr" defTabSz="914400" rtl="0" eaLnBrk="1" fontAlgn="auto" latinLnBrk="0" hangingPunct="1">
+              <a:lnSpc>
+                <a:spcPct val="100000"/>
+              </a:lnSpc>
+              <a:spcBef>
+                <a:spcPts val="0"/>
+              </a:spcBef>
+              <a:spcAft>
+                <a:spcPts val="0"/>
+              </a:spcAft>
+              <a:buClrTx/>
+              <a:buSzTx/>
+              <a:buFontTx/>
+              <a:buNone/>
+              <a:tabLst/>
+              <a:defRPr/>
+            </a:pPr>
+            <a:endParaRPr kumimoji="0" lang="en-US" sz="1800" b="0" i="0" u="none" strike="noStrike" kern="1200" cap="none" spc="0" normalizeH="0" baseline="0" noProof="0">
+              <a:ln>
+                <a:noFill/>
+              </a:ln>
+              <a:solidFill>
+                <a:prstClr val="white">
+                  <a:lumMod val="85000"/>
+                </a:prstClr>
+              </a:solidFill>
+              <a:effectLst/>
+              <a:uLnTx/>
+              <a:uFillTx/>
+              <a:latin typeface="Calibri" panose="020F0502020204030204"/>
+              <a:ea typeface="+mn-ea"/>
+              <a:cs typeface="+mn-cs"/>
+            </a:endParaRPr>
+          </a:p>
+        </p:txBody>
+      </p:sp>
+      <p:sp>
+        <p:nvSpPr>
           <p:cNvPr id="3" name="Content Placeholder 2">
             <a:extLst>
               <a:ext uri="{FF2B5EF4-FFF2-40B4-BE49-F238E27FC236}">
@@ -5727,24 +10165,125 @@
             <p:ph idx="1"/>
           </p:nvPr>
         </p:nvSpPr>
-        <p:spPr/>
-        <p:txBody>
-          <a:bodyPr/>
-          <a:lstStyle/>
-          <a:p>
-            <a:r>
-              <a:rPr lang="en-US" dirty="0"/>
+        <p:spPr>
+          <a:xfrm>
+            <a:off x="786384" y="2717021"/>
+            <a:ext cx="6034514" cy="3410824"/>
+          </a:xfrm>
+        </p:spPr>
+        <p:txBody>
+          <a:bodyPr anchor="ctr">
+            <a:normAutofit/>
+          </a:bodyPr>
+          <a:lstStyle/>
+          <a:p>
+            <a:r>
+              <a:rPr lang="en-US" sz="2000"/>
               <a:t>56 features Vs Severity(3 target levels)</a:t>
             </a:r>
           </a:p>
           <a:p>
             <a:r>
-              <a:rPr lang="en-US" dirty="0"/>
+              <a:rPr lang="en-US" sz="2000"/>
               <a:t>Selected Visualizations</a:t>
             </a:r>
           </a:p>
           <a:p>
-            <a:endParaRPr lang="en-US" dirty="0"/>
+            <a:endParaRPr lang="en-US" sz="2000"/>
+          </a:p>
+        </p:txBody>
+      </p:sp>
+      <p:sp>
+        <p:nvSpPr>
+          <p:cNvPr id="35" name="Rectangle 30">
+            <a:extLst>
+              <a:ext uri="{FF2B5EF4-FFF2-40B4-BE49-F238E27FC236}">
+                <a16:creationId xmlns:a16="http://schemas.microsoft.com/office/drawing/2014/main" id="{01955DCA-E99D-4678-99DB-8075105C122D}"/>
+              </a:ext>
+              <a:ext uri="{C183D7F6-B498-43B3-948B-1728B52AA6E4}">
+                <adec:decorative xmlns:adec="http://schemas.microsoft.com/office/drawing/2017/decorative" val="1"/>
+              </a:ext>
+            </a:extLst>
+          </p:cNvPr>
+          <p:cNvSpPr>
+            <a:spLocks noGrp="1" noRot="1" noChangeAspect="1" noMove="1" noResize="1" noEditPoints="1" noAdjustHandles="1" noChangeArrowheads="1" noChangeShapeType="1" noTextEdit="1"/>
+          </p:cNvSpPr>
+          <p:nvPr>
+            <p:extLst>
+              <p:ext uri="{386F3935-93C4-4BCD-93E2-E3B085C9AB24}">
+                <p16:designElem xmlns:p16="http://schemas.microsoft.com/office/powerpoint/2015/main" val="1"/>
+              </p:ext>
+            </p:extLst>
+          </p:nvPr>
+        </p:nvSpPr>
+        <p:spPr>
+          <a:xfrm>
+            <a:off x="7279951" y="2480956"/>
+            <a:ext cx="4453128" cy="3922776"/>
+          </a:xfrm>
+          <a:prstGeom prst="rect">
+            <a:avLst/>
+          </a:prstGeom>
+          <a:solidFill>
+            <a:srgbClr val="2727DF">
+              <a:alpha val="20000"/>
+            </a:srgbClr>
+          </a:solidFill>
+          <a:ln w="25400">
+            <a:noFill/>
+          </a:ln>
+        </p:spPr>
+        <p:style>
+          <a:lnRef idx="2">
+            <a:schemeClr val="accent1">
+              <a:shade val="50000"/>
+            </a:schemeClr>
+          </a:lnRef>
+          <a:fillRef idx="1">
+            <a:schemeClr val="accent1"/>
+          </a:fillRef>
+          <a:effectRef idx="0">
+            <a:schemeClr val="accent1"/>
+          </a:effectRef>
+          <a:fontRef idx="minor">
+            <a:schemeClr val="lt1"/>
+          </a:fontRef>
+        </p:style>
+        <p:txBody>
+          <a:bodyPr rtlCol="0" anchor="ctr"/>
+          <a:lstStyle/>
+          <a:p>
+            <a:pPr marL="0" marR="0" lvl="0" indent="0" algn="ctr" defTabSz="914400" rtl="0" eaLnBrk="1" fontAlgn="auto" latinLnBrk="0" hangingPunct="1">
+              <a:lnSpc>
+                <a:spcPct val="100000"/>
+              </a:lnSpc>
+              <a:spcBef>
+                <a:spcPts val="0"/>
+              </a:spcBef>
+              <a:spcAft>
+                <a:spcPts val="0"/>
+              </a:spcAft>
+              <a:buClrTx/>
+              <a:buSzTx/>
+              <a:buFontTx/>
+              <a:buNone/>
+              <a:tabLst/>
+              <a:defRPr/>
+            </a:pPr>
+            <a:endParaRPr kumimoji="0" lang="en-US" sz="1800" b="0" i="0" u="none" strike="noStrike" kern="1200" cap="none" spc="0" normalizeH="0" baseline="0" noProof="0">
+              <a:ln>
+                <a:noFill/>
+              </a:ln>
+              <a:solidFill>
+                <a:srgbClr val="FFFFFF"/>
+              </a:solidFill>
+              <a:effectLst/>
+              <a:uLnTx/>
+              <a:uFillTx/>
+              <a:latin typeface="Calibri" panose="020F0502020204030204"/>
+              <a:ea typeface="+mn-ea"/>
+              <a:cs typeface="+mn-cs"/>
+            </a:endParaRPr>
           </a:p>
         </p:txBody>
       </p:sp>
@@ -5770,8 +10309,8 @@
         </p:blipFill>
         <p:spPr>
           <a:xfrm>
-            <a:off x="4524936" y="2671343"/>
-            <a:ext cx="6975662" cy="4186657"/>
+            <a:off x="7517695" y="3250660"/>
+            <a:ext cx="3977640" cy="2386583"/>
           </a:xfrm>
           <a:prstGeom prst="rect">
             <a:avLst/>
@@ -5794,6 +10333,14 @@
 <file path=ppt/slides/slide7.xml><?xml version="1.0" encoding="utf-8"?>
 <p:sld xmlns:a="http://schemas.openxmlformats.org/drawingml/2006/main" xmlns:r="http://schemas.openxmlformats.org/officeDocument/2006/relationships" xmlns:p="http://schemas.openxmlformats.org/presentationml/2006/main">
   <p:cSld>
+    <p:bg>
+      <p:bgPr>
+        <a:solidFill>
+          <a:schemeClr val="bg1"/>
+        </a:solidFill>
+        <a:effectLst/>
+      </p:bgPr>
+    </p:bg>
     <p:spTree>
       <p:nvGrpSpPr>
         <p:cNvPr id="1" name=""/>
@@ -5810,6 +10357,100 @@
       </p:grpSpPr>
       <p:sp>
         <p:nvSpPr>
+          <p:cNvPr id="10" name="Rectangle 9">
+            <a:extLst>
+              <a:ext uri="{FF2B5EF4-FFF2-40B4-BE49-F238E27FC236}">
+                <a16:creationId xmlns:a16="http://schemas.microsoft.com/office/drawing/2014/main" id="{823AC064-BC96-4F32-8AE1-B2FD38754823}"/>
+              </a:ext>
+              <a:ext uri="{C183D7F6-B498-43B3-948B-1728B52AA6E4}">
+                <adec:decorative xmlns:adec="http://schemas.microsoft.com/office/drawing/2017/decorative" val="1"/>
+              </a:ext>
+            </a:extLst>
+          </p:cNvPr>
+          <p:cNvSpPr>
+            <a:spLocks noGrp="1" noRot="1" noChangeAspect="1" noMove="1" noResize="1" noEditPoints="1" noAdjustHandles="1" noChangeArrowheads="1" noChangeShapeType="1" noTextEdit="1"/>
+          </p:cNvSpPr>
+          <p:nvPr>
+            <p:extLst>
+              <p:ext uri="{386F3935-93C4-4BCD-93E2-E3B085C9AB24}">
+                <p16:designElem xmlns:p16="http://schemas.microsoft.com/office/powerpoint/2015/main" val="1"/>
+              </p:ext>
+            </p:extLst>
+          </p:nvPr>
+        </p:nvSpPr>
+        <p:spPr bwMode="ltGray">
+          <a:xfrm>
+            <a:off x="378068" y="343486"/>
+            <a:ext cx="11438793" cy="1844256"/>
+          </a:xfrm>
+          <a:prstGeom prst="rect">
+            <a:avLst/>
+          </a:prstGeom>
+          <a:solidFill>
+            <a:srgbClr val="404040"/>
+          </a:solidFill>
+          <a:ln w="127000" cap="sq" cmpd="thinThick">
+            <a:solidFill>
+              <a:srgbClr val="404040"/>
+            </a:solidFill>
+          </a:ln>
+        </p:spPr>
+        <p:style>
+          <a:lnRef idx="2">
+            <a:schemeClr val="accent1">
+              <a:shade val="50000"/>
+            </a:schemeClr>
+          </a:lnRef>
+          <a:fillRef idx="1">
+            <a:schemeClr val="accent1"/>
+          </a:fillRef>
+          <a:effectRef idx="0">
+            <a:schemeClr val="accent1"/>
+          </a:effectRef>
+          <a:fontRef idx="minor">
+            <a:schemeClr val="lt1"/>
+          </a:fontRef>
+        </p:style>
+        <p:txBody>
+          <a:bodyPr rtlCol="0" anchor="ctr"/>
+          <a:lstStyle/>
+          <a:p>
+            <a:pPr marL="0" marR="0" lvl="0" indent="0" algn="ctr" defTabSz="914400" rtl="0" eaLnBrk="1" fontAlgn="auto" latinLnBrk="0" hangingPunct="1">
+              <a:lnSpc>
+                <a:spcPct val="100000"/>
+              </a:lnSpc>
+              <a:spcBef>
+                <a:spcPts val="0"/>
+              </a:spcBef>
+              <a:spcAft>
+                <a:spcPts val="0"/>
+              </a:spcAft>
+              <a:buClrTx/>
+              <a:buSzTx/>
+              <a:buFontTx/>
+              <a:buNone/>
+              <a:tabLst/>
+              <a:defRPr/>
+            </a:pPr>
+            <a:endParaRPr kumimoji="0" lang="en-US" sz="1800" b="0" i="0" u="none" strike="noStrike" kern="1200" cap="none" spc="0" normalizeH="0" baseline="0" noProof="0">
+              <a:ln>
+                <a:noFill/>
+              </a:ln>
+              <a:solidFill>
+                <a:prstClr val="white"/>
+              </a:solidFill>
+              <a:effectLst/>
+              <a:uLnTx/>
+              <a:uFillTx/>
+              <a:latin typeface="Calibri" panose="020F0502020204030204"/>
+              <a:ea typeface="+mn-ea"/>
+              <a:cs typeface="+mn-cs"/>
+            </a:endParaRPr>
+          </a:p>
+        </p:txBody>
+      </p:sp>
+      <p:sp>
+        <p:nvSpPr>
           <p:cNvPr id="2" name="Title 1">
             <a:extLst>
               <a:ext uri="{FF2B5EF4-FFF2-40B4-BE49-F238E27FC236}">
@@ -5824,18 +10465,85 @@
             <p:ph type="title"/>
           </p:nvPr>
         </p:nvSpPr>
-        <p:spPr/>
-        <p:txBody>
-          <a:bodyPr/>
-          <a:lstStyle/>
-          <a:p>
-            <a:r>
-              <a:rPr lang="en-US" dirty="0"/>
+        <p:spPr>
+          <a:xfrm>
+            <a:off x="526073" y="466578"/>
+            <a:ext cx="11139854" cy="930447"/>
+          </a:xfrm>
+        </p:spPr>
+        <p:txBody>
+          <a:bodyPr vert="horz" lIns="91440" tIns="45720" rIns="91440" bIns="45720" rtlCol="0" anchor="b">
+            <a:normAutofit/>
+          </a:bodyPr>
+          <a:lstStyle/>
+          <a:p>
+            <a:pPr algn="ctr"/>
+            <a:r>
+              <a:rPr lang="en-US" sz="5400" kern="1200">
+                <a:solidFill>
+                  <a:srgbClr val="FFFFFF"/>
+                </a:solidFill>
+                <a:latin typeface="+mj-lt"/>
+                <a:ea typeface="+mj-ea"/>
+                <a:cs typeface="+mj-cs"/>
+              </a:rPr>
               <a:t>Age Band vs Severity</a:t>
             </a:r>
           </a:p>
         </p:txBody>
       </p:sp>
+      <p:cxnSp>
+        <p:nvCxnSpPr>
+          <p:cNvPr id="12" name="Straight Connector 11">
+            <a:extLst>
+              <a:ext uri="{FF2B5EF4-FFF2-40B4-BE49-F238E27FC236}">
+                <a16:creationId xmlns:a16="http://schemas.microsoft.com/office/drawing/2014/main" id="{7E7C77BC-7138-40B1-A15B-20F57A494629}"/>
+              </a:ext>
+              <a:ext uri="{C183D7F6-B498-43B3-948B-1728B52AA6E4}">
+                <adec:decorative xmlns:adec="http://schemas.microsoft.com/office/drawing/2017/decorative" val="1"/>
+              </a:ext>
+            </a:extLst>
+          </p:cNvPr>
+          <p:cNvCxnSpPr>
+            <a:cxnSpLocks noGrp="1" noRot="1" noChangeAspect="1" noMove="1" noResize="1" noEditPoints="1" noAdjustHandles="1" noChangeArrowheads="1" noChangeShapeType="1"/>
+          </p:cNvCxnSpPr>
+          <p:nvPr>
+            <p:extLst>
+              <p:ext uri="{386F3935-93C4-4BCD-93E2-E3B085C9AB24}">
+                <p16:designElem xmlns:p16="http://schemas.microsoft.com/office/powerpoint/2015/main" val="1"/>
+              </p:ext>
+            </p:extLst>
+          </p:nvPr>
+        </p:nvCxnSpPr>
+        <p:spPr>
+          <a:xfrm>
+            <a:off x="2209800" y="1448631"/>
+            <a:ext cx="7772400" cy="0"/>
+          </a:xfrm>
+          <a:prstGeom prst="line">
+            <a:avLst/>
+          </a:prstGeom>
+          <a:ln w="22225">
+            <a:solidFill>
+              <a:srgbClr val="D9D9D9"/>
+            </a:solidFill>
+          </a:ln>
+        </p:spPr>
+        <p:style>
+          <a:lnRef idx="1">
+            <a:schemeClr val="accent1"/>
+          </a:lnRef>
+          <a:fillRef idx="0">
+            <a:schemeClr val="accent1"/>
+          </a:fillRef>
+          <a:effectRef idx="0">
+            <a:schemeClr val="accent1"/>
+          </a:effectRef>
+          <a:fontRef idx="minor">
+            <a:schemeClr val="tx1"/>
+          </a:fontRef>
+        </p:style>
+      </p:cxnSp>
       <p:pic>
         <p:nvPicPr>
           <p:cNvPr id="5" name="Content Placeholder 4">
@@ -5860,9 +10568,12 @@
         </p:blipFill>
         <p:spPr>
           <a:xfrm>
-            <a:off x="838200" y="2018460"/>
-            <a:ext cx="10515600" cy="3965668"/>
+            <a:off x="773568" y="2509911"/>
+            <a:ext cx="10589765" cy="3997637"/>
           </a:xfrm>
+          <a:prstGeom prst="rect">
+            <a:avLst/>
+          </a:prstGeom>
         </p:spPr>
       </p:pic>
     </p:spTree>
@@ -5881,6 +10592,14 @@
 <file path=ppt/slides/slide8.xml><?xml version="1.0" encoding="utf-8"?>
 <p:sld xmlns:a="http://schemas.openxmlformats.org/drawingml/2006/main" xmlns:r="http://schemas.openxmlformats.org/officeDocument/2006/relationships" xmlns:p="http://schemas.openxmlformats.org/presentationml/2006/main">
   <p:cSld>
+    <p:bg>
+      <p:bgPr>
+        <a:solidFill>
+          <a:schemeClr val="bg1"/>
+        </a:solidFill>
+        <a:effectLst/>
+      </p:bgPr>
+    </p:bg>
     <p:spTree>
       <p:nvGrpSpPr>
         <p:cNvPr id="1" name=""/>
@@ -5895,6 +10614,127 @@
           <a:chExt cx="0" cy="0"/>
         </a:xfrm>
       </p:grpSpPr>
+      <p:cxnSp>
+        <p:nvCxnSpPr>
+          <p:cNvPr id="10" name="Straight Connector 9">
+            <a:extLst>
+              <a:ext uri="{FF2B5EF4-FFF2-40B4-BE49-F238E27FC236}">
+                <a16:creationId xmlns:a16="http://schemas.microsoft.com/office/drawing/2014/main" id="{D2E961F1-4A28-4A5F-BBD4-6E400E5E6C75}"/>
+              </a:ext>
+              <a:ext uri="{C183D7F6-B498-43B3-948B-1728B52AA6E4}">
+                <adec:decorative xmlns:adec="http://schemas.microsoft.com/office/drawing/2017/decorative" val="1"/>
+              </a:ext>
+            </a:extLst>
+          </p:cNvPr>
+          <p:cNvCxnSpPr>
+            <a:cxnSpLocks noGrp="1" noRot="1" noChangeAspect="1" noMove="1" noResize="1" noEditPoints="1" noAdjustHandles="1" noChangeArrowheads="1" noChangeShapeType="1"/>
+          </p:cNvCxnSpPr>
+          <p:nvPr>
+            <p:extLst>
+              <p:ext uri="{386F3935-93C4-4BCD-93E2-E3B085C9AB24}">
+                <p16:designElem xmlns:p16="http://schemas.microsoft.com/office/powerpoint/2015/main" val="1"/>
+              </p:ext>
+            </p:extLst>
+          </p:nvPr>
+        </p:nvCxnSpPr>
+        <p:spPr bwMode="white">
+          <a:xfrm>
+            <a:off x="0" y="272357"/>
+            <a:ext cx="12188824" cy="0"/>
+          </a:xfrm>
+          <a:prstGeom prst="line">
+            <a:avLst/>
+          </a:prstGeom>
+          <a:ln w="50800">
+            <a:solidFill>
+              <a:schemeClr val="tx1">
+                <a:lumMod val="75000"/>
+                <a:lumOff val="25000"/>
+              </a:schemeClr>
+            </a:solidFill>
+          </a:ln>
+        </p:spPr>
+        <p:style>
+          <a:lnRef idx="1">
+            <a:schemeClr val="accent1"/>
+          </a:lnRef>
+          <a:fillRef idx="0">
+            <a:schemeClr val="accent1"/>
+          </a:fillRef>
+          <a:effectRef idx="0">
+            <a:schemeClr val="accent1"/>
+          </a:effectRef>
+          <a:fontRef idx="minor">
+            <a:schemeClr val="tx1"/>
+          </a:fontRef>
+        </p:style>
+      </p:cxnSp>
+      <p:sp>
+        <p:nvSpPr>
+          <p:cNvPr id="12" name="Rectangle 11">
+            <a:extLst>
+              <a:ext uri="{FF2B5EF4-FFF2-40B4-BE49-F238E27FC236}">
+                <a16:creationId xmlns:a16="http://schemas.microsoft.com/office/drawing/2014/main" id="{7F57BEA8-497D-4AA8-8A18-BDCD696B25FE}"/>
+              </a:ext>
+              <a:ext uri="{C183D7F6-B498-43B3-948B-1728B52AA6E4}">
+                <adec:decorative xmlns:adec="http://schemas.microsoft.com/office/drawing/2017/decorative" val="1"/>
+              </a:ext>
+            </a:extLst>
+          </p:cNvPr>
+          <p:cNvSpPr>
+            <a:spLocks noGrp="1" noRot="1" noChangeAspect="1" noMove="1" noResize="1" noEditPoints="1" noAdjustHandles="1" noChangeArrowheads="1" noChangeShapeType="1" noTextEdit="1"/>
+          </p:cNvSpPr>
+          <p:nvPr>
+            <p:extLst>
+              <p:ext uri="{386F3935-93C4-4BCD-93E2-E3B085C9AB24}">
+                <p16:designElem xmlns:p16="http://schemas.microsoft.com/office/powerpoint/2015/main" val="1"/>
+              </p:ext>
+            </p:extLst>
+          </p:nvPr>
+        </p:nvSpPr>
+        <p:spPr>
+          <a:xfrm>
+            <a:off x="0" y="368596"/>
+            <a:ext cx="12192000" cy="1735555"/>
+          </a:xfrm>
+          <a:prstGeom prst="rect">
+            <a:avLst/>
+          </a:prstGeom>
+          <a:solidFill>
+            <a:schemeClr val="tx1">
+              <a:lumMod val="75000"/>
+              <a:lumOff val="25000"/>
+            </a:schemeClr>
+          </a:solidFill>
+          <a:ln>
+            <a:noFill/>
+          </a:ln>
+        </p:spPr>
+        <p:style>
+          <a:lnRef idx="2">
+            <a:schemeClr val="accent1">
+              <a:shade val="50000"/>
+            </a:schemeClr>
+          </a:lnRef>
+          <a:fillRef idx="1">
+            <a:schemeClr val="accent1"/>
+          </a:fillRef>
+          <a:effectRef idx="0">
+            <a:schemeClr val="accent1"/>
+          </a:effectRef>
+          <a:fontRef idx="minor">
+            <a:schemeClr val="lt1"/>
+          </a:fontRef>
+        </p:style>
+        <p:txBody>
+          <a:bodyPr rtlCol="0" anchor="ctr"/>
+          <a:lstStyle/>
+          <a:p>
+            <a:pPr algn="ctr"/>
+            <a:endParaRPr lang="en-US"/>
+          </a:p>
+        </p:txBody>
+      </p:sp>
       <p:sp>
         <p:nvSpPr>
           <p:cNvPr id="2" name="Title 1">
@@ -5911,18 +10751,142 @@
             <p:ph type="title"/>
           </p:nvPr>
         </p:nvSpPr>
-        <p:spPr/>
-        <p:txBody>
-          <a:bodyPr/>
-          <a:lstStyle/>
-          <a:p>
-            <a:r>
-              <a:rPr lang="en-US" dirty="0"/>
+        <p:spPr>
+          <a:xfrm>
+            <a:off x="526073" y="489439"/>
+            <a:ext cx="11139854" cy="930447"/>
+          </a:xfrm>
+        </p:spPr>
+        <p:txBody>
+          <a:bodyPr vert="horz" lIns="91440" tIns="45720" rIns="91440" bIns="45720" rtlCol="0" anchor="b">
+            <a:normAutofit/>
+          </a:bodyPr>
+          <a:lstStyle/>
+          <a:p>
+            <a:pPr algn="ctr"/>
+            <a:r>
+              <a:rPr lang="en-US" sz="5400" kern="1200">
+                <a:solidFill>
+                  <a:schemeClr val="bg1"/>
+                </a:solidFill>
+                <a:latin typeface="+mj-lt"/>
+                <a:ea typeface="+mj-ea"/>
+                <a:cs typeface="+mj-cs"/>
+              </a:rPr>
               <a:t>Journey Purpose</a:t>
             </a:r>
           </a:p>
         </p:txBody>
       </p:sp>
+      <p:cxnSp>
+        <p:nvCxnSpPr>
+          <p:cNvPr id="14" name="Straight Connector 13">
+            <a:extLst>
+              <a:ext uri="{FF2B5EF4-FFF2-40B4-BE49-F238E27FC236}">
+                <a16:creationId xmlns:a16="http://schemas.microsoft.com/office/drawing/2014/main" id="{A82415D3-DDE5-4D63-8CB3-23A5EC581B27}"/>
+              </a:ext>
+              <a:ext uri="{C183D7F6-B498-43B3-948B-1728B52AA6E4}">
+                <adec:decorative xmlns:adec="http://schemas.microsoft.com/office/drawing/2017/decorative" val="1"/>
+              </a:ext>
+            </a:extLst>
+          </p:cNvPr>
+          <p:cNvCxnSpPr>
+            <a:cxnSpLocks noGrp="1" noRot="1" noChangeAspect="1" noMove="1" noResize="1" noEditPoints="1" noAdjustHandles="1" noChangeArrowheads="1" noChangeShapeType="1"/>
+          </p:cNvCxnSpPr>
+          <p:nvPr>
+            <p:extLst>
+              <p:ext uri="{386F3935-93C4-4BCD-93E2-E3B085C9AB24}">
+                <p16:designElem xmlns:p16="http://schemas.microsoft.com/office/powerpoint/2015/main" val="1"/>
+              </p:ext>
+            </p:extLst>
+          </p:nvPr>
+        </p:nvCxnSpPr>
+        <p:spPr>
+          <a:xfrm>
+            <a:off x="4724400" y="1479733"/>
+            <a:ext cx="2743200" cy="0"/>
+          </a:xfrm>
+          <a:prstGeom prst="line">
+            <a:avLst/>
+          </a:prstGeom>
+          <a:ln w="19050">
+            <a:solidFill>
+              <a:schemeClr val="bg1">
+                <a:alpha val="75000"/>
+              </a:schemeClr>
+            </a:solidFill>
+          </a:ln>
+        </p:spPr>
+        <p:style>
+          <a:lnRef idx="1">
+            <a:schemeClr val="accent1"/>
+          </a:lnRef>
+          <a:fillRef idx="0">
+            <a:schemeClr val="accent1"/>
+          </a:fillRef>
+          <a:effectRef idx="0">
+            <a:schemeClr val="accent1"/>
+          </a:effectRef>
+          <a:fontRef idx="minor">
+            <a:schemeClr val="tx1"/>
+          </a:fontRef>
+        </p:style>
+      </p:cxnSp>
+      <p:cxnSp>
+        <p:nvCxnSpPr>
+          <p:cNvPr id="16" name="Straight Connector 15">
+            <a:extLst>
+              <a:ext uri="{FF2B5EF4-FFF2-40B4-BE49-F238E27FC236}">
+                <a16:creationId xmlns:a16="http://schemas.microsoft.com/office/drawing/2014/main" id="{AD7193FB-6AE6-4B3B-8F89-56B55DD63B4D}"/>
+              </a:ext>
+              <a:ext uri="{C183D7F6-B498-43B3-948B-1728B52AA6E4}">
+                <adec:decorative xmlns:adec="http://schemas.microsoft.com/office/drawing/2017/decorative" val="1"/>
+              </a:ext>
+            </a:extLst>
+          </p:cNvPr>
+          <p:cNvCxnSpPr>
+            <a:cxnSpLocks noGrp="1" noRot="1" noChangeAspect="1" noMove="1" noResize="1" noEditPoints="1" noAdjustHandles="1" noChangeArrowheads="1" noChangeShapeType="1"/>
+          </p:cNvCxnSpPr>
+          <p:nvPr>
+            <p:extLst>
+              <p:ext uri="{386F3935-93C4-4BCD-93E2-E3B085C9AB24}">
+                <p16:designElem xmlns:p16="http://schemas.microsoft.com/office/powerpoint/2015/main" val="1"/>
+              </p:ext>
+            </p:extLst>
+          </p:nvPr>
+        </p:nvCxnSpPr>
+        <p:spPr bwMode="white">
+          <a:xfrm>
+            <a:off x="0" y="2201402"/>
+            <a:ext cx="12188824" cy="0"/>
+          </a:xfrm>
+          <a:prstGeom prst="line">
+            <a:avLst/>
+          </a:prstGeom>
+          <a:ln w="50800">
+            <a:solidFill>
+              <a:schemeClr val="tx1">
+                <a:lumMod val="75000"/>
+                <a:lumOff val="25000"/>
+              </a:schemeClr>
+            </a:solidFill>
+          </a:ln>
+        </p:spPr>
+        <p:style>
+          <a:lnRef idx="1">
+            <a:schemeClr val="accent1"/>
+          </a:lnRef>
+          <a:fillRef idx="0">
+            <a:schemeClr val="accent1"/>
+          </a:fillRef>
+          <a:effectRef idx="0">
+            <a:schemeClr val="accent1"/>
+          </a:effectRef>
+          <a:fontRef idx="minor">
+            <a:schemeClr val="tx1"/>
+          </a:fontRef>
+        </p:style>
+      </p:cxnSp>
       <p:pic>
         <p:nvPicPr>
           <p:cNvPr id="5" name="Content Placeholder 4" descr="Chart, timeline, bar chart&#10;&#10;Description automatically generated">
@@ -5947,9 +10911,12 @@
         </p:blipFill>
         <p:spPr>
           <a:xfrm>
-            <a:off x="838200" y="2018089"/>
-            <a:ext cx="10515600" cy="3966410"/>
+            <a:off x="773568" y="2427541"/>
+            <a:ext cx="10589765" cy="3997637"/>
           </a:xfrm>
+          <a:prstGeom prst="rect">
+            <a:avLst/>
+          </a:prstGeom>
         </p:spPr>
       </p:pic>
     </p:spTree>
@@ -5968,6 +10935,14 @@
 <file path=ppt/slides/slide9.xml><?xml version="1.0" encoding="utf-8"?>
 <p:sld xmlns:a="http://schemas.openxmlformats.org/drawingml/2006/main" xmlns:r="http://schemas.openxmlformats.org/officeDocument/2006/relationships" xmlns:p="http://schemas.openxmlformats.org/presentationml/2006/main">
   <p:cSld>
+    <p:bg>
+      <p:bgPr>
+        <a:solidFill>
+          <a:schemeClr val="bg1"/>
+        </a:solidFill>
+        <a:effectLst/>
+      </p:bgPr>
+    </p:bg>
     <p:spTree>
       <p:nvGrpSpPr>
         <p:cNvPr id="1" name=""/>
@@ -5982,6 +10957,127 @@
           <a:chExt cx="0" cy="0"/>
         </a:xfrm>
       </p:grpSpPr>
+      <p:cxnSp>
+        <p:nvCxnSpPr>
+          <p:cNvPr id="10" name="Straight Connector 9">
+            <a:extLst>
+              <a:ext uri="{FF2B5EF4-FFF2-40B4-BE49-F238E27FC236}">
+                <a16:creationId xmlns:a16="http://schemas.microsoft.com/office/drawing/2014/main" id="{D2E961F1-4A28-4A5F-BBD4-6E400E5E6C75}"/>
+              </a:ext>
+              <a:ext uri="{C183D7F6-B498-43B3-948B-1728B52AA6E4}">
+                <adec:decorative xmlns:adec="http://schemas.microsoft.com/office/drawing/2017/decorative" val="1"/>
+              </a:ext>
+            </a:extLst>
+          </p:cNvPr>
+          <p:cNvCxnSpPr>
+            <a:cxnSpLocks noGrp="1" noRot="1" noChangeAspect="1" noMove="1" noResize="1" noEditPoints="1" noAdjustHandles="1" noChangeArrowheads="1" noChangeShapeType="1"/>
+          </p:cNvCxnSpPr>
+          <p:nvPr>
+            <p:extLst>
+              <p:ext uri="{386F3935-93C4-4BCD-93E2-E3B085C9AB24}">
+                <p16:designElem xmlns:p16="http://schemas.microsoft.com/office/powerpoint/2015/main" val="1"/>
+              </p:ext>
+            </p:extLst>
+          </p:nvPr>
+        </p:nvCxnSpPr>
+        <p:spPr bwMode="white">
+          <a:xfrm>
+            <a:off x="0" y="272357"/>
+            <a:ext cx="12188824" cy="0"/>
+          </a:xfrm>
+          <a:prstGeom prst="line">
+            <a:avLst/>
+          </a:prstGeom>
+          <a:ln w="50800">
+            <a:solidFill>
+              <a:schemeClr val="tx1">
+                <a:lumMod val="75000"/>
+                <a:lumOff val="25000"/>
+              </a:schemeClr>
+            </a:solidFill>
+          </a:ln>
+        </p:spPr>
+        <p:style>
+          <a:lnRef idx="1">
+            <a:schemeClr val="accent1"/>
+          </a:lnRef>
+          <a:fillRef idx="0">
+            <a:schemeClr val="accent1"/>
+          </a:fillRef>
+          <a:effectRef idx="0">
+            <a:schemeClr val="accent1"/>
+          </a:effectRef>
+          <a:fontRef idx="minor">
+            <a:schemeClr val="tx1"/>
+          </a:fontRef>
+        </p:style>
+      </p:cxnSp>
+      <p:sp>
+        <p:nvSpPr>
+          <p:cNvPr id="12" name="Rectangle 11">
+            <a:extLst>
+              <a:ext uri="{FF2B5EF4-FFF2-40B4-BE49-F238E27FC236}">
+                <a16:creationId xmlns:a16="http://schemas.microsoft.com/office/drawing/2014/main" id="{7F57BEA8-497D-4AA8-8A18-BDCD696B25FE}"/>
+              </a:ext>
+              <a:ext uri="{C183D7F6-B498-43B3-948B-1728B52AA6E4}">
+                <adec:decorative xmlns:adec="http://schemas.microsoft.com/office/drawing/2017/decorative" val="1"/>
+              </a:ext>
+            </a:extLst>
+          </p:cNvPr>
+          <p:cNvSpPr>
+            <a:spLocks noGrp="1" noRot="1" noChangeAspect="1" noMove="1" noResize="1" noEditPoints="1" noAdjustHandles="1" noChangeArrowheads="1" noChangeShapeType="1" noTextEdit="1"/>
+          </p:cNvSpPr>
+          <p:nvPr>
+            <p:extLst>
+              <p:ext uri="{386F3935-93C4-4BCD-93E2-E3B085C9AB24}">
+                <p16:designElem xmlns:p16="http://schemas.microsoft.com/office/powerpoint/2015/main" val="1"/>
+              </p:ext>
+            </p:extLst>
+          </p:nvPr>
+        </p:nvSpPr>
+        <p:spPr>
+          <a:xfrm>
+            <a:off x="0" y="368596"/>
+            <a:ext cx="12192000" cy="1735555"/>
+          </a:xfrm>
+          <a:prstGeom prst="rect">
+            <a:avLst/>
+          </a:prstGeom>
+          <a:solidFill>
+            <a:schemeClr val="tx1">
+              <a:lumMod val="75000"/>
+              <a:lumOff val="25000"/>
+            </a:schemeClr>
+          </a:solidFill>
+          <a:ln>
+            <a:noFill/>
+          </a:ln>
+        </p:spPr>
+        <p:style>
+          <a:lnRef idx="2">
+            <a:schemeClr val="accent1">
+              <a:shade val="50000"/>
+            </a:schemeClr>
+          </a:lnRef>
+          <a:fillRef idx="1">
+            <a:schemeClr val="accent1"/>
+          </a:fillRef>
+          <a:effectRef idx="0">
+            <a:schemeClr val="accent1"/>
+          </a:effectRef>
+          <a:fontRef idx="minor">
+            <a:schemeClr val="lt1"/>
+          </a:fontRef>
+        </p:style>
+        <p:txBody>
+          <a:bodyPr rtlCol="0" anchor="ctr"/>
+          <a:lstStyle/>
+          <a:p>
+            <a:pPr algn="ctr"/>
+            <a:endParaRPr lang="en-US"/>
+          </a:p>
+        </p:txBody>
+      </p:sp>
       <p:sp>
         <p:nvSpPr>
           <p:cNvPr id="2" name="Title 1">
@@ -5998,25 +11094,142 @@
             <p:ph type="title"/>
           </p:nvPr>
         </p:nvSpPr>
-        <p:spPr/>
-        <p:txBody>
-          <a:bodyPr>
+        <p:spPr>
+          <a:xfrm>
+            <a:off x="526073" y="489439"/>
+            <a:ext cx="11139854" cy="930447"/>
+          </a:xfrm>
+        </p:spPr>
+        <p:txBody>
+          <a:bodyPr vert="horz" lIns="91440" tIns="45720" rIns="91440" bIns="45720" rtlCol="0" anchor="b">
             <a:normAutofit/>
           </a:bodyPr>
           <a:lstStyle/>
           <a:p>
-            <a:r>
-              <a:rPr lang="en-US" sz="1000" dirty="0"/>
-              <a:t>Vehicle </a:t>
-            </a:r>
-            <a:r>
-              <a:rPr lang="en-US" sz="1000" dirty="0" err="1"/>
-              <a:t>Manoeuvre</a:t>
-            </a:r>
-            <a:endParaRPr lang="en-US" sz="1000" dirty="0"/>
-          </a:p>
-        </p:txBody>
-      </p:sp>
+            <a:pPr algn="ctr"/>
+            <a:r>
+              <a:rPr lang="en-US" sz="5400" kern="1200">
+                <a:solidFill>
+                  <a:schemeClr val="bg1"/>
+                </a:solidFill>
+                <a:latin typeface="+mj-lt"/>
+                <a:ea typeface="+mj-ea"/>
+                <a:cs typeface="+mj-cs"/>
+              </a:rPr>
+              <a:t>Vehicle Manoeuvre</a:t>
+            </a:r>
+          </a:p>
+        </p:txBody>
+      </p:sp>
+      <p:cxnSp>
+        <p:nvCxnSpPr>
+          <p:cNvPr id="14" name="Straight Connector 13">
+            <a:extLst>
+              <a:ext uri="{FF2B5EF4-FFF2-40B4-BE49-F238E27FC236}">
+                <a16:creationId xmlns:a16="http://schemas.microsoft.com/office/drawing/2014/main" id="{A82415D3-DDE5-4D63-8CB3-23A5EC581B27}"/>
+              </a:ext>
+              <a:ext uri="{C183D7F6-B498-43B3-948B-1728B52AA6E4}">
+                <adec:decorative xmlns:adec="http://schemas.microsoft.com/office/drawing/2017/decorative" val="1"/>
+              </a:ext>
+            </a:extLst>
+          </p:cNvPr>
+          <p:cNvCxnSpPr>
+            <a:cxnSpLocks noGrp="1" noRot="1" noChangeAspect="1" noMove="1" noResize="1" noEditPoints="1" noAdjustHandles="1" noChangeArrowheads="1" noChangeShapeType="1"/>
+          </p:cNvCxnSpPr>
+          <p:nvPr>
+            <p:extLst>
+              <p:ext uri="{386F3935-93C4-4BCD-93E2-E3B085C9AB24}">
+                <p16:designElem xmlns:p16="http://schemas.microsoft.com/office/powerpoint/2015/main" val="1"/>
+              </p:ext>
+            </p:extLst>
+          </p:nvPr>
+        </p:nvCxnSpPr>
+        <p:spPr>
+          <a:xfrm>
+            <a:off x="4724400" y="1479733"/>
+            <a:ext cx="2743200" cy="0"/>
+          </a:xfrm>
+          <a:prstGeom prst="line">
+            <a:avLst/>
+          </a:prstGeom>
+          <a:ln w="19050">
+            <a:solidFill>
+              <a:schemeClr val="bg1">
+                <a:alpha val="75000"/>
+              </a:schemeClr>
+            </a:solidFill>
+          </a:ln>
+        </p:spPr>
+        <p:style>
+          <a:lnRef idx="1">
+            <a:schemeClr val="accent1"/>
+          </a:lnRef>
+          <a:fillRef idx="0">
+            <a:schemeClr val="accent1"/>
+          </a:fillRef>
+          <a:effectRef idx="0">
+            <a:schemeClr val="accent1"/>
+          </a:effectRef>
+          <a:fontRef idx="minor">
+            <a:schemeClr val="tx1"/>
+          </a:fontRef>
+        </p:style>
+      </p:cxnSp>
+      <p:cxnSp>
+        <p:nvCxnSpPr>
+          <p:cNvPr id="16" name="Straight Connector 15">
+            <a:extLst>
+              <a:ext uri="{FF2B5EF4-FFF2-40B4-BE49-F238E27FC236}">
+                <a16:creationId xmlns:a16="http://schemas.microsoft.com/office/drawing/2014/main" id="{AD7193FB-6AE6-4B3B-8F89-56B55DD63B4D}"/>
+              </a:ext>
+              <a:ext uri="{C183D7F6-B498-43B3-948B-1728B52AA6E4}">
+                <adec:decorative xmlns:adec="http://schemas.microsoft.com/office/drawing/2017/decorative" val="1"/>
+              </a:ext>
+            </a:extLst>
+          </p:cNvPr>
+          <p:cNvCxnSpPr>
+            <a:cxnSpLocks noGrp="1" noRot="1" noChangeAspect="1" noMove="1" noResize="1" noEditPoints="1" noAdjustHandles="1" noChangeArrowheads="1" noChangeShapeType="1"/>
+          </p:cNvCxnSpPr>
+          <p:nvPr>
+            <p:extLst>
+              <p:ext uri="{386F3935-93C4-4BCD-93E2-E3B085C9AB24}">
+                <p16:designElem xmlns:p16="http://schemas.microsoft.com/office/powerpoint/2015/main" val="1"/>
+              </p:ext>
+            </p:extLst>
+          </p:nvPr>
+        </p:nvCxnSpPr>
+        <p:spPr bwMode="white">
+          <a:xfrm>
+            <a:off x="0" y="2201402"/>
+            <a:ext cx="12188824" cy="0"/>
+          </a:xfrm>
+          <a:prstGeom prst="line">
+            <a:avLst/>
+          </a:prstGeom>
+          <a:ln w="50800">
+            <a:solidFill>
+              <a:schemeClr val="tx1">
+                <a:lumMod val="75000"/>
+                <a:lumOff val="25000"/>
+              </a:schemeClr>
+            </a:solidFill>
+          </a:ln>
+        </p:spPr>
+        <p:style>
+          <a:lnRef idx="1">
+            <a:schemeClr val="accent1"/>
+          </a:lnRef>
+          <a:fillRef idx="0">
+            <a:schemeClr val="accent1"/>
+          </a:fillRef>
+          <a:effectRef idx="0">
+            <a:schemeClr val="accent1"/>
+          </a:effectRef>
+          <a:fontRef idx="minor">
+            <a:schemeClr val="tx1"/>
+          </a:fontRef>
+        </p:style>
+      </p:cxnSp>
       <p:pic>
         <p:nvPicPr>
           <p:cNvPr id="5" name="Content Placeholder 4" descr="A picture containing chart&#10;&#10;Description automatically generated">
@@ -6041,9 +11254,12 @@
         </p:blipFill>
         <p:spPr>
           <a:xfrm>
-            <a:off x="838200" y="1968591"/>
-            <a:ext cx="10515600" cy="4065406"/>
+            <a:off x="910209" y="2427541"/>
+            <a:ext cx="10316483" cy="3997637"/>
           </a:xfrm>
+          <a:prstGeom prst="rect">
+            <a:avLst/>
+          </a:prstGeom>
         </p:spPr>
       </p:pic>
     </p:spTree>
